--- a/slide 2.pptx
+++ b/slide 2.pptx
@@ -3,21 +3,25 @@
 <p:presentation xmlns:a="http://schemas.openxmlformats.org/drawingml/2006/main" xmlns:r="http://schemas.openxmlformats.org/officeDocument/2006/relationships" xmlns:p="http://schemas.openxmlformats.org/presentationml/2006/main" removePersonalInfoOnSave="1" saveSubsetFonts="1">
   <p:sldMasterIdLst>
     <p:sldMasterId id="2147483648" r:id="rId2"/>
+    <p:sldMasterId id="2147483661" r:id="rId3"/>
   </p:sldMasterIdLst>
   <p:notesMasterIdLst>
-    <p:notesMasterId r:id="rId10"/>
+    <p:notesMasterId r:id="rId14"/>
   </p:notesMasterIdLst>
   <p:handoutMasterIdLst>
-    <p:handoutMasterId r:id="rId11"/>
+    <p:handoutMasterId r:id="rId15"/>
   </p:handoutMasterIdLst>
   <p:sldIdLst>
-    <p:sldId id="272" r:id="rId3"/>
-    <p:sldId id="258" r:id="rId4"/>
-    <p:sldId id="298" r:id="rId5"/>
-    <p:sldId id="299" r:id="rId6"/>
-    <p:sldId id="300" r:id="rId7"/>
-    <p:sldId id="283" r:id="rId8"/>
-    <p:sldId id="282" r:id="rId9"/>
+    <p:sldId id="272" r:id="rId4"/>
+    <p:sldId id="258" r:id="rId5"/>
+    <p:sldId id="298" r:id="rId6"/>
+    <p:sldId id="301" r:id="rId7"/>
+    <p:sldId id="302" r:id="rId8"/>
+    <p:sldId id="303" r:id="rId9"/>
+    <p:sldId id="299" r:id="rId10"/>
+    <p:sldId id="300" r:id="rId11"/>
+    <p:sldId id="283" r:id="rId12"/>
+    <p:sldId id="282" r:id="rId13"/>
   </p:sldIdLst>
   <p:sldSz cx="12192000" cy="6858000"/>
   <p:notesSz cx="6858000" cy="9144000"/>
@@ -226,7 +230,7 @@
           <a:p>
             <a:fld id="{20EA5F0D-C1DC-412F-A146-DDB3A74B588F}" type="datetimeFigureOut">
               <a:rPr lang="en-US"/>
-              <a:t>15/07/2016</a:t>
+              <a:t>16/07/2016</a:t>
             </a:fld>
             <a:endParaRPr/>
           </a:p>
@@ -391,7 +395,7 @@
           <a:p>
             <a:fld id="{A8CDE508-72C8-4AB5-AA9C-1584D31690E0}" type="datetimeFigureOut">
               <a:rPr lang="en-US"/>
-              <a:t>15/07/2016</a:t>
+              <a:t>16/07/2016</a:t>
             </a:fld>
             <a:endParaRPr/>
           </a:p>
@@ -756,6 +760,110 @@
 </p:notes>
 </file>
 
+<file path=ppt/notesSlides/notesSlide10.xml><?xml version="1.0" encoding="utf-8"?>
+<p:notes xmlns:a="http://schemas.openxmlformats.org/drawingml/2006/main" xmlns:r="http://schemas.openxmlformats.org/officeDocument/2006/relationships" xmlns:p="http://schemas.openxmlformats.org/presentationml/2006/main">
+  <p:cSld>
+    <p:spTree>
+      <p:nvGrpSpPr>
+        <p:cNvPr id="1" name=""/>
+        <p:cNvGrpSpPr/>
+        <p:nvPr/>
+      </p:nvGrpSpPr>
+      <p:grpSpPr>
+        <a:xfrm>
+          <a:off x="0" y="0"/>
+          <a:ext cx="0" cy="0"/>
+          <a:chOff x="0" y="0"/>
+          <a:chExt cx="0" cy="0"/>
+        </a:xfrm>
+      </p:grpSpPr>
+      <p:sp>
+        <p:nvSpPr>
+          <p:cNvPr id="2" name="Slide Image Placeholder 1"/>
+          <p:cNvSpPr>
+            <a:spLocks noGrp="1" noRot="1" noChangeAspect="1"/>
+          </p:cNvSpPr>
+          <p:nvPr>
+            <p:ph type="sldImg"/>
+          </p:nvPr>
+        </p:nvSpPr>
+        <p:spPr/>
+      </p:sp>
+      <p:sp>
+        <p:nvSpPr>
+          <p:cNvPr id="3" name="Notes Placeholder 2"/>
+          <p:cNvSpPr>
+            <a:spLocks noGrp="1"/>
+          </p:cNvSpPr>
+          <p:nvPr>
+            <p:ph type="body" idx="1"/>
+          </p:nvPr>
+        </p:nvSpPr>
+        <p:spPr/>
+        <p:txBody>
+          <a:bodyPr/>
+          <a:lstStyle/>
+          <a:p>
+            <a:r>
+              <a:rPr lang="en-US" smtClean="0"/>
+              <a:t>Chúng</a:t>
+            </a:r>
+            <a:r>
+              <a:rPr lang="en-US" baseline="0" smtClean="0"/>
+              <a:t> em đã trình bày xong về đề tài của mình, </a:t>
+            </a:r>
+            <a:r>
+              <a:rPr lang="en-US" smtClean="0"/>
+              <a:t>Cảm</a:t>
+            </a:r>
+            <a:r>
+              <a:rPr lang="en-US" baseline="0" smtClean="0"/>
+              <a:t> </a:t>
+            </a:r>
+            <a:r>
+              <a:rPr lang="en-US" baseline="0" smtClean="0"/>
+              <a:t>ơn quý thầy cô, các anh chị doanh nghiệp và các bạn sinh viên đã chú ý lắng nghe.</a:t>
+            </a:r>
+            <a:endParaRPr lang="en-US"/>
+          </a:p>
+        </p:txBody>
+      </p:sp>
+      <p:sp>
+        <p:nvSpPr>
+          <p:cNvPr id="4" name="Slide Number Placeholder 3"/>
+          <p:cNvSpPr>
+            <a:spLocks noGrp="1"/>
+          </p:cNvSpPr>
+          <p:nvPr>
+            <p:ph type="sldNum" sz="quarter" idx="10"/>
+          </p:nvPr>
+        </p:nvSpPr>
+        <p:spPr/>
+        <p:txBody>
+          <a:bodyPr/>
+          <a:lstStyle/>
+          <a:p>
+            <a:fld id="{7FB667E1-E601-4AAF-B95C-B25720D70A60}" type="slidenum">
+              <a:rPr lang="en-US" smtClean="0"/>
+              <a:t>10</a:t>
+            </a:fld>
+            <a:endParaRPr lang="en-US"/>
+          </a:p>
+        </p:txBody>
+      </p:sp>
+    </p:spTree>
+    <p:extLst>
+      <p:ext uri="{BB962C8B-B14F-4D97-AF65-F5344CB8AC3E}">
+        <p14:creationId xmlns:p14="http://schemas.microsoft.com/office/powerpoint/2010/main" val="1211318277"/>
+      </p:ext>
+    </p:extLst>
+  </p:cSld>
+  <p:clrMapOvr>
+    <a:masterClrMapping/>
+  </p:clrMapOvr>
+</p:notes>
+</file>
+
 <file path=ppt/notesSlides/notesSlide2.xml><?xml version="1.0" encoding="utf-8"?>
 <p:notes xmlns:a="http://schemas.openxmlformats.org/drawingml/2006/main" xmlns:r="http://schemas.openxmlformats.org/officeDocument/2006/relationships" xmlns:p="http://schemas.openxmlformats.org/presentationml/2006/main">
   <p:cSld>
@@ -1147,7 +1255,7 @@
       </p:grpSpPr>
       <p:sp>
         <p:nvSpPr>
-          <p:cNvPr id="2" name="Slide Image Placeholder 1"/>
+          <p:cNvPr id="2" name="Chỗ dành sẵn cho Hình ảnh của Bản chiếu 1"/>
           <p:cNvSpPr>
             <a:spLocks noGrp="1" noRot="1" noChangeAspect="1"/>
           </p:cNvSpPr>
@@ -1159,7 +1267,7 @@
       </p:sp>
       <p:sp>
         <p:nvSpPr>
-          <p:cNvPr id="3" name="Notes Placeholder 2"/>
+          <p:cNvPr id="3" name="Chỗ dành sẵn cho Ghi chú 2"/>
           <p:cNvSpPr>
             <a:spLocks noGrp="1"/>
           </p:cNvSpPr>
@@ -1177,20 +1285,45 @@
               <a:buChar char="-"/>
             </a:pPr>
             <a:r>
-              <a:rPr lang="en-US" smtClean="0"/>
-              <a:t>Khi xây</a:t>
-            </a:r>
-            <a:r>
               <a:rPr lang="en-US" baseline="0" smtClean="0"/>
-              <a:t> dựng hệ thống chúng em tìm hiểu và gặp phải những khó khan nhất định. Chủ yếu là các khó khan, các bài toán cần được giải quyết khi xây dựng mạng xã hội.  Và để hoàn thiện được nó chúng em sẽ trình bày một số giải pháp mà chúng em sử dụng trong đề tài này.</a:t>
-            </a:r>
-            <a:endParaRPr lang="en-US" dirty="0" smtClean="0"/>
-          </a:p>
-        </p:txBody>
-      </p:sp>
-      <p:sp>
-        <p:nvSpPr>
-          <p:cNvPr id="4" name="Slide Number Placeholder 3"/>
+              <a:t>chức năng đầu tiên mà chúng em sẽ trình bày chính là chức năng nhắc nhở các địa điểm dựa trên vị trí.</a:t>
+            </a:r>
+          </a:p>
+          <a:p>
+            <a:pPr marL="171450" indent="-171450">
+              <a:buFontTx/>
+              <a:buChar char="-"/>
+            </a:pPr>
+            <a:r>
+              <a:rPr lang="en-US" baseline="0" smtClean="0"/>
+              <a:t>Với mỗi địa điểm mà chúng ta đi qua, đâu đó cũng là những nơi có những kỷ niệm tuyệt vời hay có một phong cảnh đẹp. Vậy nên hệ thống của em ngoài xây dựng các chức năng để chia sẻ cho bạn bè về địa điểm đó thì còn có khả năng nhắc nhở mỗi lần vô tình đi qua nơi đó. </a:t>
+            </a:r>
+          </a:p>
+          <a:p>
+            <a:pPr marL="171450" indent="-171450">
+              <a:buFontTx/>
+              <a:buChar char="-"/>
+            </a:pPr>
+            <a:r>
+              <a:rPr lang="en-US" baseline="0" smtClean="0"/>
+              <a:t>Người dung ko cần phải tìm kiếm, hay cố nhớ những địa điểm xa lạ mà chỉ cần 1 lần đi qua các địa điểm đã được bạn bè chia sẻ trước đó sẽ được thông báo đến  ứng dụng. Có thể khám phá thêm được các địa điểm mới mà không phải tốn nhiều công sức tìm kiếm….</a:t>
+            </a:r>
+          </a:p>
+          <a:p>
+            <a:pPr marL="171450" indent="-171450">
+              <a:buFontTx/>
+              <a:buChar char="-"/>
+            </a:pPr>
+            <a:r>
+              <a:rPr lang="en-US" baseline="0" smtClean="0"/>
+              <a:t>Cũng như với những khoảng khắc kỷ niệm của bản thân thì một thời gian sau khi đi đến ứng dụng sẽ thông báo nhắc nhở về sự kiện đó, dù cho là mấy năm về trước hay lâu rồi không ghé qua cũng có thể giúp kỷ niệm được ùa về.</a:t>
+            </a:r>
+          </a:p>
+        </p:txBody>
+      </p:sp>
+      <p:sp>
+        <p:nvSpPr>
+          <p:cNvPr id="4" name="Chỗ dành sẵn cho Số hiệu Bản chiếu 3"/>
           <p:cNvSpPr>
             <a:spLocks noGrp="1"/>
           </p:cNvSpPr>
@@ -1214,7 +1347,7 @@
     </p:spTree>
     <p:extLst>
       <p:ext uri="{BB962C8B-B14F-4D97-AF65-F5344CB8AC3E}">
-        <p14:creationId xmlns:p14="http://schemas.microsoft.com/office/powerpoint/2010/main" val="3124727630"/>
+        <p14:creationId xmlns:p14="http://schemas.microsoft.com/office/powerpoint/2010/main" val="3892288983"/>
       </p:ext>
     </p:extLst>
   </p:cSld>
@@ -1243,7 +1376,7 @@
       </p:grpSpPr>
       <p:sp>
         <p:nvSpPr>
-          <p:cNvPr id="2" name="Slide Image Placeholder 1"/>
+          <p:cNvPr id="2" name="Chỗ dành sẵn cho Hình ảnh của Bản chiếu 1"/>
           <p:cNvSpPr>
             <a:spLocks noGrp="1" noRot="1" noChangeAspect="1"/>
           </p:cNvSpPr>
@@ -1255,7 +1388,7 @@
       </p:sp>
       <p:sp>
         <p:nvSpPr>
-          <p:cNvPr id="3" name="Notes Placeholder 2"/>
+          <p:cNvPr id="3" name="Chỗ dành sẵn cho Ghi chú 2"/>
           <p:cNvSpPr>
             <a:spLocks noGrp="1"/>
           </p:cNvSpPr>
@@ -1273,20 +1406,46 @@
               <a:buChar char="-"/>
             </a:pPr>
             <a:r>
-              <a:rPr lang="en-US" smtClean="0"/>
-              <a:t>Tiếp theo là</a:t>
-            </a:r>
-            <a:r>
               <a:rPr lang="en-US" baseline="0" smtClean="0"/>
-              <a:t> phần demo ứng dụng thực tế.</a:t>
-            </a:r>
-            <a:endParaRPr lang="en-US" dirty="0" smtClean="0"/>
-          </a:p>
-        </p:txBody>
-      </p:sp>
-      <p:sp>
-        <p:nvSpPr>
-          <p:cNvPr id="4" name="Slide Number Placeholder 3"/>
+              <a:t>Ngoài ra, chúng em cụ thể hóa các địa điểm thành một chức năng chia sẻ hành trình cụ thể.</a:t>
+            </a:r>
+          </a:p>
+          <a:p>
+            <a:pPr marL="171450" indent="-171450">
+              <a:buFontTx/>
+              <a:buChar char="-"/>
+            </a:pPr>
+            <a:r>
+              <a:rPr lang="en-US" baseline="0" smtClean="0"/>
+              <a:t>Khi bắt đầu 1 chuyến đi du dịch hay đi khám phá những vùng đất mới, người dung sẽ không cần phải dừng tay cầm điện thoại lên và check in. thay vào đó, ứng dụng sẽ lưu vết lại các địa điểm thú vị trong chuyến hành trình đó. Khi đến điểm dừng, có thể chỉnh sửa hoặc thay đổi các điểm dừng bên trong đó.</a:t>
+            </a:r>
+          </a:p>
+          <a:p>
+            <a:pPr marL="171450" indent="-171450">
+              <a:buFontTx/>
+              <a:buChar char="-"/>
+            </a:pPr>
+            <a:r>
+              <a:rPr lang="en-US" baseline="0" smtClean="0"/>
+              <a:t>Với bạn bè, thay vì phải khám phá, thì có thể ở nhà nắm bắt được các địa điểm thú vị trên một hành trình đó, cũng như có được thông tin cụ thể chuyến đi. Từ đó có thể xác định được một hành trình mới cho mình dựa trên các địa điểm mình mong muốn.</a:t>
+            </a:r>
+          </a:p>
+          <a:p>
+            <a:pPr marL="171450" indent="-171450">
+              <a:buFontTx/>
+              <a:buChar char="-"/>
+            </a:pPr>
+            <a:r>
+              <a:rPr lang="en-US" baseline="0" smtClean="0"/>
+              <a:t>Thay vì chỉ có một địa điểm cần chú ý, người dung có thể lưu lại ký ức cho mình thành một chuyến đi thú vị và chia sẻ nó cho bạn bè.</a:t>
+            </a:r>
+            <a:endParaRPr lang="en-US" baseline="0" dirty="0" smtClean="0"/>
+          </a:p>
+        </p:txBody>
+      </p:sp>
+      <p:sp>
+        <p:nvSpPr>
+          <p:cNvPr id="4" name="Chỗ dành sẵn cho Số hiệu Bản chiếu 3"/>
           <p:cNvSpPr>
             <a:spLocks noGrp="1"/>
           </p:cNvSpPr>
@@ -1310,7 +1469,7 @@
     </p:spTree>
     <p:extLst>
       <p:ext uri="{BB962C8B-B14F-4D97-AF65-F5344CB8AC3E}">
-        <p14:creationId xmlns:p14="http://schemas.microsoft.com/office/powerpoint/2010/main" val="2168996620"/>
+        <p14:creationId xmlns:p14="http://schemas.microsoft.com/office/powerpoint/2010/main" val="1451140970"/>
       </p:ext>
     </p:extLst>
   </p:cSld>
@@ -1339,7 +1498,7 @@
       </p:grpSpPr>
       <p:sp>
         <p:nvSpPr>
-          <p:cNvPr id="2" name="Slide Image Placeholder 1"/>
+          <p:cNvPr id="2" name="Chỗ dành sẵn cho Hình ảnh của Bản chiếu 1"/>
           <p:cNvSpPr>
             <a:spLocks noGrp="1" noRot="1" noChangeAspect="1"/>
           </p:cNvSpPr>
@@ -1351,7 +1510,7 @@
       </p:sp>
       <p:sp>
         <p:nvSpPr>
-          <p:cNvPr id="3" name="Notes Placeholder 2"/>
+          <p:cNvPr id="3" name="Chỗ dành sẵn cho Ghi chú 2"/>
           <p:cNvSpPr>
             <a:spLocks noGrp="1"/>
           </p:cNvSpPr>
@@ -1364,25 +1523,39 @@
           <a:bodyPr/>
           <a:lstStyle/>
           <a:p>
-            <a:pPr marL="171450" indent="-171450">
-              <a:buFontTx/>
-              <a:buChar char="-"/>
-            </a:pPr>
-            <a:r>
-              <a:rPr lang="en-US" smtClean="0"/>
-              <a:t>Đây</a:t>
+            <a:r>
+              <a:rPr lang="en-US" smtClean="0"/>
+              <a:t>Bên</a:t>
             </a:r>
             <a:r>
               <a:rPr lang="en-US" baseline="0" smtClean="0"/>
-              <a:t> là các tài liệu được tham khảo trong quá trình trình bày này</a:t>
-            </a:r>
-            <a:endParaRPr lang="en-US"/>
-          </a:p>
-        </p:txBody>
-      </p:sp>
-      <p:sp>
-        <p:nvSpPr>
-          <p:cNvPr id="4" name="Slide Number Placeholder 3"/>
+              <a:t> cạnh đó, người dung có thể chủ động tìm kiếm các địa điểm thông qua chức năng tìm kiếm,</a:t>
+            </a:r>
+          </a:p>
+          <a:p>
+            <a:r>
+              <a:rPr lang="en-US" baseline="0" smtClean="0"/>
+              <a:t>Với chức năng này, không phải là phải duyệt, đọc qua các bài viết và tìm địa điểm gắn với bài viết đó, chức năng này được xây dựng trực quan trên bản đồ.</a:t>
+            </a:r>
+            <a:endParaRPr lang="en-US" baseline="0" dirty="0" smtClean="0"/>
+          </a:p>
+          <a:p>
+            <a:r>
+              <a:rPr lang="en-US" baseline="0" smtClean="0"/>
+              <a:t>Người dung chỉ cần chọn trên bản đồ, ứng dụng sẽ khoanh vùng tìm kiếm các địa điểm xung quanh vị trí mà người dung chọn, có thể là địa điểm hiện tại hoặc là một địa điểm nào đó tùy ý.</a:t>
+            </a:r>
+          </a:p>
+          <a:p>
+            <a:r>
+              <a:rPr lang="en-US" baseline="0" smtClean="0"/>
+              <a:t>Với chức năng này, có thể sử dụng khi người dung đang ở 1 nơi nào đó, muốn xem thử xung quanh đây có nơi nào đẹp nữa không mà bạn bè đã chia sẻ. Hoặc tìm được nhiều địa điểm cho một chuyến đi đến một vùng nào đó. Thay vì chỉ có một ý tưởng cho chuyến đi, người dung sẽ có nhiều lựa chọn hơn khám phá được các địa điểm thú vị mà không phải tốn thêm thời gian di chuyển đến đó một lần nữa.</a:t>
+            </a:r>
+          </a:p>
+        </p:txBody>
+      </p:sp>
+      <p:sp>
+        <p:nvSpPr>
+          <p:cNvPr id="4" name="Chỗ dành sẵn cho Số hiệu Bản chiếu 3"/>
           <p:cNvSpPr>
             <a:spLocks noGrp="1"/>
           </p:cNvSpPr>
@@ -1406,7 +1579,7 @@
     </p:spTree>
     <p:extLst>
       <p:ext uri="{BB962C8B-B14F-4D97-AF65-F5344CB8AC3E}">
-        <p14:creationId xmlns:p14="http://schemas.microsoft.com/office/powerpoint/2010/main" val="20639309"/>
+        <p14:creationId xmlns:p14="http://schemas.microsoft.com/office/powerpoint/2010/main" val="629513611"/>
       </p:ext>
     </p:extLst>
   </p:cSld>
@@ -1460,15 +1633,19 @@
           <a:bodyPr/>
           <a:lstStyle/>
           <a:p>
-            <a:r>
-              <a:rPr lang="en-US" smtClean="0"/>
-              <a:t>Cảm</a:t>
+            <a:pPr marL="171450" indent="-171450">
+              <a:buFontTx/>
+              <a:buChar char="-"/>
+            </a:pPr>
+            <a:r>
+              <a:rPr lang="en-US" smtClean="0"/>
+              <a:t>Khi xây</a:t>
             </a:r>
             <a:r>
               <a:rPr lang="en-US" baseline="0" smtClean="0"/>
-              <a:t> ơn quý thầy cô, các anh chị doanh nghiệp và các bạn sinh viên đã chú ý lắng nghe.</a:t>
-            </a:r>
-            <a:endParaRPr lang="en-US"/>
+              <a:t> dựng hệ thống chúng em tìm hiểu và gặp phải những khó khan nhất định. Chủ yếu là các khó khan, các bài toán cần được giải quyết khi xây dựng mạng xã hội.  Và để hoàn thiện được nó chúng em sẽ trình bày một số giải pháp mà chúng em sử dụng trong đề tài này.</a:t>
+            </a:r>
+            <a:endParaRPr lang="en-US" dirty="0" smtClean="0"/>
           </a:p>
         </p:txBody>
       </p:sp>
@@ -1498,7 +1675,199 @@
     </p:spTree>
     <p:extLst>
       <p:ext uri="{BB962C8B-B14F-4D97-AF65-F5344CB8AC3E}">
-        <p14:creationId xmlns:p14="http://schemas.microsoft.com/office/powerpoint/2010/main" val="1211318277"/>
+        <p14:creationId xmlns:p14="http://schemas.microsoft.com/office/powerpoint/2010/main" val="3124727630"/>
+      </p:ext>
+    </p:extLst>
+  </p:cSld>
+  <p:clrMapOvr>
+    <a:masterClrMapping/>
+  </p:clrMapOvr>
+</p:notes>
+</file>
+
+<file path=ppt/notesSlides/notesSlide8.xml><?xml version="1.0" encoding="utf-8"?>
+<p:notes xmlns:a="http://schemas.openxmlformats.org/drawingml/2006/main" xmlns:r="http://schemas.openxmlformats.org/officeDocument/2006/relationships" xmlns:p="http://schemas.openxmlformats.org/presentationml/2006/main">
+  <p:cSld>
+    <p:spTree>
+      <p:nvGrpSpPr>
+        <p:cNvPr id="1" name=""/>
+        <p:cNvGrpSpPr/>
+        <p:nvPr/>
+      </p:nvGrpSpPr>
+      <p:grpSpPr>
+        <a:xfrm>
+          <a:off x="0" y="0"/>
+          <a:ext cx="0" cy="0"/>
+          <a:chOff x="0" y="0"/>
+          <a:chExt cx="0" cy="0"/>
+        </a:xfrm>
+      </p:grpSpPr>
+      <p:sp>
+        <p:nvSpPr>
+          <p:cNvPr id="2" name="Slide Image Placeholder 1"/>
+          <p:cNvSpPr>
+            <a:spLocks noGrp="1" noRot="1" noChangeAspect="1"/>
+          </p:cNvSpPr>
+          <p:nvPr>
+            <p:ph type="sldImg"/>
+          </p:nvPr>
+        </p:nvSpPr>
+        <p:spPr/>
+      </p:sp>
+      <p:sp>
+        <p:nvSpPr>
+          <p:cNvPr id="3" name="Notes Placeholder 2"/>
+          <p:cNvSpPr>
+            <a:spLocks noGrp="1"/>
+          </p:cNvSpPr>
+          <p:nvPr>
+            <p:ph type="body" idx="1"/>
+          </p:nvPr>
+        </p:nvSpPr>
+        <p:spPr/>
+        <p:txBody>
+          <a:bodyPr/>
+          <a:lstStyle/>
+          <a:p>
+            <a:pPr marL="171450" indent="-171450">
+              <a:buFontTx/>
+              <a:buChar char="-"/>
+            </a:pPr>
+            <a:r>
+              <a:rPr lang="en-US" smtClean="0"/>
+              <a:t>Tiếp theo là</a:t>
+            </a:r>
+            <a:r>
+              <a:rPr lang="en-US" baseline="0" smtClean="0"/>
+              <a:t> phần demo ứng dụng thực tế.</a:t>
+            </a:r>
+            <a:endParaRPr lang="en-US" dirty="0" smtClean="0"/>
+          </a:p>
+        </p:txBody>
+      </p:sp>
+      <p:sp>
+        <p:nvSpPr>
+          <p:cNvPr id="4" name="Slide Number Placeholder 3"/>
+          <p:cNvSpPr>
+            <a:spLocks noGrp="1"/>
+          </p:cNvSpPr>
+          <p:nvPr>
+            <p:ph type="sldNum" sz="quarter" idx="10"/>
+          </p:nvPr>
+        </p:nvSpPr>
+        <p:spPr/>
+        <p:txBody>
+          <a:bodyPr/>
+          <a:lstStyle/>
+          <a:p>
+            <a:fld id="{7FB667E1-E601-4AAF-B95C-B25720D70A60}" type="slidenum">
+              <a:rPr lang="en-US" smtClean="0"/>
+              <a:t>8</a:t>
+            </a:fld>
+            <a:endParaRPr lang="en-US"/>
+          </a:p>
+        </p:txBody>
+      </p:sp>
+    </p:spTree>
+    <p:extLst>
+      <p:ext uri="{BB962C8B-B14F-4D97-AF65-F5344CB8AC3E}">
+        <p14:creationId xmlns:p14="http://schemas.microsoft.com/office/powerpoint/2010/main" val="2168996620"/>
+      </p:ext>
+    </p:extLst>
+  </p:cSld>
+  <p:clrMapOvr>
+    <a:masterClrMapping/>
+  </p:clrMapOvr>
+</p:notes>
+</file>
+
+<file path=ppt/notesSlides/notesSlide9.xml><?xml version="1.0" encoding="utf-8"?>
+<p:notes xmlns:a="http://schemas.openxmlformats.org/drawingml/2006/main" xmlns:r="http://schemas.openxmlformats.org/officeDocument/2006/relationships" xmlns:p="http://schemas.openxmlformats.org/presentationml/2006/main">
+  <p:cSld>
+    <p:spTree>
+      <p:nvGrpSpPr>
+        <p:cNvPr id="1" name=""/>
+        <p:cNvGrpSpPr/>
+        <p:nvPr/>
+      </p:nvGrpSpPr>
+      <p:grpSpPr>
+        <a:xfrm>
+          <a:off x="0" y="0"/>
+          <a:ext cx="0" cy="0"/>
+          <a:chOff x="0" y="0"/>
+          <a:chExt cx="0" cy="0"/>
+        </a:xfrm>
+      </p:grpSpPr>
+      <p:sp>
+        <p:nvSpPr>
+          <p:cNvPr id="2" name="Slide Image Placeholder 1"/>
+          <p:cNvSpPr>
+            <a:spLocks noGrp="1" noRot="1" noChangeAspect="1"/>
+          </p:cNvSpPr>
+          <p:nvPr>
+            <p:ph type="sldImg"/>
+          </p:nvPr>
+        </p:nvSpPr>
+        <p:spPr/>
+      </p:sp>
+      <p:sp>
+        <p:nvSpPr>
+          <p:cNvPr id="3" name="Notes Placeholder 2"/>
+          <p:cNvSpPr>
+            <a:spLocks noGrp="1"/>
+          </p:cNvSpPr>
+          <p:nvPr>
+            <p:ph type="body" idx="1"/>
+          </p:nvPr>
+        </p:nvSpPr>
+        <p:spPr/>
+        <p:txBody>
+          <a:bodyPr/>
+          <a:lstStyle/>
+          <a:p>
+            <a:pPr marL="171450" indent="-171450">
+              <a:buFontTx/>
+              <a:buChar char="-"/>
+            </a:pPr>
+            <a:r>
+              <a:rPr lang="en-US" smtClean="0"/>
+              <a:t>Đây</a:t>
+            </a:r>
+            <a:r>
+              <a:rPr lang="en-US" baseline="0" smtClean="0"/>
+              <a:t> là các tài liệu được tham khảo trong quá trình trình bày này</a:t>
+            </a:r>
+            <a:endParaRPr lang="en-US"/>
+          </a:p>
+        </p:txBody>
+      </p:sp>
+      <p:sp>
+        <p:nvSpPr>
+          <p:cNvPr id="4" name="Slide Number Placeholder 3"/>
+          <p:cNvSpPr>
+            <a:spLocks noGrp="1"/>
+          </p:cNvSpPr>
+          <p:nvPr>
+            <p:ph type="sldNum" sz="quarter" idx="10"/>
+          </p:nvPr>
+        </p:nvSpPr>
+        <p:spPr/>
+        <p:txBody>
+          <a:bodyPr/>
+          <a:lstStyle/>
+          <a:p>
+            <a:fld id="{7FB667E1-E601-4AAF-B95C-B25720D70A60}" type="slidenum">
+              <a:rPr lang="en-US" smtClean="0"/>
+              <a:t>9</a:t>
+            </a:fld>
+            <a:endParaRPr lang="en-US"/>
+          </a:p>
+        </p:txBody>
+      </p:sp>
+    </p:spTree>
+    <p:extLst>
+      <p:ext uri="{BB962C8B-B14F-4D97-AF65-F5344CB8AC3E}">
+        <p14:creationId xmlns:p14="http://schemas.microsoft.com/office/powerpoint/2010/main" val="20639309"/>
       </p:ext>
     </p:extLst>
   </p:cSld>
@@ -2485,6 +2854,2109 @@
 </p:sldLayout>
 </file>
 
+<file path=ppt/slideLayouts/slideLayout12.xml><?xml version="1.0" encoding="utf-8"?>
+<p:sldLayout xmlns:a="http://schemas.openxmlformats.org/drawingml/2006/main" xmlns:r="http://schemas.openxmlformats.org/officeDocument/2006/relationships" xmlns:p="http://schemas.openxmlformats.org/presentationml/2006/main" type="title" preserve="1">
+  <p:cSld name="Title Slide">
+    <p:spTree>
+      <p:nvGrpSpPr>
+        <p:cNvPr id="1" name=""/>
+        <p:cNvGrpSpPr/>
+        <p:nvPr/>
+      </p:nvGrpSpPr>
+      <p:grpSpPr>
+        <a:xfrm>
+          <a:off x="0" y="0"/>
+          <a:ext cx="0" cy="0"/>
+          <a:chOff x="0" y="0"/>
+          <a:chExt cx="0" cy="0"/>
+        </a:xfrm>
+      </p:grpSpPr>
+      <p:sp>
+        <p:nvSpPr>
+          <p:cNvPr id="7" name="Rectangle 6"/>
+          <p:cNvSpPr>
+            <a:spLocks noChangeAspect="1"/>
+          </p:cNvSpPr>
+          <p:nvPr/>
+        </p:nvSpPr>
+        <p:spPr>
+          <a:xfrm>
+            <a:off x="231140" y="243840"/>
+            <a:ext cx="11724640" cy="6377939"/>
+          </a:xfrm>
+          <a:prstGeom prst="rect">
+            <a:avLst/>
+          </a:prstGeom>
+          <a:solidFill>
+            <a:schemeClr val="accent1"/>
+          </a:solidFill>
+          <a:ln w="12700">
+            <a:solidFill>
+              <a:srgbClr val="FFFFFF"/>
+            </a:solidFill>
+          </a:ln>
+        </p:spPr>
+        <p:style>
+          <a:lnRef idx="2">
+            <a:schemeClr val="accent1">
+              <a:shade val="50000"/>
+            </a:schemeClr>
+          </a:lnRef>
+          <a:fillRef idx="1">
+            <a:schemeClr val="accent1"/>
+          </a:fillRef>
+          <a:effectRef idx="0">
+            <a:schemeClr val="accent1"/>
+          </a:effectRef>
+          <a:fontRef idx="minor">
+            <a:schemeClr val="lt1"/>
+          </a:fontRef>
+        </p:style>
+      </p:sp>
+      <p:sp>
+        <p:nvSpPr>
+          <p:cNvPr id="2" name="Title 1"/>
+          <p:cNvSpPr>
+            <a:spLocks noGrp="1"/>
+          </p:cNvSpPr>
+          <p:nvPr>
+            <p:ph type="ctrTitle"/>
+          </p:nvPr>
+        </p:nvSpPr>
+        <p:spPr>
+          <a:xfrm>
+            <a:off x="1109980" y="882376"/>
+            <a:ext cx="9966960" cy="2926080"/>
+          </a:xfrm>
+        </p:spPr>
+        <p:txBody>
+          <a:bodyPr anchor="b">
+            <a:normAutofit/>
+          </a:bodyPr>
+          <a:lstStyle>
+            <a:lvl1pPr algn="ctr">
+              <a:lnSpc>
+                <a:spcPct val="85000"/>
+              </a:lnSpc>
+              <a:defRPr sz="7200" b="1" cap="all" baseline="0">
+                <a:solidFill>
+                  <a:srgbClr val="FFFFFF"/>
+                </a:solidFill>
+              </a:defRPr>
+            </a:lvl1pPr>
+          </a:lstStyle>
+          <a:p>
+            <a:r>
+              <a:rPr lang="en-US" smtClean="0"/>
+              <a:t>Click to edit Master title style</a:t>
+            </a:r>
+            <a:endParaRPr lang="en-US" dirty="0"/>
+          </a:p>
+        </p:txBody>
+      </p:sp>
+      <p:sp>
+        <p:nvSpPr>
+          <p:cNvPr id="3" name="Subtitle 2"/>
+          <p:cNvSpPr>
+            <a:spLocks noGrp="1"/>
+          </p:cNvSpPr>
+          <p:nvPr>
+            <p:ph type="subTitle" idx="1"/>
+          </p:nvPr>
+        </p:nvSpPr>
+        <p:spPr>
+          <a:xfrm>
+            <a:off x="1709530" y="3869634"/>
+            <a:ext cx="8767860" cy="1388165"/>
+          </a:xfrm>
+        </p:spPr>
+        <p:txBody>
+          <a:bodyPr>
+            <a:normAutofit/>
+          </a:bodyPr>
+          <a:lstStyle>
+            <a:lvl1pPr marL="0" indent="0" algn="ctr">
+              <a:buNone/>
+              <a:defRPr sz="2200">
+                <a:solidFill>
+                  <a:srgbClr val="FFFFFF"/>
+                </a:solidFill>
+              </a:defRPr>
+            </a:lvl1pPr>
+            <a:lvl2pPr marL="457200" indent="0" algn="ctr">
+              <a:buNone/>
+              <a:defRPr sz="2200"/>
+            </a:lvl2pPr>
+            <a:lvl3pPr marL="914400" indent="0" algn="ctr">
+              <a:buNone/>
+              <a:defRPr sz="2200"/>
+            </a:lvl3pPr>
+            <a:lvl4pPr marL="1371600" indent="0" algn="ctr">
+              <a:buNone/>
+              <a:defRPr sz="2000"/>
+            </a:lvl4pPr>
+            <a:lvl5pPr marL="1828800" indent="0" algn="ctr">
+              <a:buNone/>
+              <a:defRPr sz="2000"/>
+            </a:lvl5pPr>
+            <a:lvl6pPr marL="2286000" indent="0" algn="ctr">
+              <a:buNone/>
+              <a:defRPr sz="2000"/>
+            </a:lvl6pPr>
+            <a:lvl7pPr marL="2743200" indent="0" algn="ctr">
+              <a:buNone/>
+              <a:defRPr sz="2000"/>
+            </a:lvl7pPr>
+            <a:lvl8pPr marL="3200400" indent="0" algn="ctr">
+              <a:buNone/>
+              <a:defRPr sz="2000"/>
+            </a:lvl8pPr>
+            <a:lvl9pPr marL="3657600" indent="0" algn="ctr">
+              <a:buNone/>
+              <a:defRPr sz="2000"/>
+            </a:lvl9pPr>
+          </a:lstStyle>
+          <a:p>
+            <a:r>
+              <a:rPr lang="en-US" smtClean="0"/>
+              <a:t>Click to edit Master subtitle style</a:t>
+            </a:r>
+            <a:endParaRPr lang="en-US" dirty="0"/>
+          </a:p>
+        </p:txBody>
+      </p:sp>
+      <p:sp>
+        <p:nvSpPr>
+          <p:cNvPr id="4" name="Date Placeholder 3"/>
+          <p:cNvSpPr>
+            <a:spLocks noGrp="1"/>
+          </p:cNvSpPr>
+          <p:nvPr>
+            <p:ph type="dt" sz="half" idx="10"/>
+          </p:nvPr>
+        </p:nvSpPr>
+        <p:spPr/>
+        <p:txBody>
+          <a:bodyPr/>
+          <a:lstStyle>
+            <a:lvl1pPr>
+              <a:defRPr>
+                <a:solidFill>
+                  <a:srgbClr val="FFFFFF"/>
+                </a:solidFill>
+              </a:defRPr>
+            </a:lvl1pPr>
+          </a:lstStyle>
+          <a:p>
+            <a:fld id="{96DFF08F-DC6B-4601-B491-B0F83F6DD2DA}" type="datetimeFigureOut">
+              <a:rPr lang="en-US" dirty="0"/>
+              <a:t>16/07/2016</a:t>
+            </a:fld>
+            <a:endParaRPr lang="en-US" dirty="0"/>
+          </a:p>
+        </p:txBody>
+      </p:sp>
+      <p:sp>
+        <p:nvSpPr>
+          <p:cNvPr id="5" name="Footer Placeholder 4"/>
+          <p:cNvSpPr>
+            <a:spLocks noGrp="1"/>
+          </p:cNvSpPr>
+          <p:nvPr>
+            <p:ph type="ftr" sz="quarter" idx="11"/>
+          </p:nvPr>
+        </p:nvSpPr>
+        <p:spPr/>
+        <p:txBody>
+          <a:bodyPr/>
+          <a:lstStyle>
+            <a:lvl1pPr>
+              <a:defRPr>
+                <a:solidFill>
+                  <a:srgbClr val="FFFFFF"/>
+                </a:solidFill>
+              </a:defRPr>
+            </a:lvl1pPr>
+          </a:lstStyle>
+          <a:p>
+            <a:endParaRPr lang="en-US" dirty="0"/>
+          </a:p>
+        </p:txBody>
+      </p:sp>
+      <p:sp>
+        <p:nvSpPr>
+          <p:cNvPr id="6" name="Slide Number Placeholder 5"/>
+          <p:cNvSpPr>
+            <a:spLocks noGrp="1"/>
+          </p:cNvSpPr>
+          <p:nvPr>
+            <p:ph type="sldNum" sz="quarter" idx="12"/>
+          </p:nvPr>
+        </p:nvSpPr>
+        <p:spPr/>
+        <p:txBody>
+          <a:bodyPr/>
+          <a:lstStyle>
+            <a:lvl1pPr>
+              <a:defRPr>
+                <a:solidFill>
+                  <a:srgbClr val="FFFFFF"/>
+                </a:solidFill>
+              </a:defRPr>
+            </a:lvl1pPr>
+          </a:lstStyle>
+          <a:p>
+            <a:fld id="{4FAB73BC-B049-4115-A692-8D63A059BFB8}" type="slidenum">
+              <a:rPr lang="en-US" dirty="0"/>
+              <a:t>‹#›</a:t>
+            </a:fld>
+            <a:endParaRPr lang="en-US" dirty="0"/>
+          </a:p>
+        </p:txBody>
+      </p:sp>
+      <p:cxnSp>
+        <p:nvCxnSpPr>
+          <p:cNvPr id="8" name="Straight Connector 7"/>
+          <p:cNvCxnSpPr/>
+          <p:nvPr/>
+        </p:nvCxnSpPr>
+        <p:spPr>
+          <a:xfrm>
+            <a:off x="1978660" y="3733800"/>
+            <a:ext cx="8229601" cy="0"/>
+          </a:xfrm>
+          <a:prstGeom prst="line">
+            <a:avLst/>
+          </a:prstGeom>
+          <a:ln>
+            <a:solidFill>
+              <a:srgbClr val="FFFFFF"/>
+            </a:solidFill>
+          </a:ln>
+        </p:spPr>
+        <p:style>
+          <a:lnRef idx="1">
+            <a:schemeClr val="accent1"/>
+          </a:lnRef>
+          <a:fillRef idx="0">
+            <a:schemeClr val="accent1"/>
+          </a:fillRef>
+          <a:effectRef idx="0">
+            <a:schemeClr val="accent1"/>
+          </a:effectRef>
+          <a:fontRef idx="minor">
+            <a:schemeClr val="tx1"/>
+          </a:fontRef>
+        </p:style>
+      </p:cxnSp>
+    </p:spTree>
+    <p:extLst>
+      <p:ext uri="{BB962C8B-B14F-4D97-AF65-F5344CB8AC3E}">
+        <p14:creationId xmlns:p14="http://schemas.microsoft.com/office/powerpoint/2010/main" val="2341712068"/>
+      </p:ext>
+    </p:extLst>
+  </p:cSld>
+  <p:clrMapOvr>
+    <a:masterClrMapping/>
+  </p:clrMapOvr>
+  <mc:AlternateContent xmlns:mc="http://schemas.openxmlformats.org/markup-compatibility/2006" xmlns:p14="http://schemas.microsoft.com/office/powerpoint/2010/main">
+    <mc:Choice Requires="p14">
+      <p:transition spd="med" p14:dur="700">
+        <p:fade/>
+      </p:transition>
+    </mc:Choice>
+    <mc:Fallback xmlns="">
+      <p:transition spd="med">
+        <p:fade/>
+      </p:transition>
+    </mc:Fallback>
+  </mc:AlternateContent>
+  <p:timing>
+    <p:tnLst>
+      <p:par>
+        <p:cTn id="1" dur="indefinite" restart="never" nodeType="tmRoot"/>
+      </p:par>
+    </p:tnLst>
+  </p:timing>
+</p:sldLayout>
+</file>
+
+<file path=ppt/slideLayouts/slideLayout13.xml><?xml version="1.0" encoding="utf-8"?>
+<p:sldLayout xmlns:a="http://schemas.openxmlformats.org/drawingml/2006/main" xmlns:r="http://schemas.openxmlformats.org/officeDocument/2006/relationships" xmlns:p="http://schemas.openxmlformats.org/presentationml/2006/main" type="obj" preserve="1">
+  <p:cSld name="Title and Content">
+    <p:spTree>
+      <p:nvGrpSpPr>
+        <p:cNvPr id="1" name=""/>
+        <p:cNvGrpSpPr/>
+        <p:nvPr/>
+      </p:nvGrpSpPr>
+      <p:grpSpPr>
+        <a:xfrm>
+          <a:off x="0" y="0"/>
+          <a:ext cx="0" cy="0"/>
+          <a:chOff x="0" y="0"/>
+          <a:chExt cx="0" cy="0"/>
+        </a:xfrm>
+      </p:grpSpPr>
+      <p:sp>
+        <p:nvSpPr>
+          <p:cNvPr id="2" name="Title 1"/>
+          <p:cNvSpPr>
+            <a:spLocks noGrp="1"/>
+          </p:cNvSpPr>
+          <p:nvPr>
+            <p:ph type="title"/>
+          </p:nvPr>
+        </p:nvSpPr>
+        <p:spPr/>
+        <p:txBody>
+          <a:bodyPr/>
+          <a:lstStyle/>
+          <a:p>
+            <a:r>
+              <a:rPr lang="en-US" smtClean="0"/>
+              <a:t>Click to edit Master title style</a:t>
+            </a:r>
+            <a:endParaRPr lang="en-US" dirty="0"/>
+          </a:p>
+        </p:txBody>
+      </p:sp>
+      <p:sp>
+        <p:nvSpPr>
+          <p:cNvPr id="3" name="Content Placeholder 2"/>
+          <p:cNvSpPr>
+            <a:spLocks noGrp="1"/>
+          </p:cNvSpPr>
+          <p:nvPr>
+            <p:ph idx="1"/>
+          </p:nvPr>
+        </p:nvSpPr>
+        <p:spPr/>
+        <p:txBody>
+          <a:bodyPr/>
+          <a:lstStyle/>
+          <a:p>
+            <a:pPr lvl="0"/>
+            <a:r>
+              <a:rPr lang="en-US" smtClean="0"/>
+              <a:t>Click to edit Master text styles</a:t>
+            </a:r>
+          </a:p>
+          <a:p>
+            <a:pPr lvl="1"/>
+            <a:r>
+              <a:rPr lang="en-US" smtClean="0"/>
+              <a:t>Second level</a:t>
+            </a:r>
+          </a:p>
+          <a:p>
+            <a:pPr lvl="2"/>
+            <a:r>
+              <a:rPr lang="en-US" smtClean="0"/>
+              <a:t>Third level</a:t>
+            </a:r>
+          </a:p>
+          <a:p>
+            <a:pPr lvl="3"/>
+            <a:r>
+              <a:rPr lang="en-US" smtClean="0"/>
+              <a:t>Fourth level</a:t>
+            </a:r>
+          </a:p>
+          <a:p>
+            <a:pPr lvl="4"/>
+            <a:r>
+              <a:rPr lang="en-US" smtClean="0"/>
+              <a:t>Fifth level</a:t>
+            </a:r>
+            <a:endParaRPr lang="en-US" dirty="0"/>
+          </a:p>
+        </p:txBody>
+      </p:sp>
+      <p:sp>
+        <p:nvSpPr>
+          <p:cNvPr id="4" name="Date Placeholder 3"/>
+          <p:cNvSpPr>
+            <a:spLocks noGrp="1"/>
+          </p:cNvSpPr>
+          <p:nvPr>
+            <p:ph type="dt" sz="half" idx="10"/>
+          </p:nvPr>
+        </p:nvSpPr>
+        <p:spPr/>
+        <p:txBody>
+          <a:bodyPr/>
+          <a:lstStyle/>
+          <a:p>
+            <a:endParaRPr lang="en-US"/>
+          </a:p>
+        </p:txBody>
+      </p:sp>
+      <p:sp>
+        <p:nvSpPr>
+          <p:cNvPr id="5" name="Footer Placeholder 4"/>
+          <p:cNvSpPr>
+            <a:spLocks noGrp="1"/>
+          </p:cNvSpPr>
+          <p:nvPr>
+            <p:ph type="ftr" sz="quarter" idx="11"/>
+          </p:nvPr>
+        </p:nvSpPr>
+        <p:spPr/>
+        <p:txBody>
+          <a:bodyPr/>
+          <a:lstStyle/>
+          <a:p>
+            <a:endParaRPr lang="en-US"/>
+          </a:p>
+        </p:txBody>
+      </p:sp>
+      <p:sp>
+        <p:nvSpPr>
+          <p:cNvPr id="6" name="Slide Number Placeholder 5"/>
+          <p:cNvSpPr>
+            <a:spLocks noGrp="1"/>
+          </p:cNvSpPr>
+          <p:nvPr>
+            <p:ph type="sldNum" sz="quarter" idx="12"/>
+          </p:nvPr>
+        </p:nvSpPr>
+        <p:spPr/>
+        <p:txBody>
+          <a:bodyPr/>
+          <a:lstStyle/>
+          <a:p>
+            <a:fld id="{CA8D9AD5-F248-4919-864A-CFD76CC027D6}" type="slidenum">
+              <a:rPr lang="en-US" smtClean="0"/>
+              <a:t>‹#›</a:t>
+            </a:fld>
+            <a:endParaRPr lang="en-US"/>
+          </a:p>
+        </p:txBody>
+      </p:sp>
+    </p:spTree>
+    <p:extLst>
+      <p:ext uri="{BB962C8B-B14F-4D97-AF65-F5344CB8AC3E}">
+        <p14:creationId xmlns:p14="http://schemas.microsoft.com/office/powerpoint/2010/main" val="3952524051"/>
+      </p:ext>
+    </p:extLst>
+  </p:cSld>
+  <p:clrMapOvr>
+    <a:masterClrMapping/>
+  </p:clrMapOvr>
+  <mc:AlternateContent xmlns:mc="http://schemas.openxmlformats.org/markup-compatibility/2006" xmlns:p14="http://schemas.microsoft.com/office/powerpoint/2010/main">
+    <mc:Choice Requires="p14">
+      <p:transition spd="med" p14:dur="700">
+        <p:fade/>
+      </p:transition>
+    </mc:Choice>
+    <mc:Fallback xmlns="">
+      <p:transition spd="med">
+        <p:fade/>
+      </p:transition>
+    </mc:Fallback>
+  </mc:AlternateContent>
+  <p:timing>
+    <p:tnLst>
+      <p:par>
+        <p:cTn id="1" dur="indefinite" restart="never" nodeType="tmRoot"/>
+      </p:par>
+    </p:tnLst>
+  </p:timing>
+</p:sldLayout>
+</file>
+
+<file path=ppt/slideLayouts/slideLayout14.xml><?xml version="1.0" encoding="utf-8"?>
+<p:sldLayout xmlns:a="http://schemas.openxmlformats.org/drawingml/2006/main" xmlns:r="http://schemas.openxmlformats.org/officeDocument/2006/relationships" xmlns:p="http://schemas.openxmlformats.org/presentationml/2006/main" type="secHead" preserve="1">
+  <p:cSld name="Section Header">
+    <p:spTree>
+      <p:nvGrpSpPr>
+        <p:cNvPr id="1" name=""/>
+        <p:cNvGrpSpPr/>
+        <p:nvPr/>
+      </p:nvGrpSpPr>
+      <p:grpSpPr>
+        <a:xfrm>
+          <a:off x="0" y="0"/>
+          <a:ext cx="0" cy="0"/>
+          <a:chOff x="0" y="0"/>
+          <a:chExt cx="0" cy="0"/>
+        </a:xfrm>
+      </p:grpSpPr>
+      <p:sp>
+        <p:nvSpPr>
+          <p:cNvPr id="2" name="Title 1"/>
+          <p:cNvSpPr>
+            <a:spLocks noGrp="1"/>
+          </p:cNvSpPr>
+          <p:nvPr>
+            <p:ph type="title"/>
+          </p:nvPr>
+        </p:nvSpPr>
+        <p:spPr>
+          <a:xfrm>
+            <a:off x="1106424" y="1173575"/>
+            <a:ext cx="9966960" cy="2926080"/>
+          </a:xfrm>
+        </p:spPr>
+        <p:txBody>
+          <a:bodyPr anchor="b">
+            <a:noAutofit/>
+          </a:bodyPr>
+          <a:lstStyle>
+            <a:lvl1pPr algn="ctr">
+              <a:lnSpc>
+                <a:spcPct val="85000"/>
+              </a:lnSpc>
+              <a:defRPr sz="7200" b="0" cap="all" baseline="0"/>
+            </a:lvl1pPr>
+          </a:lstStyle>
+          <a:p>
+            <a:r>
+              <a:rPr lang="en-US" smtClean="0"/>
+              <a:t>Click to edit Master title style</a:t>
+            </a:r>
+            <a:endParaRPr lang="en-US" dirty="0"/>
+          </a:p>
+        </p:txBody>
+      </p:sp>
+      <p:sp>
+        <p:nvSpPr>
+          <p:cNvPr id="3" name="Text Placeholder 2"/>
+          <p:cNvSpPr>
+            <a:spLocks noGrp="1"/>
+          </p:cNvSpPr>
+          <p:nvPr>
+            <p:ph type="body" idx="1"/>
+          </p:nvPr>
+        </p:nvSpPr>
+        <p:spPr>
+          <a:xfrm>
+            <a:off x="1709928" y="4154520"/>
+            <a:ext cx="8769096" cy="1363806"/>
+          </a:xfrm>
+        </p:spPr>
+        <p:txBody>
+          <a:bodyPr anchor="t">
+            <a:normAutofit/>
+          </a:bodyPr>
+          <a:lstStyle>
+            <a:lvl1pPr marL="0" indent="0" algn="ctr">
+              <a:buNone/>
+              <a:defRPr sz="2200">
+                <a:solidFill>
+                  <a:schemeClr val="accent1"/>
+                </a:solidFill>
+              </a:defRPr>
+            </a:lvl1pPr>
+            <a:lvl2pPr marL="457200" indent="0">
+              <a:buNone/>
+              <a:defRPr sz="1800">
+                <a:solidFill>
+                  <a:schemeClr val="tx1">
+                    <a:tint val="75000"/>
+                  </a:schemeClr>
+                </a:solidFill>
+              </a:defRPr>
+            </a:lvl2pPr>
+            <a:lvl3pPr marL="914400" indent="0">
+              <a:buNone/>
+              <a:defRPr sz="1600">
+                <a:solidFill>
+                  <a:schemeClr val="tx1">
+                    <a:tint val="75000"/>
+                  </a:schemeClr>
+                </a:solidFill>
+              </a:defRPr>
+            </a:lvl3pPr>
+            <a:lvl4pPr marL="1371600" indent="0">
+              <a:buNone/>
+              <a:defRPr sz="1400">
+                <a:solidFill>
+                  <a:schemeClr val="tx1">
+                    <a:tint val="75000"/>
+                  </a:schemeClr>
+                </a:solidFill>
+              </a:defRPr>
+            </a:lvl4pPr>
+            <a:lvl5pPr marL="1828800" indent="0">
+              <a:buNone/>
+              <a:defRPr sz="1400">
+                <a:solidFill>
+                  <a:schemeClr val="tx1">
+                    <a:tint val="75000"/>
+                  </a:schemeClr>
+                </a:solidFill>
+              </a:defRPr>
+            </a:lvl5pPr>
+            <a:lvl6pPr marL="2286000" indent="0">
+              <a:buNone/>
+              <a:defRPr sz="1400">
+                <a:solidFill>
+                  <a:schemeClr val="tx1">
+                    <a:tint val="75000"/>
+                  </a:schemeClr>
+                </a:solidFill>
+              </a:defRPr>
+            </a:lvl6pPr>
+            <a:lvl7pPr marL="2743200" indent="0">
+              <a:buNone/>
+              <a:defRPr sz="1400">
+                <a:solidFill>
+                  <a:schemeClr val="tx1">
+                    <a:tint val="75000"/>
+                  </a:schemeClr>
+                </a:solidFill>
+              </a:defRPr>
+            </a:lvl7pPr>
+            <a:lvl8pPr marL="3200400" indent="0">
+              <a:buNone/>
+              <a:defRPr sz="1400">
+                <a:solidFill>
+                  <a:schemeClr val="tx1">
+                    <a:tint val="75000"/>
+                  </a:schemeClr>
+                </a:solidFill>
+              </a:defRPr>
+            </a:lvl8pPr>
+            <a:lvl9pPr marL="3657600" indent="0">
+              <a:buNone/>
+              <a:defRPr sz="1400">
+                <a:solidFill>
+                  <a:schemeClr val="tx1">
+                    <a:tint val="75000"/>
+                  </a:schemeClr>
+                </a:solidFill>
+              </a:defRPr>
+            </a:lvl9pPr>
+          </a:lstStyle>
+          <a:p>
+            <a:pPr lvl="0"/>
+            <a:r>
+              <a:rPr lang="en-US" smtClean="0"/>
+              <a:t>Click to edit Master text styles</a:t>
+            </a:r>
+          </a:p>
+        </p:txBody>
+      </p:sp>
+      <p:sp>
+        <p:nvSpPr>
+          <p:cNvPr id="4" name="Date Placeholder 3"/>
+          <p:cNvSpPr>
+            <a:spLocks noGrp="1"/>
+          </p:cNvSpPr>
+          <p:nvPr>
+            <p:ph type="dt" sz="half" idx="10"/>
+          </p:nvPr>
+        </p:nvSpPr>
+        <p:spPr/>
+        <p:txBody>
+          <a:bodyPr/>
+          <a:lstStyle/>
+          <a:p>
+            <a:endParaRPr lang="en-US"/>
+          </a:p>
+        </p:txBody>
+      </p:sp>
+      <p:sp>
+        <p:nvSpPr>
+          <p:cNvPr id="5" name="Footer Placeholder 4"/>
+          <p:cNvSpPr>
+            <a:spLocks noGrp="1"/>
+          </p:cNvSpPr>
+          <p:nvPr>
+            <p:ph type="ftr" sz="quarter" idx="11"/>
+          </p:nvPr>
+        </p:nvSpPr>
+        <p:spPr/>
+        <p:txBody>
+          <a:bodyPr/>
+          <a:lstStyle/>
+          <a:p>
+            <a:endParaRPr lang="en-US"/>
+          </a:p>
+        </p:txBody>
+      </p:sp>
+      <p:sp>
+        <p:nvSpPr>
+          <p:cNvPr id="6" name="Slide Number Placeholder 5"/>
+          <p:cNvSpPr>
+            <a:spLocks noGrp="1"/>
+          </p:cNvSpPr>
+          <p:nvPr>
+            <p:ph type="sldNum" sz="quarter" idx="12"/>
+          </p:nvPr>
+        </p:nvSpPr>
+        <p:spPr/>
+        <p:txBody>
+          <a:bodyPr/>
+          <a:lstStyle/>
+          <a:p>
+            <a:fld id="{CA8D9AD5-F248-4919-864A-CFD76CC027D6}" type="slidenum">
+              <a:rPr lang="en-US" smtClean="0"/>
+              <a:t>‹#›</a:t>
+            </a:fld>
+            <a:endParaRPr lang="en-US"/>
+          </a:p>
+        </p:txBody>
+      </p:sp>
+      <p:cxnSp>
+        <p:nvCxnSpPr>
+          <p:cNvPr id="7" name="Straight Connector 6"/>
+          <p:cNvCxnSpPr/>
+          <p:nvPr/>
+        </p:nvCxnSpPr>
+        <p:spPr>
+          <a:xfrm>
+            <a:off x="1981200" y="4020408"/>
+            <a:ext cx="8229601" cy="0"/>
+          </a:xfrm>
+          <a:prstGeom prst="line">
+            <a:avLst/>
+          </a:prstGeom>
+          <a:ln>
+            <a:solidFill>
+              <a:schemeClr val="accent1"/>
+            </a:solidFill>
+          </a:ln>
+        </p:spPr>
+        <p:style>
+          <a:lnRef idx="1">
+            <a:schemeClr val="accent1"/>
+          </a:lnRef>
+          <a:fillRef idx="0">
+            <a:schemeClr val="accent1"/>
+          </a:fillRef>
+          <a:effectRef idx="0">
+            <a:schemeClr val="accent1"/>
+          </a:effectRef>
+          <a:fontRef idx="minor">
+            <a:schemeClr val="tx1"/>
+          </a:fontRef>
+        </p:style>
+      </p:cxnSp>
+    </p:spTree>
+    <p:extLst>
+      <p:ext uri="{BB962C8B-B14F-4D97-AF65-F5344CB8AC3E}">
+        <p14:creationId xmlns:p14="http://schemas.microsoft.com/office/powerpoint/2010/main" val="2978162250"/>
+      </p:ext>
+    </p:extLst>
+  </p:cSld>
+  <p:clrMapOvr>
+    <a:masterClrMapping/>
+  </p:clrMapOvr>
+  <mc:AlternateContent xmlns:mc="http://schemas.openxmlformats.org/markup-compatibility/2006" xmlns:p14="http://schemas.microsoft.com/office/powerpoint/2010/main">
+    <mc:Choice Requires="p14">
+      <p:transition spd="med" p14:dur="700">
+        <p:fade/>
+      </p:transition>
+    </mc:Choice>
+    <mc:Fallback xmlns="">
+      <p:transition spd="med">
+        <p:fade/>
+      </p:transition>
+    </mc:Fallback>
+  </mc:AlternateContent>
+  <p:timing>
+    <p:tnLst>
+      <p:par>
+        <p:cTn id="1" dur="indefinite" restart="never" nodeType="tmRoot"/>
+      </p:par>
+    </p:tnLst>
+  </p:timing>
+</p:sldLayout>
+</file>
+
+<file path=ppt/slideLayouts/slideLayout15.xml><?xml version="1.0" encoding="utf-8"?>
+<p:sldLayout xmlns:a="http://schemas.openxmlformats.org/drawingml/2006/main" xmlns:r="http://schemas.openxmlformats.org/officeDocument/2006/relationships" xmlns:p="http://schemas.openxmlformats.org/presentationml/2006/main" type="twoObj" preserve="1">
+  <p:cSld name="Two Content">
+    <p:spTree>
+      <p:nvGrpSpPr>
+        <p:cNvPr id="1" name=""/>
+        <p:cNvGrpSpPr/>
+        <p:nvPr/>
+      </p:nvGrpSpPr>
+      <p:grpSpPr>
+        <a:xfrm>
+          <a:off x="0" y="0"/>
+          <a:ext cx="0" cy="0"/>
+          <a:chOff x="0" y="0"/>
+          <a:chExt cx="0" cy="0"/>
+        </a:xfrm>
+      </p:grpSpPr>
+      <p:sp>
+        <p:nvSpPr>
+          <p:cNvPr id="8" name="Title 7"/>
+          <p:cNvSpPr>
+            <a:spLocks noGrp="1"/>
+          </p:cNvSpPr>
+          <p:nvPr>
+            <p:ph type="title"/>
+          </p:nvPr>
+        </p:nvSpPr>
+        <p:spPr/>
+        <p:txBody>
+          <a:bodyPr/>
+          <a:lstStyle/>
+          <a:p>
+            <a:r>
+              <a:rPr lang="en-US" smtClean="0"/>
+              <a:t>Click to edit Master title style</a:t>
+            </a:r>
+            <a:endParaRPr lang="en-US" dirty="0"/>
+          </a:p>
+        </p:txBody>
+      </p:sp>
+      <p:sp>
+        <p:nvSpPr>
+          <p:cNvPr id="3" name="Content Placeholder 2"/>
+          <p:cNvSpPr>
+            <a:spLocks noGrp="1"/>
+          </p:cNvSpPr>
+          <p:nvPr>
+            <p:ph sz="half" idx="1"/>
+          </p:nvPr>
+        </p:nvSpPr>
+        <p:spPr>
+          <a:xfrm>
+            <a:off x="1143000" y="2057399"/>
+            <a:ext cx="4754880" cy="4023360"/>
+          </a:xfrm>
+        </p:spPr>
+        <p:txBody>
+          <a:bodyPr/>
+          <a:lstStyle>
+            <a:lvl1pPr>
+              <a:defRPr sz="2200"/>
+            </a:lvl1pPr>
+            <a:lvl2pPr>
+              <a:defRPr sz="2000"/>
+            </a:lvl2pPr>
+            <a:lvl3pPr>
+              <a:defRPr sz="1800"/>
+            </a:lvl3pPr>
+            <a:lvl4pPr>
+              <a:defRPr sz="1600"/>
+            </a:lvl4pPr>
+            <a:lvl5pPr>
+              <a:defRPr sz="1600"/>
+            </a:lvl5pPr>
+            <a:lvl6pPr>
+              <a:defRPr sz="1600"/>
+            </a:lvl6pPr>
+            <a:lvl7pPr>
+              <a:defRPr sz="1600"/>
+            </a:lvl7pPr>
+            <a:lvl8pPr>
+              <a:defRPr sz="1600"/>
+            </a:lvl8pPr>
+            <a:lvl9pPr>
+              <a:defRPr sz="1600"/>
+            </a:lvl9pPr>
+          </a:lstStyle>
+          <a:p>
+            <a:pPr lvl="0"/>
+            <a:r>
+              <a:rPr lang="en-US" smtClean="0"/>
+              <a:t>Click to edit Master text styles</a:t>
+            </a:r>
+          </a:p>
+          <a:p>
+            <a:pPr lvl="1"/>
+            <a:r>
+              <a:rPr lang="en-US" smtClean="0"/>
+              <a:t>Second level</a:t>
+            </a:r>
+          </a:p>
+          <a:p>
+            <a:pPr lvl="2"/>
+            <a:r>
+              <a:rPr lang="en-US" smtClean="0"/>
+              <a:t>Third level</a:t>
+            </a:r>
+          </a:p>
+          <a:p>
+            <a:pPr lvl="3"/>
+            <a:r>
+              <a:rPr lang="en-US" smtClean="0"/>
+              <a:t>Fourth level</a:t>
+            </a:r>
+          </a:p>
+          <a:p>
+            <a:pPr lvl="4"/>
+            <a:r>
+              <a:rPr lang="en-US" smtClean="0"/>
+              <a:t>Fifth level</a:t>
+            </a:r>
+            <a:endParaRPr lang="en-US" dirty="0"/>
+          </a:p>
+        </p:txBody>
+      </p:sp>
+      <p:sp>
+        <p:nvSpPr>
+          <p:cNvPr id="4" name="Content Placeholder 3"/>
+          <p:cNvSpPr>
+            <a:spLocks noGrp="1"/>
+          </p:cNvSpPr>
+          <p:nvPr>
+            <p:ph sz="half" idx="2"/>
+          </p:nvPr>
+        </p:nvSpPr>
+        <p:spPr>
+          <a:xfrm>
+            <a:off x="6267612" y="2057400"/>
+            <a:ext cx="4754880" cy="4023360"/>
+          </a:xfrm>
+        </p:spPr>
+        <p:txBody>
+          <a:bodyPr/>
+          <a:lstStyle>
+            <a:lvl1pPr>
+              <a:defRPr sz="2200"/>
+            </a:lvl1pPr>
+            <a:lvl2pPr>
+              <a:defRPr sz="2000"/>
+            </a:lvl2pPr>
+            <a:lvl3pPr>
+              <a:defRPr sz="1800"/>
+            </a:lvl3pPr>
+            <a:lvl4pPr>
+              <a:defRPr sz="1600"/>
+            </a:lvl4pPr>
+            <a:lvl5pPr>
+              <a:defRPr sz="1600"/>
+            </a:lvl5pPr>
+            <a:lvl6pPr>
+              <a:defRPr sz="1600"/>
+            </a:lvl6pPr>
+            <a:lvl7pPr>
+              <a:defRPr sz="1600"/>
+            </a:lvl7pPr>
+            <a:lvl8pPr>
+              <a:defRPr sz="1600"/>
+            </a:lvl8pPr>
+            <a:lvl9pPr>
+              <a:defRPr sz="1600"/>
+            </a:lvl9pPr>
+          </a:lstStyle>
+          <a:p>
+            <a:pPr lvl="0"/>
+            <a:r>
+              <a:rPr lang="en-US" smtClean="0"/>
+              <a:t>Click to edit Master text styles</a:t>
+            </a:r>
+          </a:p>
+          <a:p>
+            <a:pPr lvl="1"/>
+            <a:r>
+              <a:rPr lang="en-US" smtClean="0"/>
+              <a:t>Second level</a:t>
+            </a:r>
+          </a:p>
+          <a:p>
+            <a:pPr lvl="2"/>
+            <a:r>
+              <a:rPr lang="en-US" smtClean="0"/>
+              <a:t>Third level</a:t>
+            </a:r>
+          </a:p>
+          <a:p>
+            <a:pPr lvl="3"/>
+            <a:r>
+              <a:rPr lang="en-US" smtClean="0"/>
+              <a:t>Fourth level</a:t>
+            </a:r>
+          </a:p>
+          <a:p>
+            <a:pPr lvl="4"/>
+            <a:r>
+              <a:rPr lang="en-US" smtClean="0"/>
+              <a:t>Fifth level</a:t>
+            </a:r>
+            <a:endParaRPr lang="en-US" dirty="0"/>
+          </a:p>
+        </p:txBody>
+      </p:sp>
+      <p:sp>
+        <p:nvSpPr>
+          <p:cNvPr id="5" name="Date Placeholder 4"/>
+          <p:cNvSpPr>
+            <a:spLocks noGrp="1"/>
+          </p:cNvSpPr>
+          <p:nvPr>
+            <p:ph type="dt" sz="half" idx="10"/>
+          </p:nvPr>
+        </p:nvSpPr>
+        <p:spPr/>
+        <p:txBody>
+          <a:bodyPr/>
+          <a:lstStyle/>
+          <a:p>
+            <a:endParaRPr lang="en-US"/>
+          </a:p>
+        </p:txBody>
+      </p:sp>
+      <p:sp>
+        <p:nvSpPr>
+          <p:cNvPr id="6" name="Footer Placeholder 5"/>
+          <p:cNvSpPr>
+            <a:spLocks noGrp="1"/>
+          </p:cNvSpPr>
+          <p:nvPr>
+            <p:ph type="ftr" sz="quarter" idx="11"/>
+          </p:nvPr>
+        </p:nvSpPr>
+        <p:spPr/>
+        <p:txBody>
+          <a:bodyPr/>
+          <a:lstStyle/>
+          <a:p>
+            <a:endParaRPr lang="en-US"/>
+          </a:p>
+        </p:txBody>
+      </p:sp>
+      <p:sp>
+        <p:nvSpPr>
+          <p:cNvPr id="7" name="Slide Number Placeholder 6"/>
+          <p:cNvSpPr>
+            <a:spLocks noGrp="1"/>
+          </p:cNvSpPr>
+          <p:nvPr>
+            <p:ph type="sldNum" sz="quarter" idx="12"/>
+          </p:nvPr>
+        </p:nvSpPr>
+        <p:spPr/>
+        <p:txBody>
+          <a:bodyPr/>
+          <a:lstStyle/>
+          <a:p>
+            <a:fld id="{0D06EF73-9DB8-4763-865F-2F88181A4732}" type="slidenum">
+              <a:rPr lang="en-US" smtClean="0"/>
+              <a:t>‹#›</a:t>
+            </a:fld>
+            <a:endParaRPr lang="en-US"/>
+          </a:p>
+        </p:txBody>
+      </p:sp>
+    </p:spTree>
+    <p:extLst>
+      <p:ext uri="{BB962C8B-B14F-4D97-AF65-F5344CB8AC3E}">
+        <p14:creationId xmlns:p14="http://schemas.microsoft.com/office/powerpoint/2010/main" val="3123513569"/>
+      </p:ext>
+    </p:extLst>
+  </p:cSld>
+  <p:clrMapOvr>
+    <a:masterClrMapping/>
+  </p:clrMapOvr>
+  <mc:AlternateContent xmlns:mc="http://schemas.openxmlformats.org/markup-compatibility/2006" xmlns:p14="http://schemas.microsoft.com/office/powerpoint/2010/main">
+    <mc:Choice Requires="p14">
+      <p:transition spd="med" p14:dur="700">
+        <p:fade/>
+      </p:transition>
+    </mc:Choice>
+    <mc:Fallback xmlns="">
+      <p:transition spd="med">
+        <p:fade/>
+      </p:transition>
+    </mc:Fallback>
+  </mc:AlternateContent>
+  <p:timing>
+    <p:tnLst>
+      <p:par>
+        <p:cTn id="1" dur="indefinite" restart="never" nodeType="tmRoot"/>
+      </p:par>
+    </p:tnLst>
+  </p:timing>
+</p:sldLayout>
+</file>
+
+<file path=ppt/slideLayouts/slideLayout16.xml><?xml version="1.0" encoding="utf-8"?>
+<p:sldLayout xmlns:a="http://schemas.openxmlformats.org/drawingml/2006/main" xmlns:r="http://schemas.openxmlformats.org/officeDocument/2006/relationships" xmlns:p="http://schemas.openxmlformats.org/presentationml/2006/main" type="twoTxTwoObj" preserve="1">
+  <p:cSld name="Comparison">
+    <p:spTree>
+      <p:nvGrpSpPr>
+        <p:cNvPr id="1" name=""/>
+        <p:cNvGrpSpPr/>
+        <p:nvPr/>
+      </p:nvGrpSpPr>
+      <p:grpSpPr>
+        <a:xfrm>
+          <a:off x="0" y="0"/>
+          <a:ext cx="0" cy="0"/>
+          <a:chOff x="0" y="0"/>
+          <a:chExt cx="0" cy="0"/>
+        </a:xfrm>
+      </p:grpSpPr>
+      <p:sp>
+        <p:nvSpPr>
+          <p:cNvPr id="10" name="Title 9"/>
+          <p:cNvSpPr>
+            <a:spLocks noGrp="1"/>
+          </p:cNvSpPr>
+          <p:nvPr>
+            <p:ph type="title"/>
+          </p:nvPr>
+        </p:nvSpPr>
+        <p:spPr/>
+        <p:txBody>
+          <a:bodyPr/>
+          <a:lstStyle/>
+          <a:p>
+            <a:r>
+              <a:rPr lang="en-US" smtClean="0"/>
+              <a:t>Click to edit Master title style</a:t>
+            </a:r>
+            <a:endParaRPr lang="en-US" dirty="0"/>
+          </a:p>
+        </p:txBody>
+      </p:sp>
+      <p:sp>
+        <p:nvSpPr>
+          <p:cNvPr id="3" name="Text Placeholder 2"/>
+          <p:cNvSpPr>
+            <a:spLocks noGrp="1"/>
+          </p:cNvSpPr>
+          <p:nvPr>
+            <p:ph type="body" idx="1"/>
+          </p:nvPr>
+        </p:nvSpPr>
+        <p:spPr>
+          <a:xfrm>
+            <a:off x="1143000" y="2001511"/>
+            <a:ext cx="4754880" cy="777240"/>
+          </a:xfrm>
+        </p:spPr>
+        <p:txBody>
+          <a:bodyPr anchor="ctr"/>
+          <a:lstStyle>
+            <a:lvl1pPr marL="0" indent="0">
+              <a:spcBef>
+                <a:spcPts val="0"/>
+              </a:spcBef>
+              <a:buNone/>
+              <a:defRPr sz="2400" b="1"/>
+            </a:lvl1pPr>
+            <a:lvl2pPr marL="457200" indent="0">
+              <a:buNone/>
+              <a:defRPr sz="2000" b="1"/>
+            </a:lvl2pPr>
+            <a:lvl3pPr marL="914400" indent="0">
+              <a:buNone/>
+              <a:defRPr sz="1800" b="1"/>
+            </a:lvl3pPr>
+            <a:lvl4pPr marL="1371600" indent="0">
+              <a:buNone/>
+              <a:defRPr sz="1600" b="1"/>
+            </a:lvl4pPr>
+            <a:lvl5pPr marL="1828800" indent="0">
+              <a:buNone/>
+              <a:defRPr sz="1600" b="1"/>
+            </a:lvl5pPr>
+            <a:lvl6pPr marL="2286000" indent="0">
+              <a:buNone/>
+              <a:defRPr sz="1600" b="1"/>
+            </a:lvl6pPr>
+            <a:lvl7pPr marL="2743200" indent="0">
+              <a:buNone/>
+              <a:defRPr sz="1600" b="1"/>
+            </a:lvl7pPr>
+            <a:lvl8pPr marL="3200400" indent="0">
+              <a:buNone/>
+              <a:defRPr sz="1600" b="1"/>
+            </a:lvl8pPr>
+            <a:lvl9pPr marL="3657600" indent="0">
+              <a:buNone/>
+              <a:defRPr sz="1600" b="1"/>
+            </a:lvl9pPr>
+          </a:lstStyle>
+          <a:p>
+            <a:pPr lvl="0"/>
+            <a:r>
+              <a:rPr lang="en-US" smtClean="0"/>
+              <a:t>Click to edit Master text styles</a:t>
+            </a:r>
+          </a:p>
+        </p:txBody>
+      </p:sp>
+      <p:sp>
+        <p:nvSpPr>
+          <p:cNvPr id="4" name="Content Placeholder 3"/>
+          <p:cNvSpPr>
+            <a:spLocks noGrp="1"/>
+          </p:cNvSpPr>
+          <p:nvPr>
+            <p:ph sz="half" idx="2"/>
+          </p:nvPr>
+        </p:nvSpPr>
+        <p:spPr>
+          <a:xfrm>
+            <a:off x="1143000" y="2721483"/>
+            <a:ext cx="4754880" cy="3383280"/>
+          </a:xfrm>
+        </p:spPr>
+        <p:txBody>
+          <a:bodyPr/>
+          <a:lstStyle>
+            <a:lvl1pPr>
+              <a:defRPr sz="2200"/>
+            </a:lvl1pPr>
+            <a:lvl2pPr>
+              <a:defRPr sz="2000"/>
+            </a:lvl2pPr>
+            <a:lvl3pPr>
+              <a:defRPr sz="1800"/>
+            </a:lvl3pPr>
+            <a:lvl4pPr>
+              <a:defRPr sz="1600"/>
+            </a:lvl4pPr>
+            <a:lvl5pPr>
+              <a:defRPr sz="1600"/>
+            </a:lvl5pPr>
+            <a:lvl6pPr>
+              <a:defRPr sz="1600"/>
+            </a:lvl6pPr>
+            <a:lvl7pPr>
+              <a:defRPr sz="1600"/>
+            </a:lvl7pPr>
+            <a:lvl8pPr>
+              <a:defRPr sz="1600"/>
+            </a:lvl8pPr>
+            <a:lvl9pPr>
+              <a:defRPr sz="1600"/>
+            </a:lvl9pPr>
+          </a:lstStyle>
+          <a:p>
+            <a:pPr lvl="0"/>
+            <a:r>
+              <a:rPr lang="en-US" smtClean="0"/>
+              <a:t>Click to edit Master text styles</a:t>
+            </a:r>
+          </a:p>
+          <a:p>
+            <a:pPr lvl="1"/>
+            <a:r>
+              <a:rPr lang="en-US" smtClean="0"/>
+              <a:t>Second level</a:t>
+            </a:r>
+          </a:p>
+          <a:p>
+            <a:pPr lvl="2"/>
+            <a:r>
+              <a:rPr lang="en-US" smtClean="0"/>
+              <a:t>Third level</a:t>
+            </a:r>
+          </a:p>
+          <a:p>
+            <a:pPr lvl="3"/>
+            <a:r>
+              <a:rPr lang="en-US" smtClean="0"/>
+              <a:t>Fourth level</a:t>
+            </a:r>
+          </a:p>
+          <a:p>
+            <a:pPr lvl="4"/>
+            <a:r>
+              <a:rPr lang="en-US" smtClean="0"/>
+              <a:t>Fifth level</a:t>
+            </a:r>
+            <a:endParaRPr lang="en-US" dirty="0"/>
+          </a:p>
+        </p:txBody>
+      </p:sp>
+      <p:sp>
+        <p:nvSpPr>
+          <p:cNvPr id="5" name="Text Placeholder 4"/>
+          <p:cNvSpPr>
+            <a:spLocks noGrp="1"/>
+          </p:cNvSpPr>
+          <p:nvPr>
+            <p:ph type="body" sz="quarter" idx="3"/>
+          </p:nvPr>
+        </p:nvSpPr>
+        <p:spPr>
+          <a:xfrm>
+            <a:off x="6269173" y="1999032"/>
+            <a:ext cx="4754880" cy="777240"/>
+          </a:xfrm>
+        </p:spPr>
+        <p:txBody>
+          <a:bodyPr anchor="ctr"/>
+          <a:lstStyle>
+            <a:lvl1pPr marL="0" indent="0">
+              <a:spcBef>
+                <a:spcPts val="0"/>
+              </a:spcBef>
+              <a:buNone/>
+              <a:defRPr sz="2400" b="1"/>
+            </a:lvl1pPr>
+            <a:lvl2pPr marL="457200" indent="0">
+              <a:buNone/>
+              <a:defRPr sz="2000" b="1"/>
+            </a:lvl2pPr>
+            <a:lvl3pPr marL="914400" indent="0">
+              <a:buNone/>
+              <a:defRPr sz="1800" b="1"/>
+            </a:lvl3pPr>
+            <a:lvl4pPr marL="1371600" indent="0">
+              <a:buNone/>
+              <a:defRPr sz="1600" b="1"/>
+            </a:lvl4pPr>
+            <a:lvl5pPr marL="1828800" indent="0">
+              <a:buNone/>
+              <a:defRPr sz="1600" b="1"/>
+            </a:lvl5pPr>
+            <a:lvl6pPr marL="2286000" indent="0">
+              <a:buNone/>
+              <a:defRPr sz="1600" b="1"/>
+            </a:lvl6pPr>
+            <a:lvl7pPr marL="2743200" indent="0">
+              <a:buNone/>
+              <a:defRPr sz="1600" b="1"/>
+            </a:lvl7pPr>
+            <a:lvl8pPr marL="3200400" indent="0">
+              <a:buNone/>
+              <a:defRPr sz="1600" b="1"/>
+            </a:lvl8pPr>
+            <a:lvl9pPr marL="3657600" indent="0">
+              <a:buNone/>
+              <a:defRPr sz="1600" b="1"/>
+            </a:lvl9pPr>
+          </a:lstStyle>
+          <a:p>
+            <a:pPr lvl="0"/>
+            <a:r>
+              <a:rPr lang="en-US" smtClean="0"/>
+              <a:t>Click to edit Master text styles</a:t>
+            </a:r>
+          </a:p>
+        </p:txBody>
+      </p:sp>
+      <p:sp>
+        <p:nvSpPr>
+          <p:cNvPr id="6" name="Content Placeholder 5"/>
+          <p:cNvSpPr>
+            <a:spLocks noGrp="1"/>
+          </p:cNvSpPr>
+          <p:nvPr>
+            <p:ph sz="quarter" idx="4"/>
+          </p:nvPr>
+        </p:nvSpPr>
+        <p:spPr>
+          <a:xfrm>
+            <a:off x="6269173" y="2719322"/>
+            <a:ext cx="4754880" cy="3383280"/>
+          </a:xfrm>
+        </p:spPr>
+        <p:txBody>
+          <a:bodyPr/>
+          <a:lstStyle>
+            <a:lvl1pPr>
+              <a:defRPr sz="2200"/>
+            </a:lvl1pPr>
+            <a:lvl2pPr>
+              <a:defRPr sz="2000"/>
+            </a:lvl2pPr>
+            <a:lvl3pPr>
+              <a:defRPr sz="1800"/>
+            </a:lvl3pPr>
+            <a:lvl4pPr>
+              <a:defRPr sz="1600"/>
+            </a:lvl4pPr>
+            <a:lvl5pPr>
+              <a:defRPr sz="1600"/>
+            </a:lvl5pPr>
+            <a:lvl6pPr>
+              <a:defRPr sz="1600"/>
+            </a:lvl6pPr>
+            <a:lvl7pPr>
+              <a:defRPr sz="1600"/>
+            </a:lvl7pPr>
+            <a:lvl8pPr>
+              <a:defRPr sz="1600"/>
+            </a:lvl8pPr>
+            <a:lvl9pPr>
+              <a:defRPr sz="1600"/>
+            </a:lvl9pPr>
+          </a:lstStyle>
+          <a:p>
+            <a:pPr lvl="0"/>
+            <a:r>
+              <a:rPr lang="en-US" smtClean="0"/>
+              <a:t>Click to edit Master text styles</a:t>
+            </a:r>
+          </a:p>
+          <a:p>
+            <a:pPr lvl="1"/>
+            <a:r>
+              <a:rPr lang="en-US" smtClean="0"/>
+              <a:t>Second level</a:t>
+            </a:r>
+          </a:p>
+          <a:p>
+            <a:pPr lvl="2"/>
+            <a:r>
+              <a:rPr lang="en-US" smtClean="0"/>
+              <a:t>Third level</a:t>
+            </a:r>
+          </a:p>
+          <a:p>
+            <a:pPr lvl="3"/>
+            <a:r>
+              <a:rPr lang="en-US" smtClean="0"/>
+              <a:t>Fourth level</a:t>
+            </a:r>
+          </a:p>
+          <a:p>
+            <a:pPr lvl="4"/>
+            <a:r>
+              <a:rPr lang="en-US" smtClean="0"/>
+              <a:t>Fifth level</a:t>
+            </a:r>
+            <a:endParaRPr lang="en-US" dirty="0"/>
+          </a:p>
+        </p:txBody>
+      </p:sp>
+      <p:sp>
+        <p:nvSpPr>
+          <p:cNvPr id="7" name="Date Placeholder 6"/>
+          <p:cNvSpPr>
+            <a:spLocks noGrp="1"/>
+          </p:cNvSpPr>
+          <p:nvPr>
+            <p:ph type="dt" sz="half" idx="10"/>
+          </p:nvPr>
+        </p:nvSpPr>
+        <p:spPr/>
+        <p:txBody>
+          <a:bodyPr/>
+          <a:lstStyle/>
+          <a:p>
+            <a:endParaRPr lang="en-US"/>
+          </a:p>
+        </p:txBody>
+      </p:sp>
+      <p:sp>
+        <p:nvSpPr>
+          <p:cNvPr id="8" name="Footer Placeholder 7"/>
+          <p:cNvSpPr>
+            <a:spLocks noGrp="1"/>
+          </p:cNvSpPr>
+          <p:nvPr>
+            <p:ph type="ftr" sz="quarter" idx="11"/>
+          </p:nvPr>
+        </p:nvSpPr>
+        <p:spPr/>
+        <p:txBody>
+          <a:bodyPr/>
+          <a:lstStyle/>
+          <a:p>
+            <a:endParaRPr lang="en-US"/>
+          </a:p>
+        </p:txBody>
+      </p:sp>
+      <p:sp>
+        <p:nvSpPr>
+          <p:cNvPr id="9" name="Slide Number Placeholder 8"/>
+          <p:cNvSpPr>
+            <a:spLocks noGrp="1"/>
+          </p:cNvSpPr>
+          <p:nvPr>
+            <p:ph type="sldNum" sz="quarter" idx="12"/>
+          </p:nvPr>
+        </p:nvSpPr>
+        <p:spPr/>
+        <p:txBody>
+          <a:bodyPr/>
+          <a:lstStyle/>
+          <a:p>
+            <a:fld id="{CA8D9AD5-F248-4919-864A-CFD76CC027D6}" type="slidenum">
+              <a:rPr lang="en-US" smtClean="0"/>
+              <a:t>‹#›</a:t>
+            </a:fld>
+            <a:endParaRPr lang="en-US"/>
+          </a:p>
+        </p:txBody>
+      </p:sp>
+    </p:spTree>
+    <p:extLst>
+      <p:ext uri="{BB962C8B-B14F-4D97-AF65-F5344CB8AC3E}">
+        <p14:creationId xmlns:p14="http://schemas.microsoft.com/office/powerpoint/2010/main" val="1176086364"/>
+      </p:ext>
+    </p:extLst>
+  </p:cSld>
+  <p:clrMapOvr>
+    <a:masterClrMapping/>
+  </p:clrMapOvr>
+  <mc:AlternateContent xmlns:mc="http://schemas.openxmlformats.org/markup-compatibility/2006" xmlns:p14="http://schemas.microsoft.com/office/powerpoint/2010/main">
+    <mc:Choice Requires="p14">
+      <p:transition spd="med" p14:dur="700">
+        <p:fade/>
+      </p:transition>
+    </mc:Choice>
+    <mc:Fallback xmlns="">
+      <p:transition spd="med">
+        <p:fade/>
+      </p:transition>
+    </mc:Fallback>
+  </mc:AlternateContent>
+  <p:timing>
+    <p:tnLst>
+      <p:par>
+        <p:cTn id="1" dur="indefinite" restart="never" nodeType="tmRoot"/>
+      </p:par>
+    </p:tnLst>
+  </p:timing>
+</p:sldLayout>
+</file>
+
+<file path=ppt/slideLayouts/slideLayout17.xml><?xml version="1.0" encoding="utf-8"?>
+<p:sldLayout xmlns:a="http://schemas.openxmlformats.org/drawingml/2006/main" xmlns:r="http://schemas.openxmlformats.org/officeDocument/2006/relationships" xmlns:p="http://schemas.openxmlformats.org/presentationml/2006/main" type="titleOnly" preserve="1">
+  <p:cSld name="Title Only">
+    <p:spTree>
+      <p:nvGrpSpPr>
+        <p:cNvPr id="1" name=""/>
+        <p:cNvGrpSpPr/>
+        <p:nvPr/>
+      </p:nvGrpSpPr>
+      <p:grpSpPr>
+        <a:xfrm>
+          <a:off x="0" y="0"/>
+          <a:ext cx="0" cy="0"/>
+          <a:chOff x="0" y="0"/>
+          <a:chExt cx="0" cy="0"/>
+        </a:xfrm>
+      </p:grpSpPr>
+      <p:sp>
+        <p:nvSpPr>
+          <p:cNvPr id="2" name="Title 1"/>
+          <p:cNvSpPr>
+            <a:spLocks noGrp="1"/>
+          </p:cNvSpPr>
+          <p:nvPr>
+            <p:ph type="title"/>
+          </p:nvPr>
+        </p:nvSpPr>
+        <p:spPr/>
+        <p:txBody>
+          <a:bodyPr/>
+          <a:lstStyle/>
+          <a:p>
+            <a:r>
+              <a:rPr lang="en-US" smtClean="0"/>
+              <a:t>Click to edit Master title style</a:t>
+            </a:r>
+            <a:endParaRPr lang="en-US" dirty="0"/>
+          </a:p>
+        </p:txBody>
+      </p:sp>
+      <p:sp>
+        <p:nvSpPr>
+          <p:cNvPr id="3" name="Date Placeholder 2"/>
+          <p:cNvSpPr>
+            <a:spLocks noGrp="1"/>
+          </p:cNvSpPr>
+          <p:nvPr>
+            <p:ph type="dt" sz="half" idx="10"/>
+          </p:nvPr>
+        </p:nvSpPr>
+        <p:spPr/>
+        <p:txBody>
+          <a:bodyPr/>
+          <a:lstStyle/>
+          <a:p>
+            <a:endParaRPr lang="en-US"/>
+          </a:p>
+        </p:txBody>
+      </p:sp>
+      <p:sp>
+        <p:nvSpPr>
+          <p:cNvPr id="4" name="Footer Placeholder 3"/>
+          <p:cNvSpPr>
+            <a:spLocks noGrp="1"/>
+          </p:cNvSpPr>
+          <p:nvPr>
+            <p:ph type="ftr" sz="quarter" idx="11"/>
+          </p:nvPr>
+        </p:nvSpPr>
+        <p:spPr/>
+        <p:txBody>
+          <a:bodyPr/>
+          <a:lstStyle/>
+          <a:p>
+            <a:endParaRPr lang="en-US"/>
+          </a:p>
+        </p:txBody>
+      </p:sp>
+      <p:sp>
+        <p:nvSpPr>
+          <p:cNvPr id="5" name="Slide Number Placeholder 4"/>
+          <p:cNvSpPr>
+            <a:spLocks noGrp="1"/>
+          </p:cNvSpPr>
+          <p:nvPr>
+            <p:ph type="sldNum" sz="quarter" idx="12"/>
+          </p:nvPr>
+        </p:nvSpPr>
+        <p:spPr/>
+        <p:txBody>
+          <a:bodyPr/>
+          <a:lstStyle/>
+          <a:p>
+            <a:fld id="{CA8D9AD5-F248-4919-864A-CFD76CC027D6}" type="slidenum">
+              <a:rPr lang="en-US" smtClean="0"/>
+              <a:t>‹#›</a:t>
+            </a:fld>
+            <a:endParaRPr lang="en-US"/>
+          </a:p>
+        </p:txBody>
+      </p:sp>
+    </p:spTree>
+    <p:extLst>
+      <p:ext uri="{BB962C8B-B14F-4D97-AF65-F5344CB8AC3E}">
+        <p14:creationId xmlns:p14="http://schemas.microsoft.com/office/powerpoint/2010/main" val="1545100844"/>
+      </p:ext>
+    </p:extLst>
+  </p:cSld>
+  <p:clrMapOvr>
+    <a:masterClrMapping/>
+  </p:clrMapOvr>
+  <mc:AlternateContent xmlns:mc="http://schemas.openxmlformats.org/markup-compatibility/2006" xmlns:p14="http://schemas.microsoft.com/office/powerpoint/2010/main">
+    <mc:Choice Requires="p14">
+      <p:transition spd="med" p14:dur="700">
+        <p:fade/>
+      </p:transition>
+    </mc:Choice>
+    <mc:Fallback xmlns="">
+      <p:transition spd="med">
+        <p:fade/>
+      </p:transition>
+    </mc:Fallback>
+  </mc:AlternateContent>
+  <p:timing>
+    <p:tnLst>
+      <p:par>
+        <p:cTn id="1" dur="indefinite" restart="never" nodeType="tmRoot"/>
+      </p:par>
+    </p:tnLst>
+  </p:timing>
+</p:sldLayout>
+</file>
+
+<file path=ppt/slideLayouts/slideLayout18.xml><?xml version="1.0" encoding="utf-8"?>
+<p:sldLayout xmlns:a="http://schemas.openxmlformats.org/drawingml/2006/main" xmlns:r="http://schemas.openxmlformats.org/officeDocument/2006/relationships" xmlns:p="http://schemas.openxmlformats.org/presentationml/2006/main" type="blank" preserve="1">
+  <p:cSld name="Blank">
+    <p:spTree>
+      <p:nvGrpSpPr>
+        <p:cNvPr id="1" name=""/>
+        <p:cNvGrpSpPr/>
+        <p:nvPr/>
+      </p:nvGrpSpPr>
+      <p:grpSpPr>
+        <a:xfrm>
+          <a:off x="0" y="0"/>
+          <a:ext cx="0" cy="0"/>
+          <a:chOff x="0" y="0"/>
+          <a:chExt cx="0" cy="0"/>
+        </a:xfrm>
+      </p:grpSpPr>
+      <p:sp>
+        <p:nvSpPr>
+          <p:cNvPr id="2" name="Date Placeholder 1"/>
+          <p:cNvSpPr>
+            <a:spLocks noGrp="1"/>
+          </p:cNvSpPr>
+          <p:nvPr>
+            <p:ph type="dt" sz="half" idx="10"/>
+          </p:nvPr>
+        </p:nvSpPr>
+        <p:spPr/>
+        <p:txBody>
+          <a:bodyPr/>
+          <a:lstStyle/>
+          <a:p>
+            <a:endParaRPr lang="en-US"/>
+          </a:p>
+        </p:txBody>
+      </p:sp>
+      <p:sp>
+        <p:nvSpPr>
+          <p:cNvPr id="3" name="Footer Placeholder 2"/>
+          <p:cNvSpPr>
+            <a:spLocks noGrp="1"/>
+          </p:cNvSpPr>
+          <p:nvPr>
+            <p:ph type="ftr" sz="quarter" idx="11"/>
+          </p:nvPr>
+        </p:nvSpPr>
+        <p:spPr/>
+        <p:txBody>
+          <a:bodyPr/>
+          <a:lstStyle/>
+          <a:p>
+            <a:endParaRPr lang="en-US"/>
+          </a:p>
+        </p:txBody>
+      </p:sp>
+      <p:sp>
+        <p:nvSpPr>
+          <p:cNvPr id="4" name="Slide Number Placeholder 3"/>
+          <p:cNvSpPr>
+            <a:spLocks noGrp="1"/>
+          </p:cNvSpPr>
+          <p:nvPr>
+            <p:ph type="sldNum" sz="quarter" idx="12"/>
+          </p:nvPr>
+        </p:nvSpPr>
+        <p:spPr/>
+        <p:txBody>
+          <a:bodyPr/>
+          <a:lstStyle/>
+          <a:p>
+            <a:fld id="{CA8D9AD5-F248-4919-864A-CFD76CC027D6}" type="slidenum">
+              <a:rPr lang="en-US" smtClean="0"/>
+              <a:t>‹#›</a:t>
+            </a:fld>
+            <a:endParaRPr lang="en-US"/>
+          </a:p>
+        </p:txBody>
+      </p:sp>
+    </p:spTree>
+    <p:extLst>
+      <p:ext uri="{BB962C8B-B14F-4D97-AF65-F5344CB8AC3E}">
+        <p14:creationId xmlns:p14="http://schemas.microsoft.com/office/powerpoint/2010/main" val="1151509670"/>
+      </p:ext>
+    </p:extLst>
+  </p:cSld>
+  <p:clrMapOvr>
+    <a:masterClrMapping/>
+  </p:clrMapOvr>
+  <mc:AlternateContent xmlns:mc="http://schemas.openxmlformats.org/markup-compatibility/2006" xmlns:p14="http://schemas.microsoft.com/office/powerpoint/2010/main">
+    <mc:Choice Requires="p14">
+      <p:transition spd="med" p14:dur="700">
+        <p:fade/>
+      </p:transition>
+    </mc:Choice>
+    <mc:Fallback xmlns="">
+      <p:transition spd="med">
+        <p:fade/>
+      </p:transition>
+    </mc:Fallback>
+  </mc:AlternateContent>
+  <p:timing>
+    <p:tnLst>
+      <p:par>
+        <p:cTn id="1" dur="indefinite" restart="never" nodeType="tmRoot"/>
+      </p:par>
+    </p:tnLst>
+  </p:timing>
+</p:sldLayout>
+</file>
+
+<file path=ppt/slideLayouts/slideLayout19.xml><?xml version="1.0" encoding="utf-8"?>
+<p:sldLayout xmlns:a="http://schemas.openxmlformats.org/drawingml/2006/main" xmlns:r="http://schemas.openxmlformats.org/officeDocument/2006/relationships" xmlns:p="http://schemas.openxmlformats.org/presentationml/2006/main" type="objTx" preserve="1">
+  <p:cSld name="Content with Caption">
+    <p:spTree>
+      <p:nvGrpSpPr>
+        <p:cNvPr id="1" name=""/>
+        <p:cNvGrpSpPr/>
+        <p:nvPr/>
+      </p:nvGrpSpPr>
+      <p:grpSpPr>
+        <a:xfrm>
+          <a:off x="0" y="0"/>
+          <a:ext cx="0" cy="0"/>
+          <a:chOff x="0" y="0"/>
+          <a:chExt cx="0" cy="0"/>
+        </a:xfrm>
+      </p:grpSpPr>
+      <p:sp>
+        <p:nvSpPr>
+          <p:cNvPr id="2" name="Title 1"/>
+          <p:cNvSpPr>
+            <a:spLocks noGrp="1"/>
+          </p:cNvSpPr>
+          <p:nvPr>
+            <p:ph type="title"/>
+          </p:nvPr>
+        </p:nvSpPr>
+        <p:spPr>
+          <a:xfrm>
+            <a:off x="1143000" y="1097280"/>
+            <a:ext cx="3931920" cy="1737360"/>
+          </a:xfrm>
+        </p:spPr>
+        <p:txBody>
+          <a:bodyPr anchor="b">
+            <a:noAutofit/>
+          </a:bodyPr>
+          <a:lstStyle>
+            <a:lvl1pPr>
+              <a:lnSpc>
+                <a:spcPct val="90000"/>
+              </a:lnSpc>
+              <a:defRPr sz="4000" b="0"/>
+            </a:lvl1pPr>
+          </a:lstStyle>
+          <a:p>
+            <a:r>
+              <a:rPr lang="en-US" smtClean="0"/>
+              <a:t>Click to edit Master title style</a:t>
+            </a:r>
+            <a:endParaRPr lang="en-US" dirty="0"/>
+          </a:p>
+        </p:txBody>
+      </p:sp>
+      <p:sp>
+        <p:nvSpPr>
+          <p:cNvPr id="3" name="Content Placeholder 2"/>
+          <p:cNvSpPr>
+            <a:spLocks noGrp="1"/>
+          </p:cNvSpPr>
+          <p:nvPr>
+            <p:ph idx="1"/>
+          </p:nvPr>
+        </p:nvSpPr>
+        <p:spPr>
+          <a:xfrm>
+            <a:off x="5852159" y="1097280"/>
+            <a:ext cx="5212080" cy="4663440"/>
+          </a:xfrm>
+        </p:spPr>
+        <p:txBody>
+          <a:bodyPr/>
+          <a:lstStyle>
+            <a:lvl1pPr>
+              <a:defRPr sz="3200"/>
+            </a:lvl1pPr>
+            <a:lvl2pPr>
+              <a:defRPr sz="2800"/>
+            </a:lvl2pPr>
+            <a:lvl3pPr>
+              <a:defRPr sz="2400"/>
+            </a:lvl3pPr>
+            <a:lvl4pPr>
+              <a:defRPr sz="2000"/>
+            </a:lvl4pPr>
+            <a:lvl5pPr>
+              <a:defRPr sz="2000"/>
+            </a:lvl5pPr>
+            <a:lvl6pPr>
+              <a:defRPr sz="2000"/>
+            </a:lvl6pPr>
+            <a:lvl7pPr>
+              <a:defRPr sz="2000"/>
+            </a:lvl7pPr>
+            <a:lvl8pPr>
+              <a:defRPr sz="2000"/>
+            </a:lvl8pPr>
+            <a:lvl9pPr>
+              <a:defRPr sz="2000"/>
+            </a:lvl9pPr>
+          </a:lstStyle>
+          <a:p>
+            <a:pPr lvl="0"/>
+            <a:r>
+              <a:rPr lang="en-US" smtClean="0"/>
+              <a:t>Click to edit Master text styles</a:t>
+            </a:r>
+          </a:p>
+          <a:p>
+            <a:pPr lvl="1"/>
+            <a:r>
+              <a:rPr lang="en-US" smtClean="0"/>
+              <a:t>Second level</a:t>
+            </a:r>
+          </a:p>
+          <a:p>
+            <a:pPr lvl="2"/>
+            <a:r>
+              <a:rPr lang="en-US" smtClean="0"/>
+              <a:t>Third level</a:t>
+            </a:r>
+          </a:p>
+          <a:p>
+            <a:pPr lvl="3"/>
+            <a:r>
+              <a:rPr lang="en-US" smtClean="0"/>
+              <a:t>Fourth level</a:t>
+            </a:r>
+          </a:p>
+          <a:p>
+            <a:pPr lvl="4"/>
+            <a:r>
+              <a:rPr lang="en-US" smtClean="0"/>
+              <a:t>Fifth level</a:t>
+            </a:r>
+            <a:endParaRPr lang="en-US" dirty="0"/>
+          </a:p>
+        </p:txBody>
+      </p:sp>
+      <p:sp>
+        <p:nvSpPr>
+          <p:cNvPr id="4" name="Text Placeholder 3"/>
+          <p:cNvSpPr>
+            <a:spLocks noGrp="1"/>
+          </p:cNvSpPr>
+          <p:nvPr>
+            <p:ph type="body" sz="half" idx="2"/>
+          </p:nvPr>
+        </p:nvSpPr>
+        <p:spPr>
+          <a:xfrm>
+            <a:off x="1143000" y="2834640"/>
+            <a:ext cx="3931920" cy="3017520"/>
+          </a:xfrm>
+        </p:spPr>
+        <p:txBody>
+          <a:bodyPr>
+            <a:normAutofit/>
+          </a:bodyPr>
+          <a:lstStyle>
+            <a:lvl1pPr marL="0" indent="0">
+              <a:lnSpc>
+                <a:spcPct val="100000"/>
+              </a:lnSpc>
+              <a:spcBef>
+                <a:spcPts val="1000"/>
+              </a:spcBef>
+              <a:buNone/>
+              <a:defRPr sz="1700"/>
+            </a:lvl1pPr>
+            <a:lvl2pPr marL="457200" indent="0">
+              <a:buNone/>
+              <a:defRPr sz="1200"/>
+            </a:lvl2pPr>
+            <a:lvl3pPr marL="914400" indent="0">
+              <a:buNone/>
+              <a:defRPr sz="1000"/>
+            </a:lvl3pPr>
+            <a:lvl4pPr marL="1371600" indent="0">
+              <a:buNone/>
+              <a:defRPr sz="900"/>
+            </a:lvl4pPr>
+            <a:lvl5pPr marL="1828800" indent="0">
+              <a:buNone/>
+              <a:defRPr sz="900"/>
+            </a:lvl5pPr>
+            <a:lvl6pPr marL="2286000" indent="0">
+              <a:buNone/>
+              <a:defRPr sz="900"/>
+            </a:lvl6pPr>
+            <a:lvl7pPr marL="2743200" indent="0">
+              <a:buNone/>
+              <a:defRPr sz="900"/>
+            </a:lvl7pPr>
+            <a:lvl8pPr marL="3200400" indent="0">
+              <a:buNone/>
+              <a:defRPr sz="900"/>
+            </a:lvl8pPr>
+            <a:lvl9pPr marL="3657600" indent="0">
+              <a:buNone/>
+              <a:defRPr sz="900"/>
+            </a:lvl9pPr>
+          </a:lstStyle>
+          <a:p>
+            <a:pPr lvl="0"/>
+            <a:r>
+              <a:rPr lang="en-US" smtClean="0"/>
+              <a:t>Click to edit Master text styles</a:t>
+            </a:r>
+          </a:p>
+        </p:txBody>
+      </p:sp>
+      <p:sp>
+        <p:nvSpPr>
+          <p:cNvPr id="5" name="Date Placeholder 4"/>
+          <p:cNvSpPr>
+            <a:spLocks noGrp="1"/>
+          </p:cNvSpPr>
+          <p:nvPr>
+            <p:ph type="dt" sz="half" idx="10"/>
+          </p:nvPr>
+        </p:nvSpPr>
+        <p:spPr/>
+        <p:txBody>
+          <a:bodyPr/>
+          <a:lstStyle/>
+          <a:p>
+            <a:endParaRPr lang="en-US"/>
+          </a:p>
+        </p:txBody>
+      </p:sp>
+      <p:sp>
+        <p:nvSpPr>
+          <p:cNvPr id="6" name="Footer Placeholder 5"/>
+          <p:cNvSpPr>
+            <a:spLocks noGrp="1"/>
+          </p:cNvSpPr>
+          <p:nvPr>
+            <p:ph type="ftr" sz="quarter" idx="11"/>
+          </p:nvPr>
+        </p:nvSpPr>
+        <p:spPr/>
+        <p:txBody>
+          <a:bodyPr/>
+          <a:lstStyle/>
+          <a:p>
+            <a:endParaRPr lang="en-US"/>
+          </a:p>
+        </p:txBody>
+      </p:sp>
+      <p:sp>
+        <p:nvSpPr>
+          <p:cNvPr id="7" name="Slide Number Placeholder 6"/>
+          <p:cNvSpPr>
+            <a:spLocks noGrp="1"/>
+          </p:cNvSpPr>
+          <p:nvPr>
+            <p:ph type="sldNum" sz="quarter" idx="12"/>
+          </p:nvPr>
+        </p:nvSpPr>
+        <p:spPr/>
+        <p:txBody>
+          <a:bodyPr/>
+          <a:lstStyle/>
+          <a:p>
+            <a:fld id="{CA8D9AD5-F248-4919-864A-CFD76CC027D6}" type="slidenum">
+              <a:rPr lang="en-US" smtClean="0"/>
+              <a:t>‹#›</a:t>
+            </a:fld>
+            <a:endParaRPr lang="en-US"/>
+          </a:p>
+        </p:txBody>
+      </p:sp>
+    </p:spTree>
+    <p:extLst>
+      <p:ext uri="{BB962C8B-B14F-4D97-AF65-F5344CB8AC3E}">
+        <p14:creationId xmlns:p14="http://schemas.microsoft.com/office/powerpoint/2010/main" val="3503885070"/>
+      </p:ext>
+    </p:extLst>
+  </p:cSld>
+  <p:clrMapOvr>
+    <a:masterClrMapping/>
+  </p:clrMapOvr>
+  <mc:AlternateContent xmlns:mc="http://schemas.openxmlformats.org/markup-compatibility/2006" xmlns:p14="http://schemas.microsoft.com/office/powerpoint/2010/main">
+    <mc:Choice Requires="p14">
+      <p:transition spd="med" p14:dur="700">
+        <p:fade/>
+      </p:transition>
+    </mc:Choice>
+    <mc:Fallback xmlns="">
+      <p:transition spd="med">
+        <p:fade/>
+      </p:transition>
+    </mc:Fallback>
+  </mc:AlternateContent>
+  <p:timing>
+    <p:tnLst>
+      <p:par>
+        <p:cTn id="1" dur="indefinite" restart="never" nodeType="tmRoot"/>
+      </p:par>
+    </p:tnLst>
+  </p:timing>
+</p:sldLayout>
+</file>
+
 <file path=ppt/slideLayouts/slideLayout2.xml><?xml version="1.0" encoding="utf-8"?>
 <p:sldLayout xmlns:a="http://schemas.openxmlformats.org/drawingml/2006/main" xmlns:r="http://schemas.openxmlformats.org/officeDocument/2006/relationships" xmlns:p="http://schemas.openxmlformats.org/presentationml/2006/main" type="obj" preserve="1">
   <p:cSld name="Title and Content">
@@ -2642,6 +5114,673 @@
     <p:extLst>
       <p:ext uri="{BB962C8B-B14F-4D97-AF65-F5344CB8AC3E}">
         <p14:creationId xmlns:p14="http://schemas.microsoft.com/office/powerpoint/2010/main" val="4159342245"/>
+      </p:ext>
+    </p:extLst>
+  </p:cSld>
+  <p:clrMapOvr>
+    <a:masterClrMapping/>
+  </p:clrMapOvr>
+  <mc:AlternateContent xmlns:mc="http://schemas.openxmlformats.org/markup-compatibility/2006" xmlns:p14="http://schemas.microsoft.com/office/powerpoint/2010/main">
+    <mc:Choice Requires="p14">
+      <p:transition spd="med" p14:dur="700">
+        <p:fade/>
+      </p:transition>
+    </mc:Choice>
+    <mc:Fallback xmlns="">
+      <p:transition spd="med">
+        <p:fade/>
+      </p:transition>
+    </mc:Fallback>
+  </mc:AlternateContent>
+  <p:timing>
+    <p:tnLst>
+      <p:par>
+        <p:cTn id="1" dur="indefinite" restart="never" nodeType="tmRoot"/>
+      </p:par>
+    </p:tnLst>
+  </p:timing>
+</p:sldLayout>
+</file>
+
+<file path=ppt/slideLayouts/slideLayout20.xml><?xml version="1.0" encoding="utf-8"?>
+<p:sldLayout xmlns:a="http://schemas.openxmlformats.org/drawingml/2006/main" xmlns:r="http://schemas.openxmlformats.org/officeDocument/2006/relationships" xmlns:p="http://schemas.openxmlformats.org/presentationml/2006/main" type="picTx" preserve="1">
+  <p:cSld name="Picture with Caption">
+    <p:spTree>
+      <p:nvGrpSpPr>
+        <p:cNvPr id="1" name=""/>
+        <p:cNvGrpSpPr/>
+        <p:nvPr/>
+      </p:nvGrpSpPr>
+      <p:grpSpPr>
+        <a:xfrm>
+          <a:off x="0" y="0"/>
+          <a:ext cx="0" cy="0"/>
+          <a:chOff x="0" y="0"/>
+          <a:chExt cx="0" cy="0"/>
+        </a:xfrm>
+      </p:grpSpPr>
+      <p:sp>
+        <p:nvSpPr>
+          <p:cNvPr id="2" name="Title 1"/>
+          <p:cNvSpPr>
+            <a:spLocks noGrp="1"/>
+          </p:cNvSpPr>
+          <p:nvPr>
+            <p:ph type="title"/>
+          </p:nvPr>
+        </p:nvSpPr>
+        <p:spPr>
+          <a:xfrm>
+            <a:off x="1143000" y="1097280"/>
+            <a:ext cx="3931920" cy="1737360"/>
+          </a:xfrm>
+        </p:spPr>
+        <p:txBody>
+          <a:bodyPr anchor="b">
+            <a:noAutofit/>
+          </a:bodyPr>
+          <a:lstStyle>
+            <a:lvl1pPr>
+              <a:lnSpc>
+                <a:spcPct val="90000"/>
+              </a:lnSpc>
+              <a:defRPr sz="4000" b="0"/>
+            </a:lvl1pPr>
+          </a:lstStyle>
+          <a:p>
+            <a:r>
+              <a:rPr lang="en-US" smtClean="0"/>
+              <a:t>Click to edit Master title style</a:t>
+            </a:r>
+            <a:endParaRPr lang="en-US" dirty="0"/>
+          </a:p>
+        </p:txBody>
+      </p:sp>
+      <p:sp>
+        <p:nvSpPr>
+          <p:cNvPr id="3" name="Picture Placeholder 2"/>
+          <p:cNvSpPr>
+            <a:spLocks noGrp="1" noChangeAspect="1"/>
+          </p:cNvSpPr>
+          <p:nvPr>
+            <p:ph type="pic" idx="1"/>
+          </p:nvPr>
+        </p:nvSpPr>
+        <p:spPr>
+          <a:xfrm>
+            <a:off x="5413248" y="1069847"/>
+            <a:ext cx="6099048" cy="4800600"/>
+          </a:xfrm>
+        </p:spPr>
+        <p:txBody>
+          <a:bodyPr lIns="274320" tIns="182880" anchor="t">
+            <a:normAutofit/>
+          </a:bodyPr>
+          <a:lstStyle>
+            <a:lvl1pPr marL="0" indent="0">
+              <a:buNone/>
+              <a:defRPr sz="2800"/>
+            </a:lvl1pPr>
+            <a:lvl2pPr marL="457200" indent="0">
+              <a:buNone/>
+              <a:defRPr sz="2800"/>
+            </a:lvl2pPr>
+            <a:lvl3pPr marL="914400" indent="0">
+              <a:buNone/>
+              <a:defRPr sz="2400"/>
+            </a:lvl3pPr>
+            <a:lvl4pPr marL="1371600" indent="0">
+              <a:buNone/>
+              <a:defRPr sz="2000"/>
+            </a:lvl4pPr>
+            <a:lvl5pPr marL="1828800" indent="0">
+              <a:buNone/>
+              <a:defRPr sz="2000"/>
+            </a:lvl5pPr>
+            <a:lvl6pPr marL="2286000" indent="0">
+              <a:buNone/>
+              <a:defRPr sz="2000"/>
+            </a:lvl6pPr>
+            <a:lvl7pPr marL="2743200" indent="0">
+              <a:buNone/>
+              <a:defRPr sz="2000"/>
+            </a:lvl7pPr>
+            <a:lvl8pPr marL="3200400" indent="0">
+              <a:buNone/>
+              <a:defRPr sz="2000"/>
+            </a:lvl8pPr>
+            <a:lvl9pPr marL="3657600" indent="0">
+              <a:buNone/>
+              <a:defRPr sz="2000"/>
+            </a:lvl9pPr>
+          </a:lstStyle>
+          <a:p>
+            <a:r>
+              <a:rPr lang="en-US" smtClean="0"/>
+              <a:t>Click icon to add picture</a:t>
+            </a:r>
+            <a:endParaRPr lang="en-US" dirty="0"/>
+          </a:p>
+        </p:txBody>
+      </p:sp>
+      <p:sp>
+        <p:nvSpPr>
+          <p:cNvPr id="4" name="Text Placeholder 3"/>
+          <p:cNvSpPr>
+            <a:spLocks noGrp="1"/>
+          </p:cNvSpPr>
+          <p:nvPr>
+            <p:ph type="body" sz="half" idx="2"/>
+          </p:nvPr>
+        </p:nvSpPr>
+        <p:spPr>
+          <a:xfrm>
+            <a:off x="1143000" y="2834640"/>
+            <a:ext cx="3931920" cy="2880360"/>
+          </a:xfrm>
+        </p:spPr>
+        <p:txBody>
+          <a:bodyPr>
+            <a:normAutofit/>
+          </a:bodyPr>
+          <a:lstStyle>
+            <a:lvl1pPr marL="0" indent="0">
+              <a:lnSpc>
+                <a:spcPct val="100000"/>
+              </a:lnSpc>
+              <a:spcBef>
+                <a:spcPts val="1000"/>
+              </a:spcBef>
+              <a:buNone/>
+              <a:defRPr sz="1700"/>
+            </a:lvl1pPr>
+            <a:lvl2pPr marL="457200" indent="0">
+              <a:buNone/>
+              <a:defRPr sz="1200"/>
+            </a:lvl2pPr>
+            <a:lvl3pPr marL="914400" indent="0">
+              <a:buNone/>
+              <a:defRPr sz="1000"/>
+            </a:lvl3pPr>
+            <a:lvl4pPr marL="1371600" indent="0">
+              <a:buNone/>
+              <a:defRPr sz="900"/>
+            </a:lvl4pPr>
+            <a:lvl5pPr marL="1828800" indent="0">
+              <a:buNone/>
+              <a:defRPr sz="900"/>
+            </a:lvl5pPr>
+            <a:lvl6pPr marL="2286000" indent="0">
+              <a:buNone/>
+              <a:defRPr sz="900"/>
+            </a:lvl6pPr>
+            <a:lvl7pPr marL="2743200" indent="0">
+              <a:buNone/>
+              <a:defRPr sz="900"/>
+            </a:lvl7pPr>
+            <a:lvl8pPr marL="3200400" indent="0">
+              <a:buNone/>
+              <a:defRPr sz="900"/>
+            </a:lvl8pPr>
+            <a:lvl9pPr marL="3657600" indent="0">
+              <a:buNone/>
+              <a:defRPr sz="900"/>
+            </a:lvl9pPr>
+          </a:lstStyle>
+          <a:p>
+            <a:pPr lvl="0"/>
+            <a:r>
+              <a:rPr lang="en-US" smtClean="0"/>
+              <a:t>Click to edit Master text styles</a:t>
+            </a:r>
+          </a:p>
+        </p:txBody>
+      </p:sp>
+      <p:sp>
+        <p:nvSpPr>
+          <p:cNvPr id="5" name="Date Placeholder 4"/>
+          <p:cNvSpPr>
+            <a:spLocks noGrp="1"/>
+          </p:cNvSpPr>
+          <p:nvPr>
+            <p:ph type="dt" sz="half" idx="10"/>
+          </p:nvPr>
+        </p:nvSpPr>
+        <p:spPr/>
+        <p:txBody>
+          <a:bodyPr/>
+          <a:lstStyle/>
+          <a:p>
+            <a:endParaRPr lang="en-US"/>
+          </a:p>
+        </p:txBody>
+      </p:sp>
+      <p:sp>
+        <p:nvSpPr>
+          <p:cNvPr id="6" name="Footer Placeholder 5"/>
+          <p:cNvSpPr>
+            <a:spLocks noGrp="1"/>
+          </p:cNvSpPr>
+          <p:nvPr>
+            <p:ph type="ftr" sz="quarter" idx="11"/>
+          </p:nvPr>
+        </p:nvSpPr>
+        <p:spPr/>
+        <p:txBody>
+          <a:bodyPr/>
+          <a:lstStyle/>
+          <a:p>
+            <a:endParaRPr lang="en-US"/>
+          </a:p>
+        </p:txBody>
+      </p:sp>
+      <p:sp>
+        <p:nvSpPr>
+          <p:cNvPr id="7" name="Slide Number Placeholder 6"/>
+          <p:cNvSpPr>
+            <a:spLocks noGrp="1"/>
+          </p:cNvSpPr>
+          <p:nvPr>
+            <p:ph type="sldNum" sz="quarter" idx="12"/>
+          </p:nvPr>
+        </p:nvSpPr>
+        <p:spPr/>
+        <p:txBody>
+          <a:bodyPr/>
+          <a:lstStyle/>
+          <a:p>
+            <a:fld id="{CA8D9AD5-F248-4919-864A-CFD76CC027D6}" type="slidenum">
+              <a:rPr lang="en-US" smtClean="0"/>
+              <a:t>‹#›</a:t>
+            </a:fld>
+            <a:endParaRPr lang="en-US"/>
+          </a:p>
+        </p:txBody>
+      </p:sp>
+    </p:spTree>
+    <p:extLst>
+      <p:ext uri="{BB962C8B-B14F-4D97-AF65-F5344CB8AC3E}">
+        <p14:creationId xmlns:p14="http://schemas.microsoft.com/office/powerpoint/2010/main" val="2096786116"/>
+      </p:ext>
+    </p:extLst>
+  </p:cSld>
+  <p:clrMapOvr>
+    <a:masterClrMapping/>
+  </p:clrMapOvr>
+  <mc:AlternateContent xmlns:mc="http://schemas.openxmlformats.org/markup-compatibility/2006" xmlns:p14="http://schemas.microsoft.com/office/powerpoint/2010/main">
+    <mc:Choice Requires="p14">
+      <p:transition spd="med" p14:dur="700">
+        <p:fade/>
+      </p:transition>
+    </mc:Choice>
+    <mc:Fallback xmlns="">
+      <p:transition spd="med">
+        <p:fade/>
+      </p:transition>
+    </mc:Fallback>
+  </mc:AlternateContent>
+  <p:timing>
+    <p:tnLst>
+      <p:par>
+        <p:cTn id="1" dur="indefinite" restart="never" nodeType="tmRoot"/>
+      </p:par>
+    </p:tnLst>
+  </p:timing>
+</p:sldLayout>
+</file>
+
+<file path=ppt/slideLayouts/slideLayout21.xml><?xml version="1.0" encoding="utf-8"?>
+<p:sldLayout xmlns:a="http://schemas.openxmlformats.org/drawingml/2006/main" xmlns:r="http://schemas.openxmlformats.org/officeDocument/2006/relationships" xmlns:p="http://schemas.openxmlformats.org/presentationml/2006/main" type="vertTx" preserve="1">
+  <p:cSld name="Title and Vertical Text">
+    <p:spTree>
+      <p:nvGrpSpPr>
+        <p:cNvPr id="1" name=""/>
+        <p:cNvGrpSpPr/>
+        <p:nvPr/>
+      </p:nvGrpSpPr>
+      <p:grpSpPr>
+        <a:xfrm>
+          <a:off x="0" y="0"/>
+          <a:ext cx="0" cy="0"/>
+          <a:chOff x="0" y="0"/>
+          <a:chExt cx="0" cy="0"/>
+        </a:xfrm>
+      </p:grpSpPr>
+      <p:sp>
+        <p:nvSpPr>
+          <p:cNvPr id="2" name="Title 1"/>
+          <p:cNvSpPr>
+            <a:spLocks noGrp="1"/>
+          </p:cNvSpPr>
+          <p:nvPr>
+            <p:ph type="title"/>
+          </p:nvPr>
+        </p:nvSpPr>
+        <p:spPr/>
+        <p:txBody>
+          <a:bodyPr/>
+          <a:lstStyle/>
+          <a:p>
+            <a:r>
+              <a:rPr lang="en-US" smtClean="0"/>
+              <a:t>Click to edit Master title style</a:t>
+            </a:r>
+            <a:endParaRPr lang="en-US" dirty="0"/>
+          </a:p>
+        </p:txBody>
+      </p:sp>
+      <p:sp>
+        <p:nvSpPr>
+          <p:cNvPr id="3" name="Vertical Text Placeholder 2"/>
+          <p:cNvSpPr>
+            <a:spLocks noGrp="1"/>
+          </p:cNvSpPr>
+          <p:nvPr>
+            <p:ph type="body" orient="vert" idx="1"/>
+          </p:nvPr>
+        </p:nvSpPr>
+        <p:spPr/>
+        <p:txBody>
+          <a:bodyPr vert="eaVert"/>
+          <a:lstStyle/>
+          <a:p>
+            <a:pPr lvl="0"/>
+            <a:r>
+              <a:rPr lang="en-US" smtClean="0"/>
+              <a:t>Click to edit Master text styles</a:t>
+            </a:r>
+          </a:p>
+          <a:p>
+            <a:pPr lvl="1"/>
+            <a:r>
+              <a:rPr lang="en-US" smtClean="0"/>
+              <a:t>Second level</a:t>
+            </a:r>
+          </a:p>
+          <a:p>
+            <a:pPr lvl="2"/>
+            <a:r>
+              <a:rPr lang="en-US" smtClean="0"/>
+              <a:t>Third level</a:t>
+            </a:r>
+          </a:p>
+          <a:p>
+            <a:pPr lvl="3"/>
+            <a:r>
+              <a:rPr lang="en-US" smtClean="0"/>
+              <a:t>Fourth level</a:t>
+            </a:r>
+          </a:p>
+          <a:p>
+            <a:pPr lvl="4"/>
+            <a:r>
+              <a:rPr lang="en-US" smtClean="0"/>
+              <a:t>Fifth level</a:t>
+            </a:r>
+            <a:endParaRPr lang="en-US" dirty="0"/>
+          </a:p>
+        </p:txBody>
+      </p:sp>
+      <p:sp>
+        <p:nvSpPr>
+          <p:cNvPr id="4" name="Date Placeholder 3"/>
+          <p:cNvSpPr>
+            <a:spLocks noGrp="1"/>
+          </p:cNvSpPr>
+          <p:nvPr>
+            <p:ph type="dt" sz="half" idx="10"/>
+          </p:nvPr>
+        </p:nvSpPr>
+        <p:spPr/>
+        <p:txBody>
+          <a:bodyPr/>
+          <a:lstStyle/>
+          <a:p>
+            <a:endParaRPr lang="en-US"/>
+          </a:p>
+        </p:txBody>
+      </p:sp>
+      <p:sp>
+        <p:nvSpPr>
+          <p:cNvPr id="5" name="Footer Placeholder 4"/>
+          <p:cNvSpPr>
+            <a:spLocks noGrp="1"/>
+          </p:cNvSpPr>
+          <p:nvPr>
+            <p:ph type="ftr" sz="quarter" idx="11"/>
+          </p:nvPr>
+        </p:nvSpPr>
+        <p:spPr/>
+        <p:txBody>
+          <a:bodyPr/>
+          <a:lstStyle/>
+          <a:p>
+            <a:endParaRPr lang="en-US"/>
+          </a:p>
+        </p:txBody>
+      </p:sp>
+      <p:sp>
+        <p:nvSpPr>
+          <p:cNvPr id="6" name="Slide Number Placeholder 5"/>
+          <p:cNvSpPr>
+            <a:spLocks noGrp="1"/>
+          </p:cNvSpPr>
+          <p:nvPr>
+            <p:ph type="sldNum" sz="quarter" idx="12"/>
+          </p:nvPr>
+        </p:nvSpPr>
+        <p:spPr/>
+        <p:txBody>
+          <a:bodyPr/>
+          <a:lstStyle/>
+          <a:p>
+            <a:fld id="{CA8D9AD5-F248-4919-864A-CFD76CC027D6}" type="slidenum">
+              <a:rPr lang="en-US" smtClean="0"/>
+              <a:t>‹#›</a:t>
+            </a:fld>
+            <a:endParaRPr lang="en-US"/>
+          </a:p>
+        </p:txBody>
+      </p:sp>
+    </p:spTree>
+    <p:extLst>
+      <p:ext uri="{BB962C8B-B14F-4D97-AF65-F5344CB8AC3E}">
+        <p14:creationId xmlns:p14="http://schemas.microsoft.com/office/powerpoint/2010/main" val="3384188066"/>
+      </p:ext>
+    </p:extLst>
+  </p:cSld>
+  <p:clrMapOvr>
+    <a:masterClrMapping/>
+  </p:clrMapOvr>
+  <mc:AlternateContent xmlns:mc="http://schemas.openxmlformats.org/markup-compatibility/2006" xmlns:p14="http://schemas.microsoft.com/office/powerpoint/2010/main">
+    <mc:Choice Requires="p14">
+      <p:transition spd="med" p14:dur="700">
+        <p:fade/>
+      </p:transition>
+    </mc:Choice>
+    <mc:Fallback xmlns="">
+      <p:transition spd="med">
+        <p:fade/>
+      </p:transition>
+    </mc:Fallback>
+  </mc:AlternateContent>
+  <p:timing>
+    <p:tnLst>
+      <p:par>
+        <p:cTn id="1" dur="indefinite" restart="never" nodeType="tmRoot"/>
+      </p:par>
+    </p:tnLst>
+  </p:timing>
+</p:sldLayout>
+</file>
+
+<file path=ppt/slideLayouts/slideLayout22.xml><?xml version="1.0" encoding="utf-8"?>
+<p:sldLayout xmlns:a="http://schemas.openxmlformats.org/drawingml/2006/main" xmlns:r="http://schemas.openxmlformats.org/officeDocument/2006/relationships" xmlns:p="http://schemas.openxmlformats.org/presentationml/2006/main" type="vertTitleAndTx" preserve="1">
+  <p:cSld name="Vertical Title and Text">
+    <p:spTree>
+      <p:nvGrpSpPr>
+        <p:cNvPr id="1" name=""/>
+        <p:cNvGrpSpPr/>
+        <p:nvPr/>
+      </p:nvGrpSpPr>
+      <p:grpSpPr>
+        <a:xfrm>
+          <a:off x="0" y="0"/>
+          <a:ext cx="0" cy="0"/>
+          <a:chOff x="0" y="0"/>
+          <a:chExt cx="0" cy="0"/>
+        </a:xfrm>
+      </p:grpSpPr>
+      <p:sp>
+        <p:nvSpPr>
+          <p:cNvPr id="2" name="Vertical Title 1"/>
+          <p:cNvSpPr>
+            <a:spLocks noGrp="1"/>
+          </p:cNvSpPr>
+          <p:nvPr>
+            <p:ph type="title" orient="vert"/>
+          </p:nvPr>
+        </p:nvSpPr>
+        <p:spPr>
+          <a:xfrm>
+            <a:off x="8724900" y="762000"/>
+            <a:ext cx="2324100" cy="5410200"/>
+          </a:xfrm>
+        </p:spPr>
+        <p:txBody>
+          <a:bodyPr vert="eaVert"/>
+          <a:lstStyle/>
+          <a:p>
+            <a:r>
+              <a:rPr lang="en-US" smtClean="0"/>
+              <a:t>Click to edit Master title style</a:t>
+            </a:r>
+            <a:endParaRPr lang="en-US" dirty="0"/>
+          </a:p>
+        </p:txBody>
+      </p:sp>
+      <p:sp>
+        <p:nvSpPr>
+          <p:cNvPr id="3" name="Vertical Text Placeholder 2"/>
+          <p:cNvSpPr>
+            <a:spLocks noGrp="1"/>
+          </p:cNvSpPr>
+          <p:nvPr>
+            <p:ph type="body" orient="vert" idx="1"/>
+          </p:nvPr>
+        </p:nvSpPr>
+        <p:spPr>
+          <a:xfrm>
+            <a:off x="1143000" y="762000"/>
+            <a:ext cx="7429500" cy="5410200"/>
+          </a:xfrm>
+        </p:spPr>
+        <p:txBody>
+          <a:bodyPr vert="eaVert"/>
+          <a:lstStyle/>
+          <a:p>
+            <a:pPr lvl="0"/>
+            <a:r>
+              <a:rPr lang="en-US" smtClean="0"/>
+              <a:t>Click to edit Master text styles</a:t>
+            </a:r>
+          </a:p>
+          <a:p>
+            <a:pPr lvl="1"/>
+            <a:r>
+              <a:rPr lang="en-US" smtClean="0"/>
+              <a:t>Second level</a:t>
+            </a:r>
+          </a:p>
+          <a:p>
+            <a:pPr lvl="2"/>
+            <a:r>
+              <a:rPr lang="en-US" smtClean="0"/>
+              <a:t>Third level</a:t>
+            </a:r>
+          </a:p>
+          <a:p>
+            <a:pPr lvl="3"/>
+            <a:r>
+              <a:rPr lang="en-US" smtClean="0"/>
+              <a:t>Fourth level</a:t>
+            </a:r>
+          </a:p>
+          <a:p>
+            <a:pPr lvl="4"/>
+            <a:r>
+              <a:rPr lang="en-US" smtClean="0"/>
+              <a:t>Fifth level</a:t>
+            </a:r>
+            <a:endParaRPr lang="en-US" dirty="0"/>
+          </a:p>
+        </p:txBody>
+      </p:sp>
+      <p:sp>
+        <p:nvSpPr>
+          <p:cNvPr id="4" name="Date Placeholder 3"/>
+          <p:cNvSpPr>
+            <a:spLocks noGrp="1"/>
+          </p:cNvSpPr>
+          <p:nvPr>
+            <p:ph type="dt" sz="half" idx="10"/>
+          </p:nvPr>
+        </p:nvSpPr>
+        <p:spPr/>
+        <p:txBody>
+          <a:bodyPr/>
+          <a:lstStyle/>
+          <a:p>
+            <a:endParaRPr lang="en-US"/>
+          </a:p>
+        </p:txBody>
+      </p:sp>
+      <p:sp>
+        <p:nvSpPr>
+          <p:cNvPr id="5" name="Footer Placeholder 4"/>
+          <p:cNvSpPr>
+            <a:spLocks noGrp="1"/>
+          </p:cNvSpPr>
+          <p:nvPr>
+            <p:ph type="ftr" sz="quarter" idx="11"/>
+          </p:nvPr>
+        </p:nvSpPr>
+        <p:spPr/>
+        <p:txBody>
+          <a:bodyPr/>
+          <a:lstStyle/>
+          <a:p>
+            <a:endParaRPr lang="en-US"/>
+          </a:p>
+        </p:txBody>
+      </p:sp>
+      <p:sp>
+        <p:nvSpPr>
+          <p:cNvPr id="6" name="Slide Number Placeholder 5"/>
+          <p:cNvSpPr>
+            <a:spLocks noGrp="1"/>
+          </p:cNvSpPr>
+          <p:nvPr>
+            <p:ph type="sldNum" sz="quarter" idx="12"/>
+          </p:nvPr>
+        </p:nvSpPr>
+        <p:spPr/>
+        <p:txBody>
+          <a:bodyPr/>
+          <a:lstStyle/>
+          <a:p>
+            <a:fld id="{CA8D9AD5-F248-4919-864A-CFD76CC027D6}" type="slidenum">
+              <a:rPr lang="en-US" smtClean="0"/>
+              <a:t>‹#›</a:t>
+            </a:fld>
+            <a:endParaRPr lang="en-US"/>
+          </a:p>
+        </p:txBody>
+      </p:sp>
+    </p:spTree>
+    <p:extLst>
+      <p:ext uri="{BB962C8B-B14F-4D97-AF65-F5344CB8AC3E}">
+        <p14:creationId xmlns:p14="http://schemas.microsoft.com/office/powerpoint/2010/main" val="1850303003"/>
       </p:ext>
     </p:extLst>
   </p:cSld>
@@ -5989,6 +9128,676 @@
 </p:sldMaster>
 </file>
 
+<file path=ppt/slideMasters/slideMaster2.xml><?xml version="1.0" encoding="utf-8"?>
+<p:sldMaster xmlns:a="http://schemas.openxmlformats.org/drawingml/2006/main" xmlns:r="http://schemas.openxmlformats.org/officeDocument/2006/relationships" xmlns:p="http://schemas.openxmlformats.org/presentationml/2006/main">
+  <p:cSld>
+    <p:bg>
+      <p:bgPr>
+        <a:solidFill>
+          <a:schemeClr val="accent1"/>
+        </a:solidFill>
+        <a:effectLst/>
+      </p:bgPr>
+    </p:bg>
+    <p:spTree>
+      <p:nvGrpSpPr>
+        <p:cNvPr id="1" name=""/>
+        <p:cNvGrpSpPr/>
+        <p:nvPr/>
+      </p:nvGrpSpPr>
+      <p:grpSpPr>
+        <a:xfrm>
+          <a:off x="0" y="0"/>
+          <a:ext cx="0" cy="0"/>
+          <a:chOff x="0" y="0"/>
+          <a:chExt cx="0" cy="0"/>
+        </a:xfrm>
+      </p:grpSpPr>
+      <p:sp>
+        <p:nvSpPr>
+          <p:cNvPr id="7" name="Rectangle 6"/>
+          <p:cNvSpPr>
+            <a:spLocks noChangeAspect="1"/>
+          </p:cNvSpPr>
+          <p:nvPr/>
+        </p:nvSpPr>
+        <p:spPr>
+          <a:xfrm>
+            <a:off x="231140" y="243840"/>
+            <a:ext cx="11724640" cy="6377939"/>
+          </a:xfrm>
+          <a:prstGeom prst="rect">
+            <a:avLst/>
+          </a:prstGeom>
+          <a:solidFill>
+            <a:schemeClr val="bg1"/>
+          </a:solidFill>
+          <a:ln w="12700">
+            <a:noFill/>
+          </a:ln>
+        </p:spPr>
+        <p:style>
+          <a:lnRef idx="2">
+            <a:schemeClr val="accent1">
+              <a:shade val="50000"/>
+            </a:schemeClr>
+          </a:lnRef>
+          <a:fillRef idx="1">
+            <a:schemeClr val="accent1"/>
+          </a:fillRef>
+          <a:effectRef idx="0">
+            <a:schemeClr val="accent1"/>
+          </a:effectRef>
+          <a:fontRef idx="minor">
+            <a:schemeClr val="lt1"/>
+          </a:fontRef>
+        </p:style>
+      </p:sp>
+      <p:sp>
+        <p:nvSpPr>
+          <p:cNvPr id="2" name="Title Placeholder 1"/>
+          <p:cNvSpPr>
+            <a:spLocks noGrp="1"/>
+          </p:cNvSpPr>
+          <p:nvPr>
+            <p:ph type="title"/>
+          </p:nvPr>
+        </p:nvSpPr>
+        <p:spPr>
+          <a:xfrm>
+            <a:off x="1143000" y="609600"/>
+            <a:ext cx="9875520" cy="1356360"/>
+          </a:xfrm>
+          <a:prstGeom prst="rect">
+            <a:avLst/>
+          </a:prstGeom>
+        </p:spPr>
+        <p:txBody>
+          <a:bodyPr vert="horz" lIns="91440" tIns="45720" rIns="91440" bIns="45720" rtlCol="0" anchor="ctr">
+            <a:normAutofit/>
+          </a:bodyPr>
+          <a:lstStyle/>
+          <a:p>
+            <a:r>
+              <a:rPr lang="en-US" smtClean="0"/>
+              <a:t>Click to edit Master title style</a:t>
+            </a:r>
+            <a:endParaRPr lang="en-US" dirty="0"/>
+          </a:p>
+        </p:txBody>
+      </p:sp>
+      <p:sp>
+        <p:nvSpPr>
+          <p:cNvPr id="3" name="Text Placeholder 2"/>
+          <p:cNvSpPr>
+            <a:spLocks noGrp="1"/>
+          </p:cNvSpPr>
+          <p:nvPr>
+            <p:ph type="body" idx="1"/>
+          </p:nvPr>
+        </p:nvSpPr>
+        <p:spPr>
+          <a:xfrm>
+            <a:off x="1143000" y="2057400"/>
+            <a:ext cx="9872871" cy="4038600"/>
+          </a:xfrm>
+          <a:prstGeom prst="rect">
+            <a:avLst/>
+          </a:prstGeom>
+        </p:spPr>
+        <p:txBody>
+          <a:bodyPr vert="horz" lIns="91440" tIns="45720" rIns="91440" bIns="45720" rtlCol="0">
+            <a:normAutofit/>
+          </a:bodyPr>
+          <a:lstStyle/>
+          <a:p>
+            <a:pPr lvl="0"/>
+            <a:r>
+              <a:rPr lang="en-US" smtClean="0"/>
+              <a:t>Click to edit Master text styles</a:t>
+            </a:r>
+          </a:p>
+          <a:p>
+            <a:pPr lvl="1"/>
+            <a:r>
+              <a:rPr lang="en-US" smtClean="0"/>
+              <a:t>Second level</a:t>
+            </a:r>
+          </a:p>
+          <a:p>
+            <a:pPr lvl="2"/>
+            <a:r>
+              <a:rPr lang="en-US" smtClean="0"/>
+              <a:t>Third level</a:t>
+            </a:r>
+          </a:p>
+          <a:p>
+            <a:pPr lvl="3"/>
+            <a:r>
+              <a:rPr lang="en-US" smtClean="0"/>
+              <a:t>Fourth level</a:t>
+            </a:r>
+          </a:p>
+          <a:p>
+            <a:pPr lvl="4"/>
+            <a:r>
+              <a:rPr lang="en-US" smtClean="0"/>
+              <a:t>Fifth level</a:t>
+            </a:r>
+            <a:endParaRPr lang="en-US" dirty="0"/>
+          </a:p>
+        </p:txBody>
+      </p:sp>
+      <p:sp>
+        <p:nvSpPr>
+          <p:cNvPr id="4" name="Date Placeholder 3"/>
+          <p:cNvSpPr>
+            <a:spLocks noGrp="1"/>
+          </p:cNvSpPr>
+          <p:nvPr>
+            <p:ph type="dt" sz="half" idx="2"/>
+          </p:nvPr>
+        </p:nvSpPr>
+        <p:spPr>
+          <a:xfrm>
+            <a:off x="1142996" y="6223828"/>
+            <a:ext cx="2329074" cy="365125"/>
+          </a:xfrm>
+          <a:prstGeom prst="rect">
+            <a:avLst/>
+          </a:prstGeom>
+        </p:spPr>
+        <p:txBody>
+          <a:bodyPr vert="horz" lIns="91440" tIns="45720" rIns="91440" bIns="45720" rtlCol="0" anchor="ctr"/>
+          <a:lstStyle>
+            <a:lvl1pPr algn="l">
+              <a:defRPr sz="1200">
+                <a:solidFill>
+                  <a:schemeClr val="accent1"/>
+                </a:solidFill>
+              </a:defRPr>
+            </a:lvl1pPr>
+          </a:lstStyle>
+          <a:p>
+            <a:endParaRPr lang="en-US"/>
+          </a:p>
+        </p:txBody>
+      </p:sp>
+      <p:sp>
+        <p:nvSpPr>
+          <p:cNvPr id="5" name="Footer Placeholder 4"/>
+          <p:cNvSpPr>
+            <a:spLocks noGrp="1"/>
+          </p:cNvSpPr>
+          <p:nvPr>
+            <p:ph type="ftr" sz="quarter" idx="3"/>
+          </p:nvPr>
+        </p:nvSpPr>
+        <p:spPr>
+          <a:xfrm>
+            <a:off x="3949148" y="6223828"/>
+            <a:ext cx="4717774" cy="365125"/>
+          </a:xfrm>
+          <a:prstGeom prst="rect">
+            <a:avLst/>
+          </a:prstGeom>
+        </p:spPr>
+        <p:txBody>
+          <a:bodyPr vert="horz" lIns="91440" tIns="45720" rIns="91440" bIns="45720" rtlCol="0" anchor="ctr"/>
+          <a:lstStyle>
+            <a:lvl1pPr algn="ctr">
+              <a:defRPr sz="1200">
+                <a:solidFill>
+                  <a:schemeClr val="accent1"/>
+                </a:solidFill>
+              </a:defRPr>
+            </a:lvl1pPr>
+          </a:lstStyle>
+          <a:p>
+            <a:endParaRPr lang="en-US"/>
+          </a:p>
+        </p:txBody>
+      </p:sp>
+      <p:sp>
+        <p:nvSpPr>
+          <p:cNvPr id="6" name="Slide Number Placeholder 5"/>
+          <p:cNvSpPr>
+            <a:spLocks noGrp="1"/>
+          </p:cNvSpPr>
+          <p:nvPr>
+            <p:ph type="sldNum" sz="quarter" idx="4"/>
+          </p:nvPr>
+        </p:nvSpPr>
+        <p:spPr>
+          <a:xfrm>
+            <a:off x="9329530" y="6223828"/>
+            <a:ext cx="1706217" cy="365125"/>
+          </a:xfrm>
+          <a:prstGeom prst="rect">
+            <a:avLst/>
+          </a:prstGeom>
+        </p:spPr>
+        <p:txBody>
+          <a:bodyPr vert="horz" lIns="91440" tIns="45720" rIns="91440" bIns="45720" rtlCol="0" anchor="ctr"/>
+          <a:lstStyle>
+            <a:lvl1pPr algn="r">
+              <a:defRPr sz="1200">
+                <a:solidFill>
+                  <a:schemeClr val="accent1"/>
+                </a:solidFill>
+              </a:defRPr>
+            </a:lvl1pPr>
+          </a:lstStyle>
+          <a:p>
+            <a:fld id="{CA8D9AD5-F248-4919-864A-CFD76CC027D6}" type="slidenum">
+              <a:rPr lang="en-US" smtClean="0"/>
+              <a:pPr/>
+              <a:t>‹#›</a:t>
+            </a:fld>
+            <a:endParaRPr lang="en-US"/>
+          </a:p>
+        </p:txBody>
+      </p:sp>
+    </p:spTree>
+    <p:extLst>
+      <p:ext uri="{BB962C8B-B14F-4D97-AF65-F5344CB8AC3E}">
+        <p14:creationId xmlns:p14="http://schemas.microsoft.com/office/powerpoint/2010/main" val="3818308068"/>
+      </p:ext>
+    </p:extLst>
+  </p:cSld>
+  <p:clrMap bg1="lt1" tx1="dk1" bg2="lt2" tx2="dk2" accent1="accent1" accent2="accent2" accent3="accent3" accent4="accent4" accent5="accent5" accent6="accent6" hlink="hlink" folHlink="folHlink"/>
+  <p:sldLayoutIdLst>
+    <p:sldLayoutId id="2147483662" r:id="rId1"/>
+    <p:sldLayoutId id="2147483663" r:id="rId2"/>
+    <p:sldLayoutId id="2147483664" r:id="rId3"/>
+    <p:sldLayoutId id="2147483665" r:id="rId4"/>
+    <p:sldLayoutId id="2147483666" r:id="rId5"/>
+    <p:sldLayoutId id="2147483667" r:id="rId6"/>
+    <p:sldLayoutId id="2147483668" r:id="rId7"/>
+    <p:sldLayoutId id="2147483669" r:id="rId8"/>
+    <p:sldLayoutId id="2147483670" r:id="rId9"/>
+    <p:sldLayoutId id="2147483671" r:id="rId10"/>
+    <p:sldLayoutId id="2147483672" r:id="rId11"/>
+  </p:sldLayoutIdLst>
+  <mc:AlternateContent xmlns:mc="http://schemas.openxmlformats.org/markup-compatibility/2006" xmlns:p14="http://schemas.microsoft.com/office/powerpoint/2010/main">
+    <mc:Choice Requires="p14">
+      <p:transition spd="med" p14:dur="700">
+        <p:fade/>
+      </p:transition>
+    </mc:Choice>
+    <mc:Fallback xmlns="">
+      <p:transition spd="med">
+        <p:fade/>
+      </p:transition>
+    </mc:Fallback>
+  </mc:AlternateContent>
+  <p:timing>
+    <p:tnLst>
+      <p:par>
+        <p:cTn id="1" dur="indefinite" restart="never" nodeType="tmRoot"/>
+      </p:par>
+    </p:tnLst>
+  </p:timing>
+  <p:hf hdr="0" ftr="0" dt="0"/>
+  <p:txStyles>
+    <p:titleStyle>
+      <a:lvl1pPr algn="l" defTabSz="914400" rtl="0" eaLnBrk="1" latinLnBrk="0" hangingPunct="1">
+        <a:lnSpc>
+          <a:spcPct val="90000"/>
+        </a:lnSpc>
+        <a:spcBef>
+          <a:spcPct val="0"/>
+        </a:spcBef>
+        <a:buNone/>
+        <a:defRPr sz="4400" kern="1200">
+          <a:solidFill>
+            <a:schemeClr val="accent1"/>
+          </a:solidFill>
+          <a:latin typeface="+mj-lt"/>
+          <a:ea typeface="+mj-ea"/>
+          <a:cs typeface="+mj-cs"/>
+        </a:defRPr>
+      </a:lvl1pPr>
+    </p:titleStyle>
+    <p:bodyStyle>
+      <a:lvl1pPr marL="228600" indent="-182880" algn="l" defTabSz="914400" rtl="0" eaLnBrk="1" latinLnBrk="0" hangingPunct="1">
+        <a:lnSpc>
+          <a:spcPct val="90000"/>
+        </a:lnSpc>
+        <a:spcBef>
+          <a:spcPts val="1400"/>
+        </a:spcBef>
+        <a:buClr>
+          <a:schemeClr val="accent1"/>
+        </a:buClr>
+        <a:buSzPct val="80000"/>
+        <a:buFont typeface="Corbel" pitchFamily="34" charset="0"/>
+        <a:buChar char="•"/>
+        <a:defRPr sz="2200" kern="1200">
+          <a:solidFill>
+            <a:schemeClr val="accent1"/>
+          </a:solidFill>
+          <a:latin typeface="+mn-lt"/>
+          <a:ea typeface="+mn-ea"/>
+          <a:cs typeface="+mn-cs"/>
+        </a:defRPr>
+      </a:lvl1pPr>
+      <a:lvl2pPr marL="457200" indent="-182880" algn="l" defTabSz="914400" rtl="0" eaLnBrk="1" latinLnBrk="0" hangingPunct="1">
+        <a:lnSpc>
+          <a:spcPct val="90000"/>
+        </a:lnSpc>
+        <a:spcBef>
+          <a:spcPts val="200"/>
+        </a:spcBef>
+        <a:spcAft>
+          <a:spcPts val="400"/>
+        </a:spcAft>
+        <a:buClr>
+          <a:schemeClr val="accent1"/>
+        </a:buClr>
+        <a:buSzPct val="80000"/>
+        <a:buFont typeface="Corbel" pitchFamily="34" charset="0"/>
+        <a:buChar char="•"/>
+        <a:defRPr sz="2000" kern="1200">
+          <a:solidFill>
+            <a:schemeClr val="accent1"/>
+          </a:solidFill>
+          <a:latin typeface="+mn-lt"/>
+          <a:ea typeface="+mn-ea"/>
+          <a:cs typeface="+mn-cs"/>
+        </a:defRPr>
+      </a:lvl2pPr>
+      <a:lvl3pPr marL="731520" indent="-182880" algn="l" defTabSz="914400" rtl="0" eaLnBrk="1" latinLnBrk="0" hangingPunct="1">
+        <a:lnSpc>
+          <a:spcPct val="90000"/>
+        </a:lnSpc>
+        <a:spcBef>
+          <a:spcPts val="200"/>
+        </a:spcBef>
+        <a:spcAft>
+          <a:spcPts val="400"/>
+        </a:spcAft>
+        <a:buClr>
+          <a:schemeClr val="accent1"/>
+        </a:buClr>
+        <a:buSzPct val="80000"/>
+        <a:buFont typeface="Corbel" pitchFamily="34" charset="0"/>
+        <a:buChar char="•"/>
+        <a:defRPr sz="1800" kern="1200">
+          <a:solidFill>
+            <a:schemeClr val="accent1"/>
+          </a:solidFill>
+          <a:latin typeface="+mn-lt"/>
+          <a:ea typeface="+mn-ea"/>
+          <a:cs typeface="+mn-cs"/>
+        </a:defRPr>
+      </a:lvl3pPr>
+      <a:lvl4pPr marL="1005840" indent="-182880" algn="l" defTabSz="914400" rtl="0" eaLnBrk="1" latinLnBrk="0" hangingPunct="1">
+        <a:lnSpc>
+          <a:spcPct val="90000"/>
+        </a:lnSpc>
+        <a:spcBef>
+          <a:spcPts val="200"/>
+        </a:spcBef>
+        <a:spcAft>
+          <a:spcPts val="400"/>
+        </a:spcAft>
+        <a:buClr>
+          <a:schemeClr val="accent1"/>
+        </a:buClr>
+        <a:buSzPct val="80000"/>
+        <a:buFont typeface="Corbel" pitchFamily="34" charset="0"/>
+        <a:buChar char="•"/>
+        <a:defRPr sz="1600" kern="1200">
+          <a:solidFill>
+            <a:schemeClr val="accent1"/>
+          </a:solidFill>
+          <a:latin typeface="+mn-lt"/>
+          <a:ea typeface="+mn-ea"/>
+          <a:cs typeface="+mn-cs"/>
+        </a:defRPr>
+      </a:lvl4pPr>
+      <a:lvl5pPr marL="1280160" indent="-182880" algn="l" defTabSz="914400" rtl="0" eaLnBrk="1" latinLnBrk="0" hangingPunct="1">
+        <a:lnSpc>
+          <a:spcPct val="90000"/>
+        </a:lnSpc>
+        <a:spcBef>
+          <a:spcPts val="200"/>
+        </a:spcBef>
+        <a:spcAft>
+          <a:spcPts val="400"/>
+        </a:spcAft>
+        <a:buClr>
+          <a:schemeClr val="accent1"/>
+        </a:buClr>
+        <a:buSzPct val="80000"/>
+        <a:buFont typeface="Corbel" pitchFamily="34" charset="0"/>
+        <a:buChar char="•"/>
+        <a:defRPr sz="1600" kern="1200">
+          <a:solidFill>
+            <a:schemeClr val="accent1"/>
+          </a:solidFill>
+          <a:latin typeface="+mn-lt"/>
+          <a:ea typeface="+mn-ea"/>
+          <a:cs typeface="+mn-cs"/>
+        </a:defRPr>
+      </a:lvl5pPr>
+      <a:lvl6pPr marL="1600000" indent="-228600" algn="l" defTabSz="914400" rtl="0" eaLnBrk="1" latinLnBrk="0" hangingPunct="1">
+        <a:lnSpc>
+          <a:spcPct val="90000"/>
+        </a:lnSpc>
+        <a:spcBef>
+          <a:spcPts val="200"/>
+        </a:spcBef>
+        <a:spcAft>
+          <a:spcPts val="400"/>
+        </a:spcAft>
+        <a:buClr>
+          <a:schemeClr val="accent1"/>
+        </a:buClr>
+        <a:buSzPct val="80000"/>
+        <a:buFont typeface="Corbel" pitchFamily="34" charset="0"/>
+        <a:buChar char="•"/>
+        <a:defRPr sz="1600" kern="1200">
+          <a:solidFill>
+            <a:schemeClr val="accent1"/>
+          </a:solidFill>
+          <a:latin typeface="+mn-lt"/>
+          <a:ea typeface="+mn-ea"/>
+          <a:cs typeface="+mn-cs"/>
+        </a:defRPr>
+      </a:lvl6pPr>
+      <a:lvl7pPr marL="1900000" indent="-228600" algn="l" defTabSz="914400" rtl="0" eaLnBrk="1" latinLnBrk="0" hangingPunct="1">
+        <a:lnSpc>
+          <a:spcPct val="90000"/>
+        </a:lnSpc>
+        <a:spcBef>
+          <a:spcPts val="200"/>
+        </a:spcBef>
+        <a:spcAft>
+          <a:spcPts val="400"/>
+        </a:spcAft>
+        <a:buClr>
+          <a:schemeClr val="accent1"/>
+        </a:buClr>
+        <a:buSzPct val="80000"/>
+        <a:buFont typeface="Corbel" pitchFamily="34" charset="0"/>
+        <a:buChar char="•"/>
+        <a:defRPr sz="1600" kern="1200">
+          <a:solidFill>
+            <a:schemeClr val="accent1"/>
+          </a:solidFill>
+          <a:latin typeface="+mn-lt"/>
+          <a:ea typeface="+mn-ea"/>
+          <a:cs typeface="+mn-cs"/>
+        </a:defRPr>
+      </a:lvl7pPr>
+      <a:lvl8pPr marL="2200000" indent="-228600" algn="l" defTabSz="914400" rtl="0" eaLnBrk="1" latinLnBrk="0" hangingPunct="1">
+        <a:lnSpc>
+          <a:spcPct val="90000"/>
+        </a:lnSpc>
+        <a:spcBef>
+          <a:spcPts val="200"/>
+        </a:spcBef>
+        <a:spcAft>
+          <a:spcPts val="400"/>
+        </a:spcAft>
+        <a:buClr>
+          <a:schemeClr val="accent1"/>
+        </a:buClr>
+        <a:buSzPct val="80000"/>
+        <a:buFont typeface="Corbel" pitchFamily="34" charset="0"/>
+        <a:buChar char="•"/>
+        <a:defRPr sz="1600" kern="1200">
+          <a:solidFill>
+            <a:schemeClr val="accent1"/>
+          </a:solidFill>
+          <a:latin typeface="+mn-lt"/>
+          <a:ea typeface="+mn-ea"/>
+          <a:cs typeface="+mn-cs"/>
+        </a:defRPr>
+      </a:lvl8pPr>
+      <a:lvl9pPr marL="2500000" indent="-228600" algn="l" defTabSz="914400" rtl="0" eaLnBrk="1" latinLnBrk="0" hangingPunct="1">
+        <a:lnSpc>
+          <a:spcPct val="90000"/>
+        </a:lnSpc>
+        <a:spcBef>
+          <a:spcPts val="200"/>
+        </a:spcBef>
+        <a:spcAft>
+          <a:spcPts val="400"/>
+        </a:spcAft>
+        <a:buClr>
+          <a:schemeClr val="accent1"/>
+        </a:buClr>
+        <a:buSzPct val="80000"/>
+        <a:buFont typeface="Corbel" pitchFamily="34" charset="0"/>
+        <a:buChar char="•"/>
+        <a:defRPr sz="1600" kern="1200">
+          <a:solidFill>
+            <a:schemeClr val="accent1"/>
+          </a:solidFill>
+          <a:latin typeface="+mn-lt"/>
+          <a:ea typeface="+mn-ea"/>
+          <a:cs typeface="+mn-cs"/>
+        </a:defRPr>
+      </a:lvl9pPr>
+    </p:bodyStyle>
+    <p:otherStyle>
+      <a:defPPr>
+        <a:defRPr lang="en-US"/>
+      </a:defPPr>
+      <a:lvl1pPr marL="0" algn="l" defTabSz="914400" rtl="0" eaLnBrk="1" latinLnBrk="0" hangingPunct="1">
+        <a:defRPr sz="1800" kern="1200">
+          <a:solidFill>
+            <a:schemeClr val="tx1"/>
+          </a:solidFill>
+          <a:latin typeface="+mn-lt"/>
+          <a:ea typeface="+mn-ea"/>
+          <a:cs typeface="+mn-cs"/>
+        </a:defRPr>
+      </a:lvl1pPr>
+      <a:lvl2pPr marL="457200" algn="l" defTabSz="914400" rtl="0" eaLnBrk="1" latinLnBrk="0" hangingPunct="1">
+        <a:defRPr sz="1800" kern="1200">
+          <a:solidFill>
+            <a:schemeClr val="tx1"/>
+          </a:solidFill>
+          <a:latin typeface="+mn-lt"/>
+          <a:ea typeface="+mn-ea"/>
+          <a:cs typeface="+mn-cs"/>
+        </a:defRPr>
+      </a:lvl2pPr>
+      <a:lvl3pPr marL="914400" algn="l" defTabSz="914400" rtl="0" eaLnBrk="1" latinLnBrk="0" hangingPunct="1">
+        <a:defRPr sz="1800" kern="1200">
+          <a:solidFill>
+            <a:schemeClr val="tx1"/>
+          </a:solidFill>
+          <a:latin typeface="+mn-lt"/>
+          <a:ea typeface="+mn-ea"/>
+          <a:cs typeface="+mn-cs"/>
+        </a:defRPr>
+      </a:lvl3pPr>
+      <a:lvl4pPr marL="1371600" algn="l" defTabSz="914400" rtl="0" eaLnBrk="1" latinLnBrk="0" hangingPunct="1">
+        <a:defRPr sz="1800" kern="1200">
+          <a:solidFill>
+            <a:schemeClr val="tx1"/>
+          </a:solidFill>
+          <a:latin typeface="+mn-lt"/>
+          <a:ea typeface="+mn-ea"/>
+          <a:cs typeface="+mn-cs"/>
+        </a:defRPr>
+      </a:lvl4pPr>
+      <a:lvl5pPr marL="1828800" algn="l" defTabSz="914400" rtl="0" eaLnBrk="1" latinLnBrk="0" hangingPunct="1">
+        <a:defRPr sz="1800" kern="1200">
+          <a:solidFill>
+            <a:schemeClr val="tx1"/>
+          </a:solidFill>
+          <a:latin typeface="+mn-lt"/>
+          <a:ea typeface="+mn-ea"/>
+          <a:cs typeface="+mn-cs"/>
+        </a:defRPr>
+      </a:lvl5pPr>
+      <a:lvl6pPr marL="2286000" algn="l" defTabSz="914400" rtl="0" eaLnBrk="1" latinLnBrk="0" hangingPunct="1">
+        <a:defRPr sz="1800" kern="1200">
+          <a:solidFill>
+            <a:schemeClr val="tx1"/>
+          </a:solidFill>
+          <a:latin typeface="+mn-lt"/>
+          <a:ea typeface="+mn-ea"/>
+          <a:cs typeface="+mn-cs"/>
+        </a:defRPr>
+      </a:lvl6pPr>
+      <a:lvl7pPr marL="2743200" algn="l" defTabSz="914400" rtl="0" eaLnBrk="1" latinLnBrk="0" hangingPunct="1">
+        <a:defRPr sz="1800" kern="1200">
+          <a:solidFill>
+            <a:schemeClr val="tx1"/>
+          </a:solidFill>
+          <a:latin typeface="+mn-lt"/>
+          <a:ea typeface="+mn-ea"/>
+          <a:cs typeface="+mn-cs"/>
+        </a:defRPr>
+      </a:lvl7pPr>
+      <a:lvl8pPr marL="3200400" algn="l" defTabSz="914400" rtl="0" eaLnBrk="1" latinLnBrk="0" hangingPunct="1">
+        <a:defRPr sz="1800" kern="1200">
+          <a:solidFill>
+            <a:schemeClr val="tx1"/>
+          </a:solidFill>
+          <a:latin typeface="+mn-lt"/>
+          <a:ea typeface="+mn-ea"/>
+          <a:cs typeface="+mn-cs"/>
+        </a:defRPr>
+      </a:lvl8pPr>
+      <a:lvl9pPr marL="3657600" algn="l" defTabSz="914400" rtl="0" eaLnBrk="1" latinLnBrk="0" hangingPunct="1">
+        <a:defRPr sz="1800" kern="1200">
+          <a:solidFill>
+            <a:schemeClr val="tx1"/>
+          </a:solidFill>
+          <a:latin typeface="+mn-lt"/>
+          <a:ea typeface="+mn-ea"/>
+          <a:cs typeface="+mn-cs"/>
+        </a:defRPr>
+      </a:lvl9pPr>
+    </p:otherStyle>
+  </p:txStyles>
+  <p:extLst>
+    <p:ext uri="{27BBF7A9-308A-43DC-89C8-2F10F3537804}">
+      <p15:sldGuideLst xmlns:p15="http://schemas.microsoft.com/office/powerpoint/2012/main">
+        <p15:guide id="1" pos="3840" userDrawn="1">
+          <p15:clr>
+            <a:srgbClr val="F26B43"/>
+          </p15:clr>
+        </p15:guide>
+        <p15:guide id="2" orient="horz" pos="2160" userDrawn="1">
+          <p15:clr>
+            <a:srgbClr val="F26B43"/>
+          </p15:clr>
+        </p15:guide>
+      </p15:sldGuideLst>
+    </p:ext>
+  </p:extLst>
+</p:sldMaster>
+</file>
+
 <file path=ppt/slides/slide1.xml><?xml version="1.0" encoding="utf-8"?>
 <p:sld xmlns:a="http://schemas.openxmlformats.org/drawingml/2006/main" xmlns:r="http://schemas.openxmlformats.org/officeDocument/2006/relationships" xmlns:p="http://schemas.openxmlformats.org/presentationml/2006/main">
   <p:cSld>
@@ -6268,6 +10077,145 @@
       </p:transition>
     </mc:Fallback>
   </mc:AlternateContent>
+  <p:timing>
+    <p:tnLst>
+      <p:par>
+        <p:cTn id="1" dur="indefinite" restart="never" nodeType="tmRoot"/>
+      </p:par>
+    </p:tnLst>
+  </p:timing>
+</p:sld>
+</file>
+
+<file path=ppt/slides/slide10.xml><?xml version="1.0" encoding="utf-8"?>
+<p:sld xmlns:a="http://schemas.openxmlformats.org/drawingml/2006/main" xmlns:r="http://schemas.openxmlformats.org/officeDocument/2006/relationships" xmlns:p="http://schemas.openxmlformats.org/presentationml/2006/main">
+  <p:cSld>
+    <p:spTree>
+      <p:nvGrpSpPr>
+        <p:cNvPr id="1" name=""/>
+        <p:cNvGrpSpPr/>
+        <p:nvPr/>
+      </p:nvGrpSpPr>
+      <p:grpSpPr>
+        <a:xfrm>
+          <a:off x="0" y="0"/>
+          <a:ext cx="0" cy="0"/>
+          <a:chOff x="0" y="0"/>
+          <a:chExt cx="0" cy="0"/>
+        </a:xfrm>
+      </p:grpSpPr>
+      <p:sp>
+        <p:nvSpPr>
+          <p:cNvPr id="3" name="Title 2"/>
+          <p:cNvSpPr>
+            <a:spLocks noGrp="1"/>
+          </p:cNvSpPr>
+          <p:nvPr>
+            <p:ph type="title"/>
+          </p:nvPr>
+        </p:nvSpPr>
+        <p:spPr>
+          <a:xfrm>
+            <a:off x="1068787" y="2004848"/>
+            <a:ext cx="9966960" cy="2926080"/>
+          </a:xfrm>
+        </p:spPr>
+        <p:txBody>
+          <a:bodyPr/>
+          <a:lstStyle/>
+          <a:p>
+            <a:r>
+              <a:rPr lang="en-US" smtClean="0"/>
+              <a:t>Cảm ơn quý thầy cô và các bạn đã chú ý lắng nghe</a:t>
+            </a:r>
+            <a:r>
+              <a:rPr lang="en-US" smtClean="0"/>
+              <a:t/>
+            </a:r>
+            <a:br>
+              <a:rPr lang="en-US" smtClean="0"/>
+            </a:br>
+            <a:endParaRPr lang="en-US"/>
+          </a:p>
+        </p:txBody>
+      </p:sp>
+      <p:sp>
+        <p:nvSpPr>
+          <p:cNvPr id="2" name="Slide Number Placeholder 1"/>
+          <p:cNvSpPr>
+            <a:spLocks noGrp="1"/>
+          </p:cNvSpPr>
+          <p:nvPr>
+            <p:ph type="sldNum" sz="quarter" idx="12"/>
+          </p:nvPr>
+        </p:nvSpPr>
+        <p:spPr/>
+        <p:txBody>
+          <a:bodyPr/>
+          <a:lstStyle/>
+          <a:p>
+            <a:fld id="{CA8D9AD5-F248-4919-864A-CFD76CC027D6}" type="slidenum">
+              <a:rPr lang="en-US" sz="1600" smtClean="0"/>
+              <a:t>10</a:t>
+            </a:fld>
+            <a:endParaRPr lang="en-US"/>
+          </a:p>
+        </p:txBody>
+      </p:sp>
+      <p:pic>
+        <p:nvPicPr>
+          <p:cNvPr id="1026" name="Picture 2" descr="http://threatgeek.typepad.com/.a/6a0147e41f3c0a970b01b8d078f0b4970c-pi"/>
+          <p:cNvPicPr>
+            <a:picLocks noChangeAspect="1" noChangeArrowheads="1"/>
+          </p:cNvPicPr>
+          <p:nvPr/>
+        </p:nvPicPr>
+        <p:blipFill>
+          <a:blip r:embed="rId3">
+            <a:extLst>
+              <a:ext uri="{28A0092B-C50C-407E-A947-70E740481C1C}">
+                <a14:useLocalDpi xmlns:a14="http://schemas.microsoft.com/office/drawing/2010/main" val="0"/>
+              </a:ext>
+            </a:extLst>
+          </a:blip>
+          <a:srcRect/>
+          <a:stretch>
+            <a:fillRect/>
+          </a:stretch>
+        </p:blipFill>
+        <p:spPr bwMode="auto">
+          <a:xfrm>
+            <a:off x="4444944" y="4280564"/>
+            <a:ext cx="3186140" cy="2125826"/>
+          </a:xfrm>
+          <a:prstGeom prst="rect">
+            <a:avLst/>
+          </a:prstGeom>
+          <a:noFill/>
+          <a:extLst>
+            <a:ext uri="{909E8E84-426E-40DD-AFC4-6F175D3DCCD1}">
+              <a14:hiddenFill xmlns:a14="http://schemas.microsoft.com/office/drawing/2010/main">
+                <a:solidFill>
+                  <a:srgbClr val="FFFFFF"/>
+                </a:solidFill>
+              </a14:hiddenFill>
+            </a:ext>
+          </a:extLst>
+        </p:spPr>
+      </p:pic>
+    </p:spTree>
+    <p:extLst>
+      <p:ext uri="{BB962C8B-B14F-4D97-AF65-F5344CB8AC3E}">
+        <p14:creationId xmlns:p14="http://schemas.microsoft.com/office/powerpoint/2010/main" val="2909775780"/>
+      </p:ext>
+    </p:extLst>
+  </p:cSld>
+  <p:clrMapOvr>
+    <a:masterClrMapping/>
+  </p:clrMapOvr>
+  <p:transition spd="slow">
+    <p:push dir="u"/>
+  </p:transition>
   <p:timing>
     <p:tnLst>
       <p:par>
@@ -6689,7 +10637,7 @@
       </p:grpSpPr>
       <p:sp>
         <p:nvSpPr>
-          <p:cNvPr id="3" name="Slide Number Placeholder 2"/>
+          <p:cNvPr id="2" name="Slide Number Placeholder 1"/>
           <p:cNvSpPr>
             <a:spLocks noGrp="1"/>
           </p:cNvSpPr>
@@ -6705,6 +10653,2053 @@
             <a:fld id="{CA8D9AD5-F248-4919-864A-CFD76CC027D6}" type="slidenum">
               <a:rPr lang="en-US" sz="1600" smtClean="0"/>
               <a:t>4</a:t>
+            </a:fld>
+            <a:endParaRPr lang="en-US"/>
+          </a:p>
+        </p:txBody>
+      </p:sp>
+      <p:sp>
+        <p:nvSpPr>
+          <p:cNvPr id="5" name="Title 1"/>
+          <p:cNvSpPr>
+            <a:spLocks noGrp="1"/>
+          </p:cNvSpPr>
+          <p:nvPr>
+            <p:ph type="title"/>
+          </p:nvPr>
+        </p:nvSpPr>
+        <p:spPr>
+          <a:xfrm>
+            <a:off x="365759" y="591022"/>
+            <a:ext cx="5994084" cy="976183"/>
+          </a:xfrm>
+        </p:spPr>
+        <p:txBody>
+          <a:bodyPr>
+            <a:normAutofit/>
+          </a:bodyPr>
+          <a:lstStyle/>
+          <a:p>
+            <a:r>
+              <a:rPr lang="en-US" sz="4800">
+                <a:solidFill>
+                  <a:srgbClr val="0000FF"/>
+                </a:solidFill>
+                <a:latin typeface="Times New Roman" panose="02020603050405020304" pitchFamily="18" charset="0"/>
+                <a:cs typeface="Times New Roman" panose="02020603050405020304" pitchFamily="18" charset="0"/>
+              </a:rPr>
+              <a:t>2</a:t>
+            </a:r>
+            <a:r>
+              <a:rPr lang="en-US" sz="4800" smtClean="0">
+                <a:solidFill>
+                  <a:srgbClr val="0000FF"/>
+                </a:solidFill>
+                <a:latin typeface="Times New Roman" panose="02020603050405020304" pitchFamily="18" charset="0"/>
+                <a:cs typeface="Times New Roman" panose="02020603050405020304" pitchFamily="18" charset="0"/>
+              </a:rPr>
+              <a:t>. Xây dựng ứng dụng:</a:t>
+            </a:r>
+            <a:endParaRPr lang="en-US" sz="4800" b="1" dirty="0">
+              <a:solidFill>
+                <a:srgbClr val="0000FF"/>
+              </a:solidFill>
+            </a:endParaRPr>
+          </a:p>
+        </p:txBody>
+      </p:sp>
+      <p:pic>
+        <p:nvPicPr>
+          <p:cNvPr id="1026" name="Picture 2" descr="http://rethinkrealestatenj.com/wp-content/uploads/2015/08/Ask-The-Right-Questions-.jpg"/>
+          <p:cNvPicPr>
+            <a:picLocks noChangeAspect="1" noChangeArrowheads="1"/>
+          </p:cNvPicPr>
+          <p:nvPr/>
+        </p:nvPicPr>
+        <p:blipFill>
+          <a:blip r:embed="rId3" cstate="print">
+            <a:extLst>
+              <a:ext uri="{28A0092B-C50C-407E-A947-70E740481C1C}">
+                <a14:useLocalDpi xmlns:a14="http://schemas.microsoft.com/office/drawing/2010/main" val="0"/>
+              </a:ext>
+            </a:extLst>
+          </a:blip>
+          <a:srcRect/>
+          <a:stretch>
+            <a:fillRect/>
+          </a:stretch>
+        </p:blipFill>
+        <p:spPr bwMode="auto">
+          <a:xfrm>
+            <a:off x="2264113" y="1894080"/>
+            <a:ext cx="4114800" cy="4114800"/>
+          </a:xfrm>
+          <a:prstGeom prst="rect">
+            <a:avLst/>
+          </a:prstGeom>
+          <a:noFill/>
+          <a:extLst>
+            <a:ext uri="{909E8E84-426E-40DD-AFC4-6F175D3DCCD1}">
+              <a14:hiddenFill xmlns:a14="http://schemas.microsoft.com/office/drawing/2010/main">
+                <a:solidFill>
+                  <a:srgbClr val="FFFFFF"/>
+                </a:solidFill>
+              </a14:hiddenFill>
+            </a:ext>
+          </a:extLst>
+        </p:spPr>
+      </p:pic>
+      <p:sp>
+        <p:nvSpPr>
+          <p:cNvPr id="7" name="TextBox 6"/>
+          <p:cNvSpPr txBox="1"/>
+          <p:nvPr/>
+        </p:nvSpPr>
+        <p:spPr>
+          <a:xfrm>
+            <a:off x="1205471" y="1617081"/>
+            <a:ext cx="4563562" cy="553998"/>
+          </a:xfrm>
+          <a:prstGeom prst="rect">
+            <a:avLst/>
+          </a:prstGeom>
+          <a:noFill/>
+        </p:spPr>
+        <p:txBody>
+          <a:bodyPr wrap="square" rtlCol="0">
+            <a:spAutoFit/>
+          </a:bodyPr>
+          <a:lstStyle/>
+          <a:p>
+            <a:pPr marL="457200" indent="-457200">
+              <a:buFont typeface="Arial" panose="020B0604020202020204" pitchFamily="34" charset="0"/>
+              <a:buChar char="•"/>
+            </a:pPr>
+            <a:r>
+              <a:rPr lang="en-US" sz="3000" smtClean="0">
+                <a:solidFill>
+                  <a:srgbClr val="0070C0"/>
+                </a:solidFill>
+                <a:latin typeface="Times New Roman" panose="02020603050405020304" pitchFamily="18" charset="0"/>
+                <a:cs typeface="Times New Roman" panose="02020603050405020304" pitchFamily="18" charset="0"/>
+              </a:rPr>
+              <a:t>Chức năng nhắc nhở:</a:t>
+            </a:r>
+          </a:p>
+        </p:txBody>
+      </p:sp>
+      <p:sp>
+        <p:nvSpPr>
+          <p:cNvPr id="8" name="TextBox 7"/>
+          <p:cNvSpPr txBox="1"/>
+          <p:nvPr/>
+        </p:nvSpPr>
+        <p:spPr>
+          <a:xfrm>
+            <a:off x="145536" y="6187362"/>
+            <a:ext cx="6683432" cy="646331"/>
+          </a:xfrm>
+          <a:prstGeom prst="rect">
+            <a:avLst/>
+          </a:prstGeom>
+          <a:noFill/>
+        </p:spPr>
+        <p:txBody>
+          <a:bodyPr wrap="square" rtlCol="0">
+            <a:spAutoFit/>
+          </a:bodyPr>
+          <a:lstStyle/>
+          <a:p>
+            <a:r>
+              <a:rPr lang="en-US" smtClean="0"/>
+              <a:t>Nguồn: </a:t>
+            </a:r>
+            <a:r>
+              <a:rPr lang="en-US">
+                <a:hlinkClick r:id="rId4"/>
+              </a:rPr>
+              <a:t>http://rethinkrealestatenj.com/wp-content/uploads/2015/08/Ask-The-Right-Questions-.</a:t>
+            </a:r>
+            <a:r>
+              <a:rPr lang="en-US" smtClean="0">
+                <a:hlinkClick r:id="rId4"/>
+              </a:rPr>
+              <a:t>jpg</a:t>
+            </a:r>
+            <a:endParaRPr lang="en-US" smtClean="0"/>
+          </a:p>
+        </p:txBody>
+      </p:sp>
+      <p:sp>
+        <p:nvSpPr>
+          <p:cNvPr id="3" name="Rectangle 2"/>
+          <p:cNvSpPr/>
+          <p:nvPr/>
+        </p:nvSpPr>
+        <p:spPr>
+          <a:xfrm rot="1762093">
+            <a:off x="7070920" y="3084181"/>
+            <a:ext cx="3063659" cy="923330"/>
+          </a:xfrm>
+          <a:prstGeom prst="rect">
+            <a:avLst/>
+          </a:prstGeom>
+          <a:noFill/>
+        </p:spPr>
+        <p:txBody>
+          <a:bodyPr wrap="none" lIns="91440" tIns="45720" rIns="91440" bIns="45720">
+            <a:spAutoFit/>
+          </a:bodyPr>
+          <a:lstStyle/>
+          <a:p>
+            <a:pPr algn="ctr"/>
+            <a:r>
+              <a:rPr lang="en-US" sz="5400" smtClean="0">
+                <a:ln w="0"/>
+                <a:solidFill>
+                  <a:srgbClr val="FF0000"/>
+                </a:solidFill>
+                <a:effectLst>
+                  <a:outerShdw blurRad="38100" dist="19050" dir="2700000" algn="tl" rotWithShape="0">
+                    <a:schemeClr val="dk1">
+                      <a:alpha val="40000"/>
+                    </a:schemeClr>
+                  </a:outerShdw>
+                </a:effectLst>
+              </a:rPr>
+              <a:t>TIME ???</a:t>
+            </a:r>
+            <a:endParaRPr lang="en-US" sz="5400" b="0" cap="none" spc="0">
+              <a:ln w="0"/>
+              <a:solidFill>
+                <a:srgbClr val="FF0000"/>
+              </a:solidFill>
+              <a:effectLst>
+                <a:outerShdw blurRad="38100" dist="19050" dir="2700000" algn="tl" rotWithShape="0">
+                  <a:schemeClr val="dk1">
+                    <a:alpha val="40000"/>
+                  </a:schemeClr>
+                </a:outerShdw>
+              </a:effectLst>
+            </a:endParaRPr>
+          </a:p>
+        </p:txBody>
+      </p:sp>
+      <p:sp>
+        <p:nvSpPr>
+          <p:cNvPr id="10" name="Rectangle 9"/>
+          <p:cNvSpPr/>
+          <p:nvPr/>
+        </p:nvSpPr>
+        <p:spPr>
+          <a:xfrm rot="1762093">
+            <a:off x="5659423" y="4182951"/>
+            <a:ext cx="5229317" cy="923330"/>
+          </a:xfrm>
+          <a:prstGeom prst="rect">
+            <a:avLst/>
+          </a:prstGeom>
+          <a:noFill/>
+        </p:spPr>
+        <p:txBody>
+          <a:bodyPr wrap="none" lIns="91440" tIns="45720" rIns="91440" bIns="45720">
+            <a:spAutoFit/>
+          </a:bodyPr>
+          <a:lstStyle/>
+          <a:p>
+            <a:pPr algn="ctr"/>
+            <a:r>
+              <a:rPr lang="en-US" sz="5400" smtClean="0">
+                <a:ln w="0"/>
+                <a:solidFill>
+                  <a:srgbClr val="FF0000"/>
+                </a:solidFill>
+                <a:effectLst>
+                  <a:outerShdw blurRad="38100" dist="19050" dir="2700000" algn="tl" rotWithShape="0">
+                    <a:schemeClr val="dk1">
+                      <a:alpha val="40000"/>
+                    </a:schemeClr>
+                  </a:outerShdw>
+                </a:effectLst>
+              </a:rPr>
+              <a:t>REMEMBER ???</a:t>
+            </a:r>
+            <a:endParaRPr lang="en-US" sz="5400" b="0" cap="none" spc="0">
+              <a:ln w="0"/>
+              <a:solidFill>
+                <a:srgbClr val="FF0000"/>
+              </a:solidFill>
+              <a:effectLst>
+                <a:outerShdw blurRad="38100" dist="19050" dir="2700000" algn="tl" rotWithShape="0">
+                  <a:schemeClr val="dk1">
+                    <a:alpha val="40000"/>
+                  </a:schemeClr>
+                </a:outerShdw>
+              </a:effectLst>
+            </a:endParaRPr>
+          </a:p>
+        </p:txBody>
+      </p:sp>
+      <p:sp>
+        <p:nvSpPr>
+          <p:cNvPr id="11" name="Rectangle 10"/>
+          <p:cNvSpPr/>
+          <p:nvPr/>
+        </p:nvSpPr>
+        <p:spPr>
+          <a:xfrm rot="1762093">
+            <a:off x="7543345" y="2242756"/>
+            <a:ext cx="3905236" cy="923330"/>
+          </a:xfrm>
+          <a:prstGeom prst="rect">
+            <a:avLst/>
+          </a:prstGeom>
+          <a:noFill/>
+        </p:spPr>
+        <p:txBody>
+          <a:bodyPr wrap="none" lIns="91440" tIns="45720" rIns="91440" bIns="45720">
+            <a:spAutoFit/>
+          </a:bodyPr>
+          <a:lstStyle/>
+          <a:p>
+            <a:pPr algn="ctr"/>
+            <a:r>
+              <a:rPr lang="en-US" sz="5400" smtClean="0">
+                <a:ln w="0"/>
+                <a:solidFill>
+                  <a:srgbClr val="FF0000"/>
+                </a:solidFill>
+                <a:effectLst>
+                  <a:outerShdw blurRad="38100" dist="19050" dir="2700000" algn="tl" rotWithShape="0">
+                    <a:schemeClr val="dk1">
+                      <a:alpha val="40000"/>
+                    </a:schemeClr>
+                  </a:outerShdw>
+                </a:effectLst>
+              </a:rPr>
+              <a:t>WHERE ???</a:t>
+            </a:r>
+            <a:endParaRPr lang="en-US" sz="5400" b="0" cap="none" spc="0">
+              <a:ln w="0"/>
+              <a:solidFill>
+                <a:srgbClr val="FF0000"/>
+              </a:solidFill>
+              <a:effectLst>
+                <a:outerShdw blurRad="38100" dist="19050" dir="2700000" algn="tl" rotWithShape="0">
+                  <a:schemeClr val="dk1">
+                    <a:alpha val="40000"/>
+                  </a:schemeClr>
+                </a:outerShdw>
+              </a:effectLst>
+            </a:endParaRPr>
+          </a:p>
+        </p:txBody>
+      </p:sp>
+    </p:spTree>
+    <p:extLst>
+      <p:ext uri="{BB962C8B-B14F-4D97-AF65-F5344CB8AC3E}">
+        <p14:creationId xmlns:p14="http://schemas.microsoft.com/office/powerpoint/2010/main" val="1208352277"/>
+      </p:ext>
+    </p:extLst>
+  </p:cSld>
+  <p:clrMapOvr>
+    <a:masterClrMapping/>
+  </p:clrMapOvr>
+  <p:transition spd="slow">
+    <p:push dir="u"/>
+  </p:transition>
+  <p:timing>
+    <p:tnLst>
+      <p:par>
+        <p:cTn id="1" dur="indefinite" restart="never" nodeType="tmRoot">
+          <p:childTnLst>
+            <p:seq concurrent="1" nextAc="seek">
+              <p:cTn id="2" dur="indefinite" nodeType="mainSeq">
+                <p:childTnLst>
+                  <p:par>
+                    <p:cTn id="3" fill="hold">
+                      <p:stCondLst>
+                        <p:cond delay="indefinite"/>
+                      </p:stCondLst>
+                      <p:childTnLst>
+                        <p:par>
+                          <p:cTn id="4" fill="hold">
+                            <p:stCondLst>
+                              <p:cond delay="0"/>
+                            </p:stCondLst>
+                            <p:childTnLst>
+                              <p:par>
+                                <p:cTn id="5" presetID="16" presetClass="entr" presetSubtype="21" fill="hold" grpId="0" nodeType="clickEffect">
+                                  <p:stCondLst>
+                                    <p:cond delay="0"/>
+                                  </p:stCondLst>
+                                  <p:childTnLst>
+                                    <p:set>
+                                      <p:cBhvr>
+                                        <p:cTn id="6" dur="1" fill="hold">
+                                          <p:stCondLst>
+                                            <p:cond delay="0"/>
+                                          </p:stCondLst>
+                                        </p:cTn>
+                                        <p:tgtEl>
+                                          <p:spTgt spid="7"/>
+                                        </p:tgtEl>
+                                        <p:attrNameLst>
+                                          <p:attrName>style.visibility</p:attrName>
+                                        </p:attrNameLst>
+                                      </p:cBhvr>
+                                      <p:to>
+                                        <p:strVal val="visible"/>
+                                      </p:to>
+                                    </p:set>
+                                    <p:animEffect transition="in" filter="barn(inVertical)">
+                                      <p:cBhvr>
+                                        <p:cTn id="7" dur="500"/>
+                                        <p:tgtEl>
+                                          <p:spTgt spid="7"/>
+                                        </p:tgtEl>
+                                      </p:cBhvr>
+                                    </p:animEffect>
+                                  </p:childTnLst>
+                                </p:cTn>
+                              </p:par>
+                            </p:childTnLst>
+                          </p:cTn>
+                        </p:par>
+                      </p:childTnLst>
+                    </p:cTn>
+                  </p:par>
+                  <p:par>
+                    <p:cTn id="8" fill="hold">
+                      <p:stCondLst>
+                        <p:cond delay="indefinite"/>
+                      </p:stCondLst>
+                      <p:childTnLst>
+                        <p:par>
+                          <p:cTn id="9" fill="hold">
+                            <p:stCondLst>
+                              <p:cond delay="0"/>
+                            </p:stCondLst>
+                            <p:childTnLst>
+                              <p:par>
+                                <p:cTn id="10" presetID="16" presetClass="entr" presetSubtype="21" fill="hold" nodeType="clickEffect">
+                                  <p:stCondLst>
+                                    <p:cond delay="0"/>
+                                  </p:stCondLst>
+                                  <p:childTnLst>
+                                    <p:set>
+                                      <p:cBhvr>
+                                        <p:cTn id="11" dur="1" fill="hold">
+                                          <p:stCondLst>
+                                            <p:cond delay="0"/>
+                                          </p:stCondLst>
+                                        </p:cTn>
+                                        <p:tgtEl>
+                                          <p:spTgt spid="1026"/>
+                                        </p:tgtEl>
+                                        <p:attrNameLst>
+                                          <p:attrName>style.visibility</p:attrName>
+                                        </p:attrNameLst>
+                                      </p:cBhvr>
+                                      <p:to>
+                                        <p:strVal val="visible"/>
+                                      </p:to>
+                                    </p:set>
+                                    <p:animEffect transition="in" filter="barn(inVertical)">
+                                      <p:cBhvr>
+                                        <p:cTn id="12" dur="500"/>
+                                        <p:tgtEl>
+                                          <p:spTgt spid="1026"/>
+                                        </p:tgtEl>
+                                      </p:cBhvr>
+                                    </p:animEffect>
+                                  </p:childTnLst>
+                                </p:cTn>
+                              </p:par>
+                              <p:par>
+                                <p:cTn id="13" presetID="16" presetClass="entr" presetSubtype="21" fill="hold" grpId="0" nodeType="withEffect">
+                                  <p:stCondLst>
+                                    <p:cond delay="0"/>
+                                  </p:stCondLst>
+                                  <p:childTnLst>
+                                    <p:set>
+                                      <p:cBhvr>
+                                        <p:cTn id="14" dur="1" fill="hold">
+                                          <p:stCondLst>
+                                            <p:cond delay="0"/>
+                                          </p:stCondLst>
+                                        </p:cTn>
+                                        <p:tgtEl>
+                                          <p:spTgt spid="8"/>
+                                        </p:tgtEl>
+                                        <p:attrNameLst>
+                                          <p:attrName>style.visibility</p:attrName>
+                                        </p:attrNameLst>
+                                      </p:cBhvr>
+                                      <p:to>
+                                        <p:strVal val="visible"/>
+                                      </p:to>
+                                    </p:set>
+                                    <p:animEffect transition="in" filter="barn(inVertical)">
+                                      <p:cBhvr>
+                                        <p:cTn id="15" dur="500"/>
+                                        <p:tgtEl>
+                                          <p:spTgt spid="8"/>
+                                        </p:tgtEl>
+                                      </p:cBhvr>
+                                    </p:animEffect>
+                                  </p:childTnLst>
+                                </p:cTn>
+                              </p:par>
+                            </p:childTnLst>
+                          </p:cTn>
+                        </p:par>
+                      </p:childTnLst>
+                    </p:cTn>
+                  </p:par>
+                  <p:par>
+                    <p:cTn id="16" fill="hold">
+                      <p:stCondLst>
+                        <p:cond delay="indefinite"/>
+                      </p:stCondLst>
+                      <p:childTnLst>
+                        <p:par>
+                          <p:cTn id="17" fill="hold">
+                            <p:stCondLst>
+                              <p:cond delay="0"/>
+                            </p:stCondLst>
+                            <p:childTnLst>
+                              <p:par>
+                                <p:cTn id="18" presetID="16" presetClass="entr" presetSubtype="21" fill="hold" grpId="0" nodeType="clickEffect">
+                                  <p:stCondLst>
+                                    <p:cond delay="0"/>
+                                  </p:stCondLst>
+                                  <p:childTnLst>
+                                    <p:set>
+                                      <p:cBhvr>
+                                        <p:cTn id="19" dur="1" fill="hold">
+                                          <p:stCondLst>
+                                            <p:cond delay="0"/>
+                                          </p:stCondLst>
+                                        </p:cTn>
+                                        <p:tgtEl>
+                                          <p:spTgt spid="3"/>
+                                        </p:tgtEl>
+                                        <p:attrNameLst>
+                                          <p:attrName>style.visibility</p:attrName>
+                                        </p:attrNameLst>
+                                      </p:cBhvr>
+                                      <p:to>
+                                        <p:strVal val="visible"/>
+                                      </p:to>
+                                    </p:set>
+                                    <p:animEffect transition="in" filter="barn(inVertical)">
+                                      <p:cBhvr>
+                                        <p:cTn id="20" dur="500"/>
+                                        <p:tgtEl>
+                                          <p:spTgt spid="3"/>
+                                        </p:tgtEl>
+                                      </p:cBhvr>
+                                    </p:animEffect>
+                                  </p:childTnLst>
+                                </p:cTn>
+                              </p:par>
+                              <p:par>
+                                <p:cTn id="21" presetID="16" presetClass="entr" presetSubtype="21" fill="hold" grpId="0" nodeType="withEffect">
+                                  <p:stCondLst>
+                                    <p:cond delay="0"/>
+                                  </p:stCondLst>
+                                  <p:childTnLst>
+                                    <p:set>
+                                      <p:cBhvr>
+                                        <p:cTn id="22" dur="1" fill="hold">
+                                          <p:stCondLst>
+                                            <p:cond delay="0"/>
+                                          </p:stCondLst>
+                                        </p:cTn>
+                                        <p:tgtEl>
+                                          <p:spTgt spid="10"/>
+                                        </p:tgtEl>
+                                        <p:attrNameLst>
+                                          <p:attrName>style.visibility</p:attrName>
+                                        </p:attrNameLst>
+                                      </p:cBhvr>
+                                      <p:to>
+                                        <p:strVal val="visible"/>
+                                      </p:to>
+                                    </p:set>
+                                    <p:animEffect transition="in" filter="barn(inVertical)">
+                                      <p:cBhvr>
+                                        <p:cTn id="23" dur="500"/>
+                                        <p:tgtEl>
+                                          <p:spTgt spid="10"/>
+                                        </p:tgtEl>
+                                      </p:cBhvr>
+                                    </p:animEffect>
+                                  </p:childTnLst>
+                                </p:cTn>
+                              </p:par>
+                              <p:par>
+                                <p:cTn id="24" presetID="16" presetClass="entr" presetSubtype="21" fill="hold" grpId="0" nodeType="withEffect">
+                                  <p:stCondLst>
+                                    <p:cond delay="0"/>
+                                  </p:stCondLst>
+                                  <p:childTnLst>
+                                    <p:set>
+                                      <p:cBhvr>
+                                        <p:cTn id="25" dur="1" fill="hold">
+                                          <p:stCondLst>
+                                            <p:cond delay="0"/>
+                                          </p:stCondLst>
+                                        </p:cTn>
+                                        <p:tgtEl>
+                                          <p:spTgt spid="11"/>
+                                        </p:tgtEl>
+                                        <p:attrNameLst>
+                                          <p:attrName>style.visibility</p:attrName>
+                                        </p:attrNameLst>
+                                      </p:cBhvr>
+                                      <p:to>
+                                        <p:strVal val="visible"/>
+                                      </p:to>
+                                    </p:set>
+                                    <p:animEffect transition="in" filter="barn(inVertical)">
+                                      <p:cBhvr>
+                                        <p:cTn id="26" dur="500"/>
+                                        <p:tgtEl>
+                                          <p:spTgt spid="11"/>
+                                        </p:tgtEl>
+                                      </p:cBhvr>
+                                    </p:animEffect>
+                                  </p:childTnLst>
+                                </p:cTn>
+                              </p:par>
+                            </p:childTnLst>
+                          </p:cTn>
+                        </p:par>
+                      </p:childTnLst>
+                    </p:cTn>
+                  </p:par>
+                </p:childTnLst>
+              </p:cTn>
+              <p:prevCondLst>
+                <p:cond evt="onPrev" delay="0">
+                  <p:tgtEl>
+                    <p:sldTgt/>
+                  </p:tgtEl>
+                </p:cond>
+              </p:prevCondLst>
+              <p:nextCondLst>
+                <p:cond evt="onNext" delay="0">
+                  <p:tgtEl>
+                    <p:sldTgt/>
+                  </p:tgtEl>
+                </p:cond>
+              </p:nextCondLst>
+            </p:seq>
+          </p:childTnLst>
+        </p:cTn>
+      </p:par>
+    </p:tnLst>
+    <p:bldLst>
+      <p:bldP spid="7" grpId="0"/>
+      <p:bldP spid="8" grpId="0"/>
+      <p:bldP spid="3" grpId="0"/>
+      <p:bldP spid="10" grpId="0"/>
+      <p:bldP spid="11" grpId="0"/>
+    </p:bldLst>
+  </p:timing>
+</p:sld>
+</file>
+
+<file path=ppt/slides/slide5.xml><?xml version="1.0" encoding="utf-8"?>
+<p:sld xmlns:a="http://schemas.openxmlformats.org/drawingml/2006/main" xmlns:r="http://schemas.openxmlformats.org/officeDocument/2006/relationships" xmlns:p="http://schemas.openxmlformats.org/presentationml/2006/main">
+  <p:cSld>
+    <p:spTree>
+      <p:nvGrpSpPr>
+        <p:cNvPr id="1" name=""/>
+        <p:cNvGrpSpPr/>
+        <p:nvPr/>
+      </p:nvGrpSpPr>
+      <p:grpSpPr>
+        <a:xfrm>
+          <a:off x="0" y="0"/>
+          <a:ext cx="0" cy="0"/>
+          <a:chOff x="0" y="0"/>
+          <a:chExt cx="0" cy="0"/>
+        </a:xfrm>
+      </p:grpSpPr>
+      <p:sp>
+        <p:nvSpPr>
+          <p:cNvPr id="2" name="Slide Number Placeholder 1"/>
+          <p:cNvSpPr>
+            <a:spLocks noGrp="1"/>
+          </p:cNvSpPr>
+          <p:nvPr>
+            <p:ph type="sldNum" sz="quarter" idx="12"/>
+          </p:nvPr>
+        </p:nvSpPr>
+        <p:spPr/>
+        <p:txBody>
+          <a:bodyPr/>
+          <a:lstStyle/>
+          <a:p>
+            <a:fld id="{CA8D9AD5-F248-4919-864A-CFD76CC027D6}" type="slidenum">
+              <a:rPr lang="en-US" sz="1600" smtClean="0"/>
+              <a:t>5</a:t>
+            </a:fld>
+            <a:endParaRPr lang="en-US"/>
+          </a:p>
+        </p:txBody>
+      </p:sp>
+      <p:sp>
+        <p:nvSpPr>
+          <p:cNvPr id="7" name="TextBox 6"/>
+          <p:cNvSpPr txBox="1"/>
+          <p:nvPr/>
+        </p:nvSpPr>
+        <p:spPr>
+          <a:xfrm>
+            <a:off x="1205471" y="1617081"/>
+            <a:ext cx="6209482" cy="553998"/>
+          </a:xfrm>
+          <a:prstGeom prst="rect">
+            <a:avLst/>
+          </a:prstGeom>
+          <a:noFill/>
+        </p:spPr>
+        <p:txBody>
+          <a:bodyPr wrap="square" rtlCol="0">
+            <a:spAutoFit/>
+          </a:bodyPr>
+          <a:lstStyle/>
+          <a:p>
+            <a:pPr marL="457200" indent="-457200">
+              <a:buFont typeface="Arial" panose="020B0604020202020204" pitchFamily="34" charset="0"/>
+              <a:buChar char="•"/>
+            </a:pPr>
+            <a:r>
+              <a:rPr lang="en-US" sz="3000" smtClean="0">
+                <a:solidFill>
+                  <a:srgbClr val="0070C0"/>
+                </a:solidFill>
+                <a:latin typeface="Times New Roman" panose="02020603050405020304" pitchFamily="18" charset="0"/>
+                <a:cs typeface="Times New Roman" panose="02020603050405020304" pitchFamily="18" charset="0"/>
+              </a:rPr>
+              <a:t>Chức năng chia sẻ hành trình:</a:t>
+            </a:r>
+          </a:p>
+        </p:txBody>
+      </p:sp>
+      <p:pic>
+        <p:nvPicPr>
+          <p:cNvPr id="3074" name="Picture 2" descr="http://i.stack.imgur.com/EMCvY.png"/>
+          <p:cNvPicPr>
+            <a:picLocks noChangeAspect="1" noChangeArrowheads="1"/>
+          </p:cNvPicPr>
+          <p:nvPr/>
+        </p:nvPicPr>
+        <p:blipFill>
+          <a:blip r:embed="rId3">
+            <a:extLst>
+              <a:ext uri="{28A0092B-C50C-407E-A947-70E740481C1C}">
+                <a14:useLocalDpi xmlns:a14="http://schemas.microsoft.com/office/drawing/2010/main" val="0"/>
+              </a:ext>
+            </a:extLst>
+          </a:blip>
+          <a:srcRect/>
+          <a:stretch>
+            <a:fillRect/>
+          </a:stretch>
+        </p:blipFill>
+        <p:spPr bwMode="auto">
+          <a:xfrm>
+            <a:off x="1205471" y="2171079"/>
+            <a:ext cx="5380701" cy="3945260"/>
+          </a:xfrm>
+          <a:prstGeom prst="rect">
+            <a:avLst/>
+          </a:prstGeom>
+          <a:noFill/>
+          <a:extLst>
+            <a:ext uri="{909E8E84-426E-40DD-AFC4-6F175D3DCCD1}">
+              <a14:hiddenFill xmlns:a14="http://schemas.microsoft.com/office/drawing/2010/main">
+                <a:solidFill>
+                  <a:srgbClr val="FFFFFF"/>
+                </a:solidFill>
+              </a14:hiddenFill>
+            </a:ext>
+          </a:extLst>
+        </p:spPr>
+      </p:pic>
+      <p:sp>
+        <p:nvSpPr>
+          <p:cNvPr id="9" name="Title 1"/>
+          <p:cNvSpPr>
+            <a:spLocks noGrp="1"/>
+          </p:cNvSpPr>
+          <p:nvPr>
+            <p:ph type="title"/>
+          </p:nvPr>
+        </p:nvSpPr>
+        <p:spPr>
+          <a:xfrm>
+            <a:off x="365759" y="591022"/>
+            <a:ext cx="5994084" cy="976183"/>
+          </a:xfrm>
+        </p:spPr>
+        <p:txBody>
+          <a:bodyPr>
+            <a:normAutofit/>
+          </a:bodyPr>
+          <a:lstStyle/>
+          <a:p>
+            <a:r>
+              <a:rPr lang="en-US" sz="4800">
+                <a:solidFill>
+                  <a:srgbClr val="0000FF"/>
+                </a:solidFill>
+                <a:latin typeface="Times New Roman" panose="02020603050405020304" pitchFamily="18" charset="0"/>
+                <a:cs typeface="Times New Roman" panose="02020603050405020304" pitchFamily="18" charset="0"/>
+              </a:rPr>
+              <a:t>2</a:t>
+            </a:r>
+            <a:r>
+              <a:rPr lang="en-US" sz="4800" smtClean="0">
+                <a:solidFill>
+                  <a:srgbClr val="0000FF"/>
+                </a:solidFill>
+                <a:latin typeface="Times New Roman" panose="02020603050405020304" pitchFamily="18" charset="0"/>
+                <a:cs typeface="Times New Roman" panose="02020603050405020304" pitchFamily="18" charset="0"/>
+              </a:rPr>
+              <a:t>. Xây dựng ứng dụng:</a:t>
+            </a:r>
+            <a:endParaRPr lang="en-US" sz="4800" b="1" dirty="0">
+              <a:solidFill>
+                <a:srgbClr val="0000FF"/>
+              </a:solidFill>
+            </a:endParaRPr>
+          </a:p>
+        </p:txBody>
+      </p:sp>
+      <p:sp>
+        <p:nvSpPr>
+          <p:cNvPr id="10" name="TextBox 9"/>
+          <p:cNvSpPr txBox="1"/>
+          <p:nvPr/>
+        </p:nvSpPr>
+        <p:spPr>
+          <a:xfrm>
+            <a:off x="162162" y="6325862"/>
+            <a:ext cx="6683432" cy="369332"/>
+          </a:xfrm>
+          <a:prstGeom prst="rect">
+            <a:avLst/>
+          </a:prstGeom>
+          <a:noFill/>
+        </p:spPr>
+        <p:txBody>
+          <a:bodyPr wrap="square" rtlCol="0">
+            <a:spAutoFit/>
+          </a:bodyPr>
+          <a:lstStyle/>
+          <a:p>
+            <a:r>
+              <a:rPr lang="en-US" smtClean="0"/>
+              <a:t>Nguồn: </a:t>
+            </a:r>
+            <a:r>
+              <a:rPr lang="en-US">
+                <a:hlinkClick r:id="rId4"/>
+              </a:rPr>
+              <a:t>http://</a:t>
+            </a:r>
+            <a:r>
+              <a:rPr lang="en-US" smtClean="0">
+                <a:hlinkClick r:id="rId4"/>
+              </a:rPr>
+              <a:t>i.stack.imgur.com/EMCvY.png</a:t>
+            </a:r>
+            <a:endParaRPr lang="en-US" smtClean="0"/>
+          </a:p>
+        </p:txBody>
+      </p:sp>
+      <p:pic>
+        <p:nvPicPr>
+          <p:cNvPr id="11" name="Ảnh 5"/>
+          <p:cNvPicPr>
+            <a:picLocks noChangeAspect="1"/>
+          </p:cNvPicPr>
+          <p:nvPr/>
+        </p:nvPicPr>
+        <p:blipFill>
+          <a:blip r:embed="rId5" cstate="print">
+            <a:extLst>
+              <a:ext uri="{28A0092B-C50C-407E-A947-70E740481C1C}">
+                <a14:useLocalDpi xmlns:a14="http://schemas.microsoft.com/office/drawing/2010/main" val="0"/>
+              </a:ext>
+            </a:extLst>
+          </a:blip>
+          <a:stretch>
+            <a:fillRect/>
+          </a:stretch>
+        </p:blipFill>
+        <p:spPr>
+          <a:xfrm>
+            <a:off x="4697297" y="4224934"/>
+            <a:ext cx="952500" cy="914400"/>
+          </a:xfrm>
+          <a:prstGeom prst="rect">
+            <a:avLst/>
+          </a:prstGeom>
+        </p:spPr>
+      </p:pic>
+      <p:sp>
+        <p:nvSpPr>
+          <p:cNvPr id="12" name="Rectangle 11"/>
+          <p:cNvSpPr/>
+          <p:nvPr/>
+        </p:nvSpPr>
+        <p:spPr>
+          <a:xfrm>
+            <a:off x="6890089" y="2449076"/>
+            <a:ext cx="4669868" cy="861774"/>
+          </a:xfrm>
+          <a:prstGeom prst="rect">
+            <a:avLst/>
+          </a:prstGeom>
+          <a:noFill/>
+        </p:spPr>
+        <p:txBody>
+          <a:bodyPr wrap="none" lIns="91440" tIns="45720" rIns="91440" bIns="45720">
+            <a:spAutoFit/>
+          </a:bodyPr>
+          <a:lstStyle/>
+          <a:p>
+            <a:pPr marL="685800" indent="-685800" algn="ctr">
+              <a:buFont typeface="Wingdings" panose="05000000000000000000" pitchFamily="2" charset="2"/>
+              <a:buChar char="ü"/>
+            </a:pPr>
+            <a:r>
+              <a:rPr lang="en-US" sz="5000" smtClean="0">
+                <a:ln w="0"/>
+                <a:solidFill>
+                  <a:srgbClr val="FF0000"/>
+                </a:solidFill>
+                <a:effectLst>
+                  <a:outerShdw blurRad="38100" dist="19050" dir="2700000" algn="tl" rotWithShape="0">
+                    <a:schemeClr val="dk1">
+                      <a:alpha val="40000"/>
+                    </a:schemeClr>
+                  </a:outerShdw>
+                </a:effectLst>
+                <a:latin typeface="Times New Roman" panose="02020603050405020304" pitchFamily="18" charset="0"/>
+                <a:cs typeface="Times New Roman" panose="02020603050405020304" pitchFamily="18" charset="0"/>
+              </a:rPr>
+              <a:t>Lộ trình cụ thể</a:t>
+            </a:r>
+            <a:endParaRPr lang="en-US" sz="5000" b="0" cap="none" spc="0">
+              <a:ln w="0"/>
+              <a:solidFill>
+                <a:srgbClr val="FF0000"/>
+              </a:solidFill>
+              <a:effectLst>
+                <a:outerShdw blurRad="38100" dist="19050" dir="2700000" algn="tl" rotWithShape="0">
+                  <a:schemeClr val="dk1">
+                    <a:alpha val="40000"/>
+                  </a:schemeClr>
+                </a:outerShdw>
+              </a:effectLst>
+              <a:latin typeface="Times New Roman" panose="02020603050405020304" pitchFamily="18" charset="0"/>
+              <a:cs typeface="Times New Roman" panose="02020603050405020304" pitchFamily="18" charset="0"/>
+            </a:endParaRPr>
+          </a:p>
+        </p:txBody>
+      </p:sp>
+      <p:sp>
+        <p:nvSpPr>
+          <p:cNvPr id="13" name="Rectangle 12"/>
+          <p:cNvSpPr/>
+          <p:nvPr/>
+        </p:nvSpPr>
+        <p:spPr>
+          <a:xfrm>
+            <a:off x="6890089" y="3763269"/>
+            <a:ext cx="5170005" cy="861774"/>
+          </a:xfrm>
+          <a:prstGeom prst="rect">
+            <a:avLst/>
+          </a:prstGeom>
+          <a:noFill/>
+        </p:spPr>
+        <p:txBody>
+          <a:bodyPr wrap="none" lIns="91440" tIns="45720" rIns="91440" bIns="45720">
+            <a:spAutoFit/>
+          </a:bodyPr>
+          <a:lstStyle/>
+          <a:p>
+            <a:pPr marL="685800" indent="-685800" algn="ctr">
+              <a:buFont typeface="Wingdings" panose="05000000000000000000" pitchFamily="2" charset="2"/>
+              <a:buChar char="ü"/>
+            </a:pPr>
+            <a:r>
+              <a:rPr lang="en-US" sz="5000" smtClean="0">
+                <a:ln w="0"/>
+                <a:solidFill>
+                  <a:srgbClr val="FF0000"/>
+                </a:solidFill>
+                <a:effectLst>
+                  <a:outerShdw blurRad="38100" dist="19050" dir="2700000" algn="tl" rotWithShape="0">
+                    <a:schemeClr val="dk1">
+                      <a:alpha val="40000"/>
+                    </a:schemeClr>
+                  </a:outerShdw>
+                </a:effectLst>
+                <a:latin typeface="Times New Roman" panose="02020603050405020304" pitchFamily="18" charset="0"/>
+                <a:cs typeface="Times New Roman" panose="02020603050405020304" pitchFamily="18" charset="0"/>
+              </a:rPr>
+              <a:t>Địa điểm nổi bật</a:t>
+            </a:r>
+            <a:endParaRPr lang="en-US" sz="5000" b="0" cap="none" spc="0">
+              <a:ln w="0"/>
+              <a:solidFill>
+                <a:srgbClr val="FF0000"/>
+              </a:solidFill>
+              <a:effectLst>
+                <a:outerShdw blurRad="38100" dist="19050" dir="2700000" algn="tl" rotWithShape="0">
+                  <a:schemeClr val="dk1">
+                    <a:alpha val="40000"/>
+                  </a:schemeClr>
+                </a:outerShdw>
+              </a:effectLst>
+              <a:latin typeface="Times New Roman" panose="02020603050405020304" pitchFamily="18" charset="0"/>
+              <a:cs typeface="Times New Roman" panose="02020603050405020304" pitchFamily="18" charset="0"/>
+            </a:endParaRPr>
+          </a:p>
+        </p:txBody>
+      </p:sp>
+    </p:spTree>
+    <p:extLst>
+      <p:ext uri="{BB962C8B-B14F-4D97-AF65-F5344CB8AC3E}">
+        <p14:creationId xmlns:p14="http://schemas.microsoft.com/office/powerpoint/2010/main" val="4154664318"/>
+      </p:ext>
+    </p:extLst>
+  </p:cSld>
+  <p:clrMapOvr>
+    <a:masterClrMapping/>
+  </p:clrMapOvr>
+  <p:transition spd="slow">
+    <p:push dir="u"/>
+  </p:transition>
+  <p:timing>
+    <p:tnLst>
+      <p:par>
+        <p:cTn id="1" dur="indefinite" restart="never" nodeType="tmRoot">
+          <p:childTnLst>
+            <p:seq concurrent="1" nextAc="seek">
+              <p:cTn id="2" dur="indefinite" nodeType="mainSeq">
+                <p:childTnLst>
+                  <p:par>
+                    <p:cTn id="3" fill="hold">
+                      <p:stCondLst>
+                        <p:cond delay="indefinite"/>
+                      </p:stCondLst>
+                      <p:childTnLst>
+                        <p:par>
+                          <p:cTn id="4" fill="hold">
+                            <p:stCondLst>
+                              <p:cond delay="0"/>
+                            </p:stCondLst>
+                            <p:childTnLst>
+                              <p:par>
+                                <p:cTn id="5" presetID="16" presetClass="entr" presetSubtype="21" fill="hold" grpId="0" nodeType="clickEffect">
+                                  <p:stCondLst>
+                                    <p:cond delay="0"/>
+                                  </p:stCondLst>
+                                  <p:childTnLst>
+                                    <p:set>
+                                      <p:cBhvr>
+                                        <p:cTn id="6" dur="1" fill="hold">
+                                          <p:stCondLst>
+                                            <p:cond delay="0"/>
+                                          </p:stCondLst>
+                                        </p:cTn>
+                                        <p:tgtEl>
+                                          <p:spTgt spid="7"/>
+                                        </p:tgtEl>
+                                        <p:attrNameLst>
+                                          <p:attrName>style.visibility</p:attrName>
+                                        </p:attrNameLst>
+                                      </p:cBhvr>
+                                      <p:to>
+                                        <p:strVal val="visible"/>
+                                      </p:to>
+                                    </p:set>
+                                    <p:animEffect transition="in" filter="barn(inVertical)">
+                                      <p:cBhvr>
+                                        <p:cTn id="7" dur="500"/>
+                                        <p:tgtEl>
+                                          <p:spTgt spid="7"/>
+                                        </p:tgtEl>
+                                      </p:cBhvr>
+                                    </p:animEffect>
+                                  </p:childTnLst>
+                                </p:cTn>
+                              </p:par>
+                            </p:childTnLst>
+                          </p:cTn>
+                        </p:par>
+                      </p:childTnLst>
+                    </p:cTn>
+                  </p:par>
+                  <p:par>
+                    <p:cTn id="8" fill="hold">
+                      <p:stCondLst>
+                        <p:cond delay="indefinite"/>
+                      </p:stCondLst>
+                      <p:childTnLst>
+                        <p:par>
+                          <p:cTn id="9" fill="hold">
+                            <p:stCondLst>
+                              <p:cond delay="0"/>
+                            </p:stCondLst>
+                            <p:childTnLst>
+                              <p:par>
+                                <p:cTn id="10" presetID="16" presetClass="entr" presetSubtype="21" fill="hold" nodeType="clickEffect">
+                                  <p:stCondLst>
+                                    <p:cond delay="0"/>
+                                  </p:stCondLst>
+                                  <p:childTnLst>
+                                    <p:set>
+                                      <p:cBhvr>
+                                        <p:cTn id="11" dur="1" fill="hold">
+                                          <p:stCondLst>
+                                            <p:cond delay="0"/>
+                                          </p:stCondLst>
+                                        </p:cTn>
+                                        <p:tgtEl>
+                                          <p:spTgt spid="3074"/>
+                                        </p:tgtEl>
+                                        <p:attrNameLst>
+                                          <p:attrName>style.visibility</p:attrName>
+                                        </p:attrNameLst>
+                                      </p:cBhvr>
+                                      <p:to>
+                                        <p:strVal val="visible"/>
+                                      </p:to>
+                                    </p:set>
+                                    <p:animEffect transition="in" filter="barn(inVertical)">
+                                      <p:cBhvr>
+                                        <p:cTn id="12" dur="500"/>
+                                        <p:tgtEl>
+                                          <p:spTgt spid="3074"/>
+                                        </p:tgtEl>
+                                      </p:cBhvr>
+                                    </p:animEffect>
+                                  </p:childTnLst>
+                                </p:cTn>
+                              </p:par>
+                              <p:par>
+                                <p:cTn id="13" presetID="16" presetClass="entr" presetSubtype="21" fill="hold" nodeType="withEffect">
+                                  <p:stCondLst>
+                                    <p:cond delay="0"/>
+                                  </p:stCondLst>
+                                  <p:childTnLst>
+                                    <p:set>
+                                      <p:cBhvr>
+                                        <p:cTn id="14" dur="1" fill="hold">
+                                          <p:stCondLst>
+                                            <p:cond delay="0"/>
+                                          </p:stCondLst>
+                                        </p:cTn>
+                                        <p:tgtEl>
+                                          <p:spTgt spid="11"/>
+                                        </p:tgtEl>
+                                        <p:attrNameLst>
+                                          <p:attrName>style.visibility</p:attrName>
+                                        </p:attrNameLst>
+                                      </p:cBhvr>
+                                      <p:to>
+                                        <p:strVal val="visible"/>
+                                      </p:to>
+                                    </p:set>
+                                    <p:animEffect transition="in" filter="barn(inVertical)">
+                                      <p:cBhvr>
+                                        <p:cTn id="15" dur="500"/>
+                                        <p:tgtEl>
+                                          <p:spTgt spid="11"/>
+                                        </p:tgtEl>
+                                      </p:cBhvr>
+                                    </p:animEffect>
+                                  </p:childTnLst>
+                                </p:cTn>
+                              </p:par>
+                              <p:par>
+                                <p:cTn id="16" presetID="16" presetClass="entr" presetSubtype="21" fill="hold" grpId="0" nodeType="withEffect">
+                                  <p:stCondLst>
+                                    <p:cond delay="0"/>
+                                  </p:stCondLst>
+                                  <p:childTnLst>
+                                    <p:set>
+                                      <p:cBhvr>
+                                        <p:cTn id="17" dur="1" fill="hold">
+                                          <p:stCondLst>
+                                            <p:cond delay="0"/>
+                                          </p:stCondLst>
+                                        </p:cTn>
+                                        <p:tgtEl>
+                                          <p:spTgt spid="10"/>
+                                        </p:tgtEl>
+                                        <p:attrNameLst>
+                                          <p:attrName>style.visibility</p:attrName>
+                                        </p:attrNameLst>
+                                      </p:cBhvr>
+                                      <p:to>
+                                        <p:strVal val="visible"/>
+                                      </p:to>
+                                    </p:set>
+                                    <p:animEffect transition="in" filter="barn(inVertical)">
+                                      <p:cBhvr>
+                                        <p:cTn id="18" dur="500"/>
+                                        <p:tgtEl>
+                                          <p:spTgt spid="10"/>
+                                        </p:tgtEl>
+                                      </p:cBhvr>
+                                    </p:animEffect>
+                                  </p:childTnLst>
+                                </p:cTn>
+                              </p:par>
+                            </p:childTnLst>
+                          </p:cTn>
+                        </p:par>
+                      </p:childTnLst>
+                    </p:cTn>
+                  </p:par>
+                  <p:par>
+                    <p:cTn id="19" fill="hold">
+                      <p:stCondLst>
+                        <p:cond delay="indefinite"/>
+                      </p:stCondLst>
+                      <p:childTnLst>
+                        <p:par>
+                          <p:cTn id="20" fill="hold">
+                            <p:stCondLst>
+                              <p:cond delay="0"/>
+                            </p:stCondLst>
+                            <p:childTnLst>
+                              <p:par>
+                                <p:cTn id="21" presetID="16" presetClass="entr" presetSubtype="21" fill="hold" grpId="0" nodeType="clickEffect">
+                                  <p:stCondLst>
+                                    <p:cond delay="0"/>
+                                  </p:stCondLst>
+                                  <p:childTnLst>
+                                    <p:set>
+                                      <p:cBhvr>
+                                        <p:cTn id="22" dur="1" fill="hold">
+                                          <p:stCondLst>
+                                            <p:cond delay="0"/>
+                                          </p:stCondLst>
+                                        </p:cTn>
+                                        <p:tgtEl>
+                                          <p:spTgt spid="13"/>
+                                        </p:tgtEl>
+                                        <p:attrNameLst>
+                                          <p:attrName>style.visibility</p:attrName>
+                                        </p:attrNameLst>
+                                      </p:cBhvr>
+                                      <p:to>
+                                        <p:strVal val="visible"/>
+                                      </p:to>
+                                    </p:set>
+                                    <p:animEffect transition="in" filter="barn(inVertical)">
+                                      <p:cBhvr>
+                                        <p:cTn id="23" dur="500"/>
+                                        <p:tgtEl>
+                                          <p:spTgt spid="13"/>
+                                        </p:tgtEl>
+                                      </p:cBhvr>
+                                    </p:animEffect>
+                                  </p:childTnLst>
+                                </p:cTn>
+                              </p:par>
+                              <p:par>
+                                <p:cTn id="24" presetID="16" presetClass="entr" presetSubtype="21" fill="hold" grpId="0" nodeType="withEffect">
+                                  <p:stCondLst>
+                                    <p:cond delay="0"/>
+                                  </p:stCondLst>
+                                  <p:childTnLst>
+                                    <p:set>
+                                      <p:cBhvr>
+                                        <p:cTn id="25" dur="1" fill="hold">
+                                          <p:stCondLst>
+                                            <p:cond delay="0"/>
+                                          </p:stCondLst>
+                                        </p:cTn>
+                                        <p:tgtEl>
+                                          <p:spTgt spid="12"/>
+                                        </p:tgtEl>
+                                        <p:attrNameLst>
+                                          <p:attrName>style.visibility</p:attrName>
+                                        </p:attrNameLst>
+                                      </p:cBhvr>
+                                      <p:to>
+                                        <p:strVal val="visible"/>
+                                      </p:to>
+                                    </p:set>
+                                    <p:animEffect transition="in" filter="barn(inVertical)">
+                                      <p:cBhvr>
+                                        <p:cTn id="26" dur="500"/>
+                                        <p:tgtEl>
+                                          <p:spTgt spid="12"/>
+                                        </p:tgtEl>
+                                      </p:cBhvr>
+                                    </p:animEffect>
+                                  </p:childTnLst>
+                                </p:cTn>
+                              </p:par>
+                            </p:childTnLst>
+                          </p:cTn>
+                        </p:par>
+                      </p:childTnLst>
+                    </p:cTn>
+                  </p:par>
+                </p:childTnLst>
+              </p:cTn>
+              <p:prevCondLst>
+                <p:cond evt="onPrev" delay="0">
+                  <p:tgtEl>
+                    <p:sldTgt/>
+                  </p:tgtEl>
+                </p:cond>
+              </p:prevCondLst>
+              <p:nextCondLst>
+                <p:cond evt="onNext" delay="0">
+                  <p:tgtEl>
+                    <p:sldTgt/>
+                  </p:tgtEl>
+                </p:cond>
+              </p:nextCondLst>
+            </p:seq>
+          </p:childTnLst>
+        </p:cTn>
+      </p:par>
+    </p:tnLst>
+    <p:bldLst>
+      <p:bldP spid="7" grpId="0"/>
+      <p:bldP spid="10" grpId="0"/>
+      <p:bldP spid="12" grpId="0"/>
+      <p:bldP spid="13" grpId="0"/>
+    </p:bldLst>
+  </p:timing>
+</p:sld>
+</file>
+
+<file path=ppt/slides/slide6.xml><?xml version="1.0" encoding="utf-8"?>
+<p:sld xmlns:a="http://schemas.openxmlformats.org/drawingml/2006/main" xmlns:r="http://schemas.openxmlformats.org/officeDocument/2006/relationships" xmlns:p="http://schemas.openxmlformats.org/presentationml/2006/main">
+  <p:cSld>
+    <p:spTree>
+      <p:nvGrpSpPr>
+        <p:cNvPr id="1" name=""/>
+        <p:cNvGrpSpPr/>
+        <p:nvPr/>
+      </p:nvGrpSpPr>
+      <p:grpSpPr>
+        <a:xfrm>
+          <a:off x="0" y="0"/>
+          <a:ext cx="0" cy="0"/>
+          <a:chOff x="0" y="0"/>
+          <a:chExt cx="0" cy="0"/>
+        </a:xfrm>
+      </p:grpSpPr>
+      <p:sp>
+        <p:nvSpPr>
+          <p:cNvPr id="2" name="Slide Number Placeholder 1"/>
+          <p:cNvSpPr>
+            <a:spLocks noGrp="1"/>
+          </p:cNvSpPr>
+          <p:nvPr>
+            <p:ph type="sldNum" sz="quarter" idx="12"/>
+          </p:nvPr>
+        </p:nvSpPr>
+        <p:spPr/>
+        <p:txBody>
+          <a:bodyPr/>
+          <a:lstStyle/>
+          <a:p>
+            <a:fld id="{CA8D9AD5-F248-4919-864A-CFD76CC027D6}" type="slidenum">
+              <a:rPr lang="en-US" sz="1600" smtClean="0"/>
+              <a:t>6</a:t>
+            </a:fld>
+            <a:endParaRPr lang="en-US"/>
+          </a:p>
+        </p:txBody>
+      </p:sp>
+      <p:sp>
+        <p:nvSpPr>
+          <p:cNvPr id="8" name="TextBox 7"/>
+          <p:cNvSpPr txBox="1"/>
+          <p:nvPr/>
+        </p:nvSpPr>
+        <p:spPr>
+          <a:xfrm>
+            <a:off x="1205471" y="1617081"/>
+            <a:ext cx="6209482" cy="553998"/>
+          </a:xfrm>
+          <a:prstGeom prst="rect">
+            <a:avLst/>
+          </a:prstGeom>
+          <a:noFill/>
+        </p:spPr>
+        <p:txBody>
+          <a:bodyPr wrap="square" rtlCol="0">
+            <a:spAutoFit/>
+          </a:bodyPr>
+          <a:lstStyle/>
+          <a:p>
+            <a:pPr marL="457200" indent="-457200">
+              <a:buFont typeface="Arial" panose="020B0604020202020204" pitchFamily="34" charset="0"/>
+              <a:buChar char="•"/>
+            </a:pPr>
+            <a:r>
+              <a:rPr lang="en-US" sz="3000" smtClean="0">
+                <a:solidFill>
+                  <a:srgbClr val="0070C0"/>
+                </a:solidFill>
+                <a:latin typeface="Times New Roman" panose="02020603050405020304" pitchFamily="18" charset="0"/>
+                <a:cs typeface="Times New Roman" panose="02020603050405020304" pitchFamily="18" charset="0"/>
+              </a:rPr>
+              <a:t>Chức năng tìm kiếm địa điểm:</a:t>
+            </a:r>
+          </a:p>
+        </p:txBody>
+      </p:sp>
+      <p:sp>
+        <p:nvSpPr>
+          <p:cNvPr id="9" name="Title 1"/>
+          <p:cNvSpPr>
+            <a:spLocks noGrp="1"/>
+          </p:cNvSpPr>
+          <p:nvPr>
+            <p:ph type="title"/>
+          </p:nvPr>
+        </p:nvSpPr>
+        <p:spPr>
+          <a:xfrm>
+            <a:off x="365759" y="591022"/>
+            <a:ext cx="5994084" cy="976183"/>
+          </a:xfrm>
+        </p:spPr>
+        <p:txBody>
+          <a:bodyPr>
+            <a:normAutofit/>
+          </a:bodyPr>
+          <a:lstStyle/>
+          <a:p>
+            <a:r>
+              <a:rPr lang="en-US" sz="4800">
+                <a:solidFill>
+                  <a:srgbClr val="0000FF"/>
+                </a:solidFill>
+                <a:latin typeface="Times New Roman" panose="02020603050405020304" pitchFamily="18" charset="0"/>
+                <a:cs typeface="Times New Roman" panose="02020603050405020304" pitchFamily="18" charset="0"/>
+              </a:rPr>
+              <a:t>2</a:t>
+            </a:r>
+            <a:r>
+              <a:rPr lang="en-US" sz="4800" smtClean="0">
+                <a:solidFill>
+                  <a:srgbClr val="0000FF"/>
+                </a:solidFill>
+                <a:latin typeface="Times New Roman" panose="02020603050405020304" pitchFamily="18" charset="0"/>
+                <a:cs typeface="Times New Roman" panose="02020603050405020304" pitchFamily="18" charset="0"/>
+              </a:rPr>
+              <a:t>. Xây dựng ứng dụng:</a:t>
+            </a:r>
+            <a:endParaRPr lang="en-US" sz="4800" b="1" dirty="0">
+              <a:solidFill>
+                <a:srgbClr val="0000FF"/>
+              </a:solidFill>
+            </a:endParaRPr>
+          </a:p>
+        </p:txBody>
+      </p:sp>
+      <p:pic>
+        <p:nvPicPr>
+          <p:cNvPr id="10" name="Picture 9"/>
+          <p:cNvPicPr>
+            <a:picLocks noChangeAspect="1"/>
+          </p:cNvPicPr>
+          <p:nvPr/>
+        </p:nvPicPr>
+        <p:blipFill>
+          <a:blip r:embed="rId3"/>
+          <a:stretch>
+            <a:fillRect/>
+          </a:stretch>
+        </p:blipFill>
+        <p:spPr>
+          <a:xfrm>
+            <a:off x="1205471" y="2171079"/>
+            <a:ext cx="5828112" cy="4041893"/>
+          </a:xfrm>
+          <a:prstGeom prst="rect">
+            <a:avLst/>
+          </a:prstGeom>
+        </p:spPr>
+      </p:pic>
+      <p:pic>
+        <p:nvPicPr>
+          <p:cNvPr id="11" name="Ảnh 5"/>
+          <p:cNvPicPr>
+            <a:picLocks noChangeAspect="1"/>
+          </p:cNvPicPr>
+          <p:nvPr/>
+        </p:nvPicPr>
+        <p:blipFill>
+          <a:blip r:embed="rId4" cstate="print">
+            <a:extLst>
+              <a:ext uri="{28A0092B-C50C-407E-A947-70E740481C1C}">
+                <a14:useLocalDpi xmlns:a14="http://schemas.microsoft.com/office/drawing/2010/main" val="0"/>
+              </a:ext>
+            </a:extLst>
+          </a:blip>
+          <a:stretch>
+            <a:fillRect/>
+          </a:stretch>
+        </p:blipFill>
+        <p:spPr>
+          <a:xfrm>
+            <a:off x="4310212" y="3277625"/>
+            <a:ext cx="952500" cy="914400"/>
+          </a:xfrm>
+          <a:prstGeom prst="rect">
+            <a:avLst/>
+          </a:prstGeom>
+        </p:spPr>
+      </p:pic>
+      <p:sp>
+        <p:nvSpPr>
+          <p:cNvPr id="12" name="Rectangle 11"/>
+          <p:cNvSpPr/>
+          <p:nvPr/>
+        </p:nvSpPr>
+        <p:spPr>
+          <a:xfrm>
+            <a:off x="7360132" y="2415851"/>
+            <a:ext cx="4314002" cy="861774"/>
+          </a:xfrm>
+          <a:prstGeom prst="rect">
+            <a:avLst/>
+          </a:prstGeom>
+          <a:noFill/>
+        </p:spPr>
+        <p:txBody>
+          <a:bodyPr wrap="none" lIns="91440" tIns="45720" rIns="91440" bIns="45720">
+            <a:spAutoFit/>
+          </a:bodyPr>
+          <a:lstStyle/>
+          <a:p>
+            <a:pPr marL="685800" indent="-685800" algn="ctr">
+              <a:buFont typeface="Wingdings" panose="05000000000000000000" pitchFamily="2" charset="2"/>
+              <a:buChar char="ü"/>
+            </a:pPr>
+            <a:r>
+              <a:rPr lang="en-US" sz="5000" smtClean="0">
+                <a:ln w="0"/>
+                <a:solidFill>
+                  <a:srgbClr val="FF0000"/>
+                </a:solidFill>
+                <a:effectLst>
+                  <a:outerShdw blurRad="38100" dist="19050" dir="2700000" algn="tl" rotWithShape="0">
+                    <a:schemeClr val="dk1">
+                      <a:alpha val="40000"/>
+                    </a:schemeClr>
+                  </a:outerShdw>
+                </a:effectLst>
+                <a:latin typeface="Times New Roman" panose="02020603050405020304" pitchFamily="18" charset="0"/>
+                <a:cs typeface="Times New Roman" panose="02020603050405020304" pitchFamily="18" charset="0"/>
+              </a:rPr>
+              <a:t>Vị trí hiện tại</a:t>
+            </a:r>
+            <a:endParaRPr lang="en-US" sz="5000" b="0" cap="none" spc="0">
+              <a:ln w="0"/>
+              <a:solidFill>
+                <a:srgbClr val="FF0000"/>
+              </a:solidFill>
+              <a:effectLst>
+                <a:outerShdw blurRad="38100" dist="19050" dir="2700000" algn="tl" rotWithShape="0">
+                  <a:schemeClr val="dk1">
+                    <a:alpha val="40000"/>
+                  </a:schemeClr>
+                </a:outerShdw>
+              </a:effectLst>
+              <a:latin typeface="Times New Roman" panose="02020603050405020304" pitchFamily="18" charset="0"/>
+              <a:cs typeface="Times New Roman" panose="02020603050405020304" pitchFamily="18" charset="0"/>
+            </a:endParaRPr>
+          </a:p>
+        </p:txBody>
+      </p:sp>
+      <p:sp>
+        <p:nvSpPr>
+          <p:cNvPr id="13" name="Rectangle 12"/>
+          <p:cNvSpPr/>
+          <p:nvPr/>
+        </p:nvSpPr>
+        <p:spPr>
+          <a:xfrm>
+            <a:off x="7414953" y="3541979"/>
+            <a:ext cx="3993402" cy="861774"/>
+          </a:xfrm>
+          <a:prstGeom prst="rect">
+            <a:avLst/>
+          </a:prstGeom>
+          <a:noFill/>
+        </p:spPr>
+        <p:txBody>
+          <a:bodyPr wrap="none" lIns="91440" tIns="45720" rIns="91440" bIns="45720">
+            <a:spAutoFit/>
+          </a:bodyPr>
+          <a:lstStyle/>
+          <a:p>
+            <a:pPr marL="685800" indent="-685800" algn="ctr">
+              <a:buFont typeface="Wingdings" panose="05000000000000000000" pitchFamily="2" charset="2"/>
+              <a:buChar char="ü"/>
+            </a:pPr>
+            <a:r>
+              <a:rPr lang="en-US" sz="5000" smtClean="0">
+                <a:ln w="0"/>
+                <a:solidFill>
+                  <a:srgbClr val="FF0000"/>
+                </a:solidFill>
+                <a:effectLst>
+                  <a:outerShdw blurRad="38100" dist="19050" dir="2700000" algn="tl" rotWithShape="0">
+                    <a:schemeClr val="dk1">
+                      <a:alpha val="40000"/>
+                    </a:schemeClr>
+                  </a:outerShdw>
+                </a:effectLst>
+                <a:latin typeface="Times New Roman" panose="02020603050405020304" pitchFamily="18" charset="0"/>
+                <a:cs typeface="Times New Roman" panose="02020603050405020304" pitchFamily="18" charset="0"/>
+              </a:rPr>
+              <a:t>Vị trí bất kỳ</a:t>
+            </a:r>
+            <a:endParaRPr lang="en-US" sz="5000" b="0" cap="none" spc="0">
+              <a:ln w="0"/>
+              <a:solidFill>
+                <a:srgbClr val="FF0000"/>
+              </a:solidFill>
+              <a:effectLst>
+                <a:outerShdw blurRad="38100" dist="19050" dir="2700000" algn="tl" rotWithShape="0">
+                  <a:schemeClr val="dk1">
+                    <a:alpha val="40000"/>
+                  </a:schemeClr>
+                </a:outerShdw>
+              </a:effectLst>
+              <a:latin typeface="Times New Roman" panose="02020603050405020304" pitchFamily="18" charset="0"/>
+              <a:cs typeface="Times New Roman" panose="02020603050405020304" pitchFamily="18" charset="0"/>
+            </a:endParaRPr>
+          </a:p>
+        </p:txBody>
+      </p:sp>
+      <p:sp>
+        <p:nvSpPr>
+          <p:cNvPr id="14" name="TextBox 13"/>
+          <p:cNvSpPr txBox="1"/>
+          <p:nvPr/>
+        </p:nvSpPr>
+        <p:spPr>
+          <a:xfrm>
+            <a:off x="162162" y="6325862"/>
+            <a:ext cx="6683432" cy="369332"/>
+          </a:xfrm>
+          <a:prstGeom prst="rect">
+            <a:avLst/>
+          </a:prstGeom>
+          <a:noFill/>
+        </p:spPr>
+        <p:txBody>
+          <a:bodyPr wrap="square" rtlCol="0">
+            <a:spAutoFit/>
+          </a:bodyPr>
+          <a:lstStyle/>
+          <a:p>
+            <a:r>
+              <a:rPr lang="en-US" smtClean="0"/>
+              <a:t>Nguồn: </a:t>
+            </a:r>
+            <a:r>
+              <a:rPr lang="en-US">
+                <a:hlinkClick r:id="rId5"/>
+              </a:rPr>
+              <a:t>http</a:t>
+            </a:r>
+            <a:r>
+              <a:rPr lang="en-US">
+                <a:hlinkClick r:id="rId5"/>
+              </a:rPr>
+              <a:t>://</a:t>
+            </a:r>
+            <a:r>
+              <a:rPr lang="en-US" smtClean="0">
+                <a:hlinkClick r:id="rId5"/>
+              </a:rPr>
+              <a:t>blog.enbake.com/files/2010/07/1234.jpg</a:t>
+            </a:r>
+            <a:endParaRPr lang="en-US" smtClean="0"/>
+          </a:p>
+        </p:txBody>
+      </p:sp>
+    </p:spTree>
+    <p:extLst>
+      <p:ext uri="{BB962C8B-B14F-4D97-AF65-F5344CB8AC3E}">
+        <p14:creationId xmlns:p14="http://schemas.microsoft.com/office/powerpoint/2010/main" val="1710445744"/>
+      </p:ext>
+    </p:extLst>
+  </p:cSld>
+  <p:clrMapOvr>
+    <a:masterClrMapping/>
+  </p:clrMapOvr>
+  <p:transition spd="slow">
+    <p:push dir="u"/>
+  </p:transition>
+  <p:timing>
+    <p:tnLst>
+      <p:par>
+        <p:cTn id="1" dur="indefinite" restart="never" nodeType="tmRoot">
+          <p:childTnLst>
+            <p:seq concurrent="1" nextAc="seek">
+              <p:cTn id="2" dur="indefinite" nodeType="mainSeq">
+                <p:childTnLst>
+                  <p:par>
+                    <p:cTn id="3" fill="hold">
+                      <p:stCondLst>
+                        <p:cond delay="indefinite"/>
+                      </p:stCondLst>
+                      <p:childTnLst>
+                        <p:par>
+                          <p:cTn id="4" fill="hold">
+                            <p:stCondLst>
+                              <p:cond delay="0"/>
+                            </p:stCondLst>
+                            <p:childTnLst>
+                              <p:par>
+                                <p:cTn id="5" presetID="16" presetClass="entr" presetSubtype="21" fill="hold" grpId="0" nodeType="clickEffect">
+                                  <p:stCondLst>
+                                    <p:cond delay="0"/>
+                                  </p:stCondLst>
+                                  <p:childTnLst>
+                                    <p:set>
+                                      <p:cBhvr>
+                                        <p:cTn id="6" dur="1" fill="hold">
+                                          <p:stCondLst>
+                                            <p:cond delay="0"/>
+                                          </p:stCondLst>
+                                        </p:cTn>
+                                        <p:tgtEl>
+                                          <p:spTgt spid="8"/>
+                                        </p:tgtEl>
+                                        <p:attrNameLst>
+                                          <p:attrName>style.visibility</p:attrName>
+                                        </p:attrNameLst>
+                                      </p:cBhvr>
+                                      <p:to>
+                                        <p:strVal val="visible"/>
+                                      </p:to>
+                                    </p:set>
+                                    <p:animEffect transition="in" filter="barn(inVertical)">
+                                      <p:cBhvr>
+                                        <p:cTn id="7" dur="500"/>
+                                        <p:tgtEl>
+                                          <p:spTgt spid="8"/>
+                                        </p:tgtEl>
+                                      </p:cBhvr>
+                                    </p:animEffect>
+                                  </p:childTnLst>
+                                </p:cTn>
+                              </p:par>
+                            </p:childTnLst>
+                          </p:cTn>
+                        </p:par>
+                      </p:childTnLst>
+                    </p:cTn>
+                  </p:par>
+                  <p:par>
+                    <p:cTn id="8" fill="hold">
+                      <p:stCondLst>
+                        <p:cond delay="indefinite"/>
+                      </p:stCondLst>
+                      <p:childTnLst>
+                        <p:par>
+                          <p:cTn id="9" fill="hold">
+                            <p:stCondLst>
+                              <p:cond delay="0"/>
+                            </p:stCondLst>
+                            <p:childTnLst>
+                              <p:par>
+                                <p:cTn id="10" presetID="16" presetClass="entr" presetSubtype="21" fill="hold" nodeType="clickEffect">
+                                  <p:stCondLst>
+                                    <p:cond delay="0"/>
+                                  </p:stCondLst>
+                                  <p:childTnLst>
+                                    <p:set>
+                                      <p:cBhvr>
+                                        <p:cTn id="11" dur="1" fill="hold">
+                                          <p:stCondLst>
+                                            <p:cond delay="0"/>
+                                          </p:stCondLst>
+                                        </p:cTn>
+                                        <p:tgtEl>
+                                          <p:spTgt spid="10"/>
+                                        </p:tgtEl>
+                                        <p:attrNameLst>
+                                          <p:attrName>style.visibility</p:attrName>
+                                        </p:attrNameLst>
+                                      </p:cBhvr>
+                                      <p:to>
+                                        <p:strVal val="visible"/>
+                                      </p:to>
+                                    </p:set>
+                                    <p:animEffect transition="in" filter="barn(inVertical)">
+                                      <p:cBhvr>
+                                        <p:cTn id="12" dur="500"/>
+                                        <p:tgtEl>
+                                          <p:spTgt spid="10"/>
+                                        </p:tgtEl>
+                                      </p:cBhvr>
+                                    </p:animEffect>
+                                  </p:childTnLst>
+                                </p:cTn>
+                              </p:par>
+                              <p:par>
+                                <p:cTn id="13" presetID="16" presetClass="entr" presetSubtype="21" fill="hold" nodeType="withEffect">
+                                  <p:stCondLst>
+                                    <p:cond delay="0"/>
+                                  </p:stCondLst>
+                                  <p:childTnLst>
+                                    <p:set>
+                                      <p:cBhvr>
+                                        <p:cTn id="14" dur="1" fill="hold">
+                                          <p:stCondLst>
+                                            <p:cond delay="0"/>
+                                          </p:stCondLst>
+                                        </p:cTn>
+                                        <p:tgtEl>
+                                          <p:spTgt spid="11"/>
+                                        </p:tgtEl>
+                                        <p:attrNameLst>
+                                          <p:attrName>style.visibility</p:attrName>
+                                        </p:attrNameLst>
+                                      </p:cBhvr>
+                                      <p:to>
+                                        <p:strVal val="visible"/>
+                                      </p:to>
+                                    </p:set>
+                                    <p:animEffect transition="in" filter="barn(inVertical)">
+                                      <p:cBhvr>
+                                        <p:cTn id="15" dur="500"/>
+                                        <p:tgtEl>
+                                          <p:spTgt spid="11"/>
+                                        </p:tgtEl>
+                                      </p:cBhvr>
+                                    </p:animEffect>
+                                  </p:childTnLst>
+                                </p:cTn>
+                              </p:par>
+                              <p:par>
+                                <p:cTn id="16" presetID="16" presetClass="entr" presetSubtype="21" fill="hold" grpId="0" nodeType="withEffect">
+                                  <p:stCondLst>
+                                    <p:cond delay="0"/>
+                                  </p:stCondLst>
+                                  <p:childTnLst>
+                                    <p:set>
+                                      <p:cBhvr>
+                                        <p:cTn id="17" dur="1" fill="hold">
+                                          <p:stCondLst>
+                                            <p:cond delay="0"/>
+                                          </p:stCondLst>
+                                        </p:cTn>
+                                        <p:tgtEl>
+                                          <p:spTgt spid="14"/>
+                                        </p:tgtEl>
+                                        <p:attrNameLst>
+                                          <p:attrName>style.visibility</p:attrName>
+                                        </p:attrNameLst>
+                                      </p:cBhvr>
+                                      <p:to>
+                                        <p:strVal val="visible"/>
+                                      </p:to>
+                                    </p:set>
+                                    <p:animEffect transition="in" filter="barn(inVertical)">
+                                      <p:cBhvr>
+                                        <p:cTn id="18" dur="500"/>
+                                        <p:tgtEl>
+                                          <p:spTgt spid="14"/>
+                                        </p:tgtEl>
+                                      </p:cBhvr>
+                                    </p:animEffect>
+                                  </p:childTnLst>
+                                </p:cTn>
+                              </p:par>
+                            </p:childTnLst>
+                          </p:cTn>
+                        </p:par>
+                      </p:childTnLst>
+                    </p:cTn>
+                  </p:par>
+                  <p:par>
+                    <p:cTn id="19" fill="hold">
+                      <p:stCondLst>
+                        <p:cond delay="indefinite"/>
+                      </p:stCondLst>
+                      <p:childTnLst>
+                        <p:par>
+                          <p:cTn id="20" fill="hold">
+                            <p:stCondLst>
+                              <p:cond delay="0"/>
+                            </p:stCondLst>
+                            <p:childTnLst>
+                              <p:par>
+                                <p:cTn id="21" presetID="16" presetClass="entr" presetSubtype="21" fill="hold" grpId="0" nodeType="clickEffect">
+                                  <p:stCondLst>
+                                    <p:cond delay="0"/>
+                                  </p:stCondLst>
+                                  <p:childTnLst>
+                                    <p:set>
+                                      <p:cBhvr>
+                                        <p:cTn id="22" dur="1" fill="hold">
+                                          <p:stCondLst>
+                                            <p:cond delay="0"/>
+                                          </p:stCondLst>
+                                        </p:cTn>
+                                        <p:tgtEl>
+                                          <p:spTgt spid="12"/>
+                                        </p:tgtEl>
+                                        <p:attrNameLst>
+                                          <p:attrName>style.visibility</p:attrName>
+                                        </p:attrNameLst>
+                                      </p:cBhvr>
+                                      <p:to>
+                                        <p:strVal val="visible"/>
+                                      </p:to>
+                                    </p:set>
+                                    <p:animEffect transition="in" filter="barn(inVertical)">
+                                      <p:cBhvr>
+                                        <p:cTn id="23" dur="500"/>
+                                        <p:tgtEl>
+                                          <p:spTgt spid="12"/>
+                                        </p:tgtEl>
+                                      </p:cBhvr>
+                                    </p:animEffect>
+                                  </p:childTnLst>
+                                </p:cTn>
+                              </p:par>
+                              <p:par>
+                                <p:cTn id="24" presetID="16" presetClass="entr" presetSubtype="21" fill="hold" grpId="0" nodeType="withEffect">
+                                  <p:stCondLst>
+                                    <p:cond delay="0"/>
+                                  </p:stCondLst>
+                                  <p:childTnLst>
+                                    <p:set>
+                                      <p:cBhvr>
+                                        <p:cTn id="25" dur="1" fill="hold">
+                                          <p:stCondLst>
+                                            <p:cond delay="0"/>
+                                          </p:stCondLst>
+                                        </p:cTn>
+                                        <p:tgtEl>
+                                          <p:spTgt spid="13"/>
+                                        </p:tgtEl>
+                                        <p:attrNameLst>
+                                          <p:attrName>style.visibility</p:attrName>
+                                        </p:attrNameLst>
+                                      </p:cBhvr>
+                                      <p:to>
+                                        <p:strVal val="visible"/>
+                                      </p:to>
+                                    </p:set>
+                                    <p:animEffect transition="in" filter="barn(inVertical)">
+                                      <p:cBhvr>
+                                        <p:cTn id="26" dur="500"/>
+                                        <p:tgtEl>
+                                          <p:spTgt spid="13"/>
+                                        </p:tgtEl>
+                                      </p:cBhvr>
+                                    </p:animEffect>
+                                  </p:childTnLst>
+                                </p:cTn>
+                              </p:par>
+                            </p:childTnLst>
+                          </p:cTn>
+                        </p:par>
+                      </p:childTnLst>
+                    </p:cTn>
+                  </p:par>
+                </p:childTnLst>
+              </p:cTn>
+              <p:prevCondLst>
+                <p:cond evt="onPrev" delay="0">
+                  <p:tgtEl>
+                    <p:sldTgt/>
+                  </p:tgtEl>
+                </p:cond>
+              </p:prevCondLst>
+              <p:nextCondLst>
+                <p:cond evt="onNext" delay="0">
+                  <p:tgtEl>
+                    <p:sldTgt/>
+                  </p:tgtEl>
+                </p:cond>
+              </p:nextCondLst>
+            </p:seq>
+          </p:childTnLst>
+        </p:cTn>
+      </p:par>
+    </p:tnLst>
+    <p:bldLst>
+      <p:bldP spid="8" grpId="0"/>
+      <p:bldP spid="12" grpId="0"/>
+      <p:bldP spid="13" grpId="0"/>
+      <p:bldP spid="14" grpId="0"/>
+    </p:bldLst>
+  </p:timing>
+</p:sld>
+</file>
+
+<file path=ppt/slides/slide7.xml><?xml version="1.0" encoding="utf-8"?>
+<p:sld xmlns:a="http://schemas.openxmlformats.org/drawingml/2006/main" xmlns:r="http://schemas.openxmlformats.org/officeDocument/2006/relationships" xmlns:p="http://schemas.openxmlformats.org/presentationml/2006/main">
+  <p:cSld>
+    <p:spTree>
+      <p:nvGrpSpPr>
+        <p:cNvPr id="1" name=""/>
+        <p:cNvGrpSpPr/>
+        <p:nvPr/>
+      </p:nvGrpSpPr>
+      <p:grpSpPr>
+        <a:xfrm>
+          <a:off x="0" y="0"/>
+          <a:ext cx="0" cy="0"/>
+          <a:chOff x="0" y="0"/>
+          <a:chExt cx="0" cy="0"/>
+        </a:xfrm>
+      </p:grpSpPr>
+      <p:sp>
+        <p:nvSpPr>
+          <p:cNvPr id="3" name="Slide Number Placeholder 2"/>
+          <p:cNvSpPr>
+            <a:spLocks noGrp="1"/>
+          </p:cNvSpPr>
+          <p:nvPr>
+            <p:ph type="sldNum" sz="quarter" idx="12"/>
+          </p:nvPr>
+        </p:nvSpPr>
+        <p:spPr/>
+        <p:txBody>
+          <a:bodyPr/>
+          <a:lstStyle/>
+          <a:p>
+            <a:fld id="{CA8D9AD5-F248-4919-864A-CFD76CC027D6}" type="slidenum">
+              <a:rPr lang="en-US" sz="1600" smtClean="0"/>
+              <a:t>7</a:t>
             </a:fld>
             <a:endParaRPr lang="en-US" sz="1600"/>
           </a:p>
@@ -6866,7 +12861,7 @@
 </p:sld>
 </file>
 
-<file path=ppt/slides/slide5.xml><?xml version="1.0" encoding="utf-8"?>
+<file path=ppt/slides/slide8.xml><?xml version="1.0" encoding="utf-8"?>
 <p:sld xmlns:a="http://schemas.openxmlformats.org/drawingml/2006/main" xmlns:r="http://schemas.openxmlformats.org/officeDocument/2006/relationships" xmlns:p="http://schemas.openxmlformats.org/presentationml/2006/main">
   <p:cSld>
     <p:spTree>
@@ -6900,7 +12895,7 @@
           <a:p>
             <a:fld id="{CA8D9AD5-F248-4919-864A-CFD76CC027D6}" type="slidenum">
               <a:rPr lang="en-US" sz="1600" smtClean="0"/>
-              <a:t>5</a:t>
+              <a:t>8</a:t>
             </a:fld>
             <a:endParaRPr lang="en-US" sz="1600"/>
           </a:p>
@@ -7062,7 +13057,7 @@
 </p:sld>
 </file>
 
-<file path=ppt/slides/slide6.xml><?xml version="1.0" encoding="utf-8"?>
+<file path=ppt/slides/slide9.xml><?xml version="1.0" encoding="utf-8"?>
 <p:sld xmlns:a="http://schemas.openxmlformats.org/drawingml/2006/main" xmlns:r="http://schemas.openxmlformats.org/officeDocument/2006/relationships" xmlns:p="http://schemas.openxmlformats.org/presentationml/2006/main">
   <p:cSld>
     <p:spTree>
@@ -7096,7 +13091,7 @@
           <a:p>
             <a:fld id="{CA8D9AD5-F248-4919-864A-CFD76CC027D6}" type="slidenum">
               <a:rPr lang="en-US" sz="1600" smtClean="0"/>
-              <a:t>6</a:t>
+              <a:t>9</a:t>
             </a:fld>
             <a:endParaRPr lang="en-US" sz="1600"/>
           </a:p>
@@ -7148,95 +13143,6 @@
     <p:extLst>
       <p:ext uri="{BB962C8B-B14F-4D97-AF65-F5344CB8AC3E}">
         <p14:creationId xmlns:p14="http://schemas.microsoft.com/office/powerpoint/2010/main" val="3864277246"/>
-      </p:ext>
-    </p:extLst>
-  </p:cSld>
-  <p:clrMapOvr>
-    <a:masterClrMapping/>
-  </p:clrMapOvr>
-  <p:transition spd="slow">
-    <p:push dir="u"/>
-  </p:transition>
-  <p:timing>
-    <p:tnLst>
-      <p:par>
-        <p:cTn id="1" dur="indefinite" restart="never" nodeType="tmRoot"/>
-      </p:par>
-    </p:tnLst>
-  </p:timing>
-</p:sld>
-</file>
-
-<file path=ppt/slides/slide7.xml><?xml version="1.0" encoding="utf-8"?>
-<p:sld xmlns:a="http://schemas.openxmlformats.org/drawingml/2006/main" xmlns:r="http://schemas.openxmlformats.org/officeDocument/2006/relationships" xmlns:p="http://schemas.openxmlformats.org/presentationml/2006/main">
-  <p:cSld>
-    <p:spTree>
-      <p:nvGrpSpPr>
-        <p:cNvPr id="1" name=""/>
-        <p:cNvGrpSpPr/>
-        <p:nvPr/>
-      </p:nvGrpSpPr>
-      <p:grpSpPr>
-        <a:xfrm>
-          <a:off x="0" y="0"/>
-          <a:ext cx="0" cy="0"/>
-          <a:chOff x="0" y="0"/>
-          <a:chExt cx="0" cy="0"/>
-        </a:xfrm>
-      </p:grpSpPr>
-      <p:sp>
-        <p:nvSpPr>
-          <p:cNvPr id="2" name="Slide Number Placeholder 1"/>
-          <p:cNvSpPr>
-            <a:spLocks noGrp="1"/>
-          </p:cNvSpPr>
-          <p:nvPr>
-            <p:ph type="sldNum" sz="quarter" idx="12"/>
-          </p:nvPr>
-        </p:nvSpPr>
-        <p:spPr/>
-        <p:txBody>
-          <a:bodyPr/>
-          <a:lstStyle/>
-          <a:p>
-            <a:fld id="{CA8D9AD5-F248-4919-864A-CFD76CC027D6}" type="slidenum">
-              <a:rPr lang="en-US" sz="1600" smtClean="0"/>
-              <a:t>7</a:t>
-            </a:fld>
-            <a:endParaRPr lang="en-US"/>
-          </a:p>
-        </p:txBody>
-      </p:sp>
-      <p:sp>
-        <p:nvSpPr>
-          <p:cNvPr id="3" name="Title 2"/>
-          <p:cNvSpPr>
-            <a:spLocks noGrp="1"/>
-          </p:cNvSpPr>
-          <p:nvPr>
-            <p:ph type="title"/>
-          </p:nvPr>
-        </p:nvSpPr>
-        <p:spPr/>
-        <p:txBody>
-          <a:bodyPr/>
-          <a:lstStyle/>
-          <a:p>
-            <a:r>
-              <a:rPr lang="en-US" smtClean="0"/>
-              <a:t>Thanks you here</a:t>
-            </a:r>
-            <a:br>
-              <a:rPr lang="en-US" smtClean="0"/>
-            </a:br>
-            <a:endParaRPr lang="en-US"/>
-          </a:p>
-        </p:txBody>
-      </p:sp>
-    </p:spTree>
-    <p:extLst>
-      <p:ext uri="{BB962C8B-B14F-4D97-AF65-F5344CB8AC3E}">
-        <p14:creationId xmlns:p14="http://schemas.microsoft.com/office/powerpoint/2010/main" val="2909775780"/>
       </p:ext>
     </p:extLst>
   </p:cSld>
@@ -7510,6 +13416,243 @@
 </file>
 
 <file path=ppt/theme/theme2.xml><?xml version="1.0" encoding="utf-8"?>
+<a:theme xmlns:a="http://schemas.openxmlformats.org/drawingml/2006/main" name="Basis">
+  <a:themeElements>
+    <a:clrScheme name="Basis">
+      <a:dk1>
+        <a:srgbClr val="000000"/>
+      </a:dk1>
+      <a:lt1>
+        <a:srgbClr val="FFFFFF"/>
+      </a:lt1>
+      <a:dk2>
+        <a:srgbClr val="565349"/>
+      </a:dk2>
+      <a:lt2>
+        <a:srgbClr val="DDDDDD"/>
+      </a:lt2>
+      <a:accent1>
+        <a:srgbClr val="A6B727"/>
+      </a:accent1>
+      <a:accent2>
+        <a:srgbClr val="DF5327"/>
+      </a:accent2>
+      <a:accent3>
+        <a:srgbClr val="FE9E00"/>
+      </a:accent3>
+      <a:accent4>
+        <a:srgbClr val="418AB3"/>
+      </a:accent4>
+      <a:accent5>
+        <a:srgbClr val="D7D447"/>
+      </a:accent5>
+      <a:accent6>
+        <a:srgbClr val="818183"/>
+      </a:accent6>
+      <a:hlink>
+        <a:srgbClr val="F59E00"/>
+      </a:hlink>
+      <a:folHlink>
+        <a:srgbClr val="B2B2B2"/>
+      </a:folHlink>
+    </a:clrScheme>
+    <a:fontScheme name="Basis">
+      <a:majorFont>
+        <a:latin typeface="Corbel" panose="020B0503020204020204"/>
+        <a:ea typeface=""/>
+        <a:cs typeface=""/>
+        <a:font script="Jpan" typeface="ＭＳ ゴシック"/>
+        <a:font script="Hang" typeface="맑은 고딕"/>
+        <a:font script="Hans" typeface="宋体"/>
+        <a:font script="Hant" typeface="新細明體"/>
+        <a:font script="Arab" typeface="Tahoma"/>
+        <a:font script="Hebr" typeface="Gisha"/>
+        <a:font script="Thai" typeface="DilleniaUPC"/>
+        <a:font script="Ethi" typeface="Nyala"/>
+        <a:font script="Beng" typeface="Vrinda"/>
+        <a:font script="Gujr" typeface="Shruti"/>
+        <a:font script="Khmr" typeface="DaunPenh"/>
+        <a:font script="Knda" typeface="Tunga"/>
+        <a:font script="Guru" typeface="Raavi"/>
+        <a:font script="Cans" typeface="Euphemia"/>
+        <a:font script="Cher" typeface="Plantagenet Cherokee"/>
+        <a:font script="Yiii" typeface="Microsoft Yi Baiti"/>
+        <a:font script="Tibt" typeface="Microsoft Himalaya"/>
+        <a:font script="Thaa" typeface="MV Boli"/>
+        <a:font script="Deva" typeface="Mangal"/>
+        <a:font script="Telu" typeface="Gautami"/>
+        <a:font script="Taml" typeface="Latha"/>
+        <a:font script="Syrc" typeface="Estrangelo Edessa"/>
+        <a:font script="Orya" typeface="Kalinga"/>
+        <a:font script="Mlym" typeface="Kartika"/>
+        <a:font script="Laoo" typeface="DokChampa"/>
+        <a:font script="Sinh" typeface="Iskoola Pota"/>
+        <a:font script="Mong" typeface="Mongolian Baiti"/>
+        <a:font script="Viet" typeface="Tahoma"/>
+        <a:font script="Uigh" typeface="Microsoft Uighur"/>
+        <a:font script="Geor" typeface="Sylfaen"/>
+      </a:majorFont>
+      <a:minorFont>
+        <a:latin typeface="Corbel" panose="020B0503020204020204"/>
+        <a:ea typeface=""/>
+        <a:cs typeface=""/>
+        <a:font script="Jpan" typeface="ＭＳ ゴシック"/>
+        <a:font script="Hang" typeface="맑은 고딕"/>
+        <a:font script="Hans" typeface="宋体"/>
+        <a:font script="Hant" typeface="新細明體"/>
+        <a:font script="Arab" typeface="Tahoma"/>
+        <a:font script="Hebr" typeface="Gisha"/>
+        <a:font script="Thai" typeface="DilleniaUPC"/>
+        <a:font script="Ethi" typeface="Nyala"/>
+        <a:font script="Beng" typeface="Vrinda"/>
+        <a:font script="Gujr" typeface="Shruti"/>
+        <a:font script="Khmr" typeface="DaunPenh"/>
+        <a:font script="Knda" typeface="Tunga"/>
+        <a:font script="Guru" typeface="Raavi"/>
+        <a:font script="Cans" typeface="Euphemia"/>
+        <a:font script="Cher" typeface="Plantagenet Cherokee"/>
+        <a:font script="Yiii" typeface="Microsoft Yi Baiti"/>
+        <a:font script="Tibt" typeface="Microsoft Himalaya"/>
+        <a:font script="Thaa" typeface="MV Boli"/>
+        <a:font script="Deva" typeface="Mangal"/>
+        <a:font script="Telu" typeface="Gautami"/>
+        <a:font script="Taml" typeface="Latha"/>
+        <a:font script="Syrc" typeface="Estrangelo Edessa"/>
+        <a:font script="Orya" typeface="Kalinga"/>
+        <a:font script="Mlym" typeface="Kartika"/>
+        <a:font script="Laoo" typeface="DokChampa"/>
+        <a:font script="Sinh" typeface="Iskoola Pota"/>
+        <a:font script="Mong" typeface="Mongolian Baiti"/>
+        <a:font script="Viet" typeface="Verdana"/>
+        <a:font script="Uigh" typeface="Microsoft Uighur"/>
+        <a:font script="Geor" typeface="Sylfaen"/>
+      </a:minorFont>
+    </a:fontScheme>
+    <a:fmtScheme name="Basis">
+      <a:fillStyleLst>
+        <a:solidFill>
+          <a:schemeClr val="phClr"/>
+        </a:solidFill>
+        <a:solidFill>
+          <a:schemeClr val="phClr">
+            <a:tint val="55000"/>
+            <a:satMod val="130000"/>
+          </a:schemeClr>
+        </a:solidFill>
+        <a:gradFill rotWithShape="1">
+          <a:gsLst>
+            <a:gs pos="0">
+              <a:schemeClr val="phClr"/>
+            </a:gs>
+            <a:gs pos="90000">
+              <a:schemeClr val="phClr">
+                <a:shade val="100000"/>
+                <a:satMod val="105000"/>
+              </a:schemeClr>
+            </a:gs>
+            <a:gs pos="100000">
+              <a:schemeClr val="phClr">
+                <a:shade val="80000"/>
+                <a:satMod val="120000"/>
+              </a:schemeClr>
+            </a:gs>
+          </a:gsLst>
+          <a:path path="circle">
+            <a:fillToRect l="100000" t="100000" r="100000" b="100000"/>
+          </a:path>
+        </a:gradFill>
+      </a:fillStyleLst>
+      <a:lnStyleLst>
+        <a:ln w="10000" cap="flat" cmpd="sng" algn="ctr">
+          <a:solidFill>
+            <a:schemeClr val="phClr"/>
+          </a:solidFill>
+          <a:prstDash val="solid"/>
+        </a:ln>
+        <a:ln w="19050" cap="flat" cmpd="sng" algn="ctr">
+          <a:solidFill>
+            <a:schemeClr val="phClr"/>
+          </a:solidFill>
+          <a:prstDash val="solid"/>
+        </a:ln>
+        <a:ln w="53975" cap="flat" cmpd="dbl" algn="ctr">
+          <a:solidFill>
+            <a:schemeClr val="phClr"/>
+          </a:solidFill>
+          <a:prstDash val="solid"/>
+        </a:ln>
+      </a:lnStyleLst>
+      <a:effectStyleLst>
+        <a:effectStyle>
+          <a:effectLst/>
+        </a:effectStyle>
+        <a:effectStyle>
+          <a:effectLst>
+            <a:outerShdw blurRad="38100" dist="25400" dir="5400000" rotWithShape="0">
+              <a:srgbClr val="000000">
+                <a:alpha val="45000"/>
+              </a:srgbClr>
+            </a:outerShdw>
+          </a:effectLst>
+        </a:effectStyle>
+        <a:effectStyle>
+          <a:effectLst>
+            <a:outerShdw blurRad="38100" dist="25400" dir="5400000" rotWithShape="0">
+              <a:srgbClr val="000000">
+                <a:alpha val="45000"/>
+              </a:srgbClr>
+            </a:outerShdw>
+          </a:effectLst>
+          <a:scene3d>
+            <a:camera prst="orthographicFront">
+              <a:rot lat="0" lon="0" rev="0"/>
+            </a:camera>
+            <a:lightRig rig="brightRoom" dir="t"/>
+          </a:scene3d>
+          <a:sp3d extrusionH="12700" contourW="25400" prstMaterial="flat">
+            <a:bevelT w="63500" h="152400" prst="angle"/>
+            <a:contourClr>
+              <a:schemeClr val="phClr">
+                <a:shade val="27000"/>
+                <a:satMod val="120000"/>
+              </a:schemeClr>
+            </a:contourClr>
+          </a:sp3d>
+        </a:effectStyle>
+      </a:effectStyleLst>
+      <a:bgFillStyleLst>
+        <a:solidFill>
+          <a:schemeClr val="phClr"/>
+        </a:solidFill>
+        <a:solidFill>
+          <a:schemeClr val="phClr">
+            <a:tint val="95000"/>
+            <a:shade val="95000"/>
+            <a:satMod val="140000"/>
+          </a:schemeClr>
+        </a:solidFill>
+        <a:solidFill>
+          <a:schemeClr val="phClr">
+            <a:tint val="90000"/>
+            <a:shade val="85000"/>
+            <a:satMod val="160000"/>
+            <a:lumMod val="110000"/>
+          </a:schemeClr>
+        </a:solidFill>
+      </a:bgFillStyleLst>
+    </a:fmtScheme>
+  </a:themeElements>
+  <a:objectDefaults/>
+  <a:extraClrSchemeLst/>
+  <a:extLst>
+    <a:ext uri="{05A4C25C-085E-4340-85A3-A5531E510DB2}">
+      <thm15:themeFamily xmlns:thm15="http://schemas.microsoft.com/office/thememl/2012/main" name="Basis" id="{5665723A-49BA-4B57-8411-A56F8F207965}" vid="{90E45F77-AEFC-46EF-A7C1-5B338C297B02}"/>
+    </a:ext>
+  </a:extLst>
+</a:theme>
+</file>
+
+<file path=ppt/theme/theme3.xml><?xml version="1.0" encoding="utf-8"?>
 <a:theme xmlns:a="http://schemas.openxmlformats.org/drawingml/2006/main" name="Office Theme">
   <a:themeElements>
     <a:clrScheme name="Sheer Green">
@@ -7762,7 +13905,7 @@
 </a:theme>
 </file>
 
-<file path=ppt/theme/theme3.xml><?xml version="1.0" encoding="utf-8"?>
+<file path=ppt/theme/theme4.xml><?xml version="1.0" encoding="utf-8"?>
 <a:theme xmlns:a="http://schemas.openxmlformats.org/drawingml/2006/main" name="Office Theme">
   <a:themeElements>
     <a:clrScheme name="Sheer Green">
